--- a/mat.pptx
+++ b/mat.pptx
@@ -2,18 +2,21 @@
 <file path=ppt/presentation.xml><?xml version="1.0" encoding="utf-8"?>
 <p:presentation xmlns:a="http://schemas.openxmlformats.org/drawingml/2006/main" xmlns:r="http://schemas.openxmlformats.org/officeDocument/2006/relationships" xmlns:p="http://schemas.openxmlformats.org/presentationml/2006/main" autoCompressPictures="0">
   <p:sldMasterIdLst>
-    <p:sldMasterId id="2147483665" r:id="rId1"/>
+    <p:sldMasterId id="2147483648" r:id="rId1"/>
   </p:sldMasterIdLst>
   <p:sldIdLst>
     <p:sldId id="256" r:id="rId2"/>
-    <p:sldId id="268" r:id="rId3"/>
-    <p:sldId id="265" r:id="rId4"/>
-    <p:sldId id="266" r:id="rId5"/>
-    <p:sldId id="269" r:id="rId6"/>
-    <p:sldId id="271" r:id="rId7"/>
-    <p:sldId id="272" r:id="rId8"/>
-    <p:sldId id="273" r:id="rId9"/>
-    <p:sldId id="267" r:id="rId10"/>
+    <p:sldId id="257" r:id="rId3"/>
+    <p:sldId id="258" r:id="rId4"/>
+    <p:sldId id="259" r:id="rId5"/>
+    <p:sldId id="260" r:id="rId6"/>
+    <p:sldId id="261" r:id="rId7"/>
+    <p:sldId id="262" r:id="rId8"/>
+    <p:sldId id="263" r:id="rId9"/>
+    <p:sldId id="264" r:id="rId10"/>
+    <p:sldId id="265" r:id="rId11"/>
+    <p:sldId id="266" r:id="rId12"/>
+    <p:sldId id="267" r:id="rId13"/>
   </p:sldIdLst>
   <p:sldSz cx="12192000" cy="6858000"/>
   <p:notesSz cx="6858000" cy="9144000"/>
@@ -113,27 +116,6 @@
     </a:lvl9pPr>
   </p:defaultTextStyle>
   <p:extLst>
-    <p:ext uri="{521415D9-36F7-43E2-AB2F-B90AF26B5E84}">
-      <p14:sectionLst xmlns:p14="http://schemas.microsoft.com/office/powerpoint/2010/main">
-        <p14:section name="Default Section" id="{6472590C-F7F7-4A5E-91CA-D0F6919A238E}">
-          <p14:sldIdLst>
-            <p14:sldId id="256"/>
-            <p14:sldId id="268"/>
-          </p14:sldIdLst>
-        </p14:section>
-        <p14:section name="Untitled Section" id="{56AB1BD3-FAF9-4D2B-9B13-44AC06496F0A}">
-          <p14:sldIdLst>
-            <p14:sldId id="265"/>
-            <p14:sldId id="266"/>
-            <p14:sldId id="269"/>
-            <p14:sldId id="271"/>
-            <p14:sldId id="272"/>
-            <p14:sldId id="273"/>
-            <p14:sldId id="267"/>
-          </p14:sldIdLst>
-        </p14:section>
-      </p14:sectionLst>
-    </p:ext>
     <p:ext uri="{EFAFB233-063F-42B5-8137-9DF3F51BA10A}">
       <p15:sldGuideLst xmlns:p15="http://schemas.microsoft.com/office/powerpoint/2012/main"/>
     </p:ext>
@@ -170,15 +152,17 @@
         </p:nvSpPr>
         <p:spPr>
           <a:xfrm>
-            <a:off x="1524000" y="1122363"/>
-            <a:ext cx="9144000" cy="2387600"/>
+            <a:off x="2589213" y="2514600"/>
+            <a:ext cx="8915399" cy="2262781"/>
           </a:xfrm>
         </p:spPr>
         <p:txBody>
-          <a:bodyPr anchor="b"/>
+          <a:bodyPr anchor="b">
+            <a:normAutofit/>
+          </a:bodyPr>
           <a:lstStyle>
-            <a:lvl1pPr algn="ctr">
-              <a:defRPr sz="6000"/>
+            <a:lvl1pPr>
+              <a:defRPr sz="5400"/>
             </a:lvl1pPr>
           </a:lstStyle>
           <a:p>
@@ -186,7 +170,7 @@
               <a:rPr lang="en-US" smtClean="0"/>
               <a:t>Click to edit Master title style</a:t>
             </a:r>
-            <a:endParaRPr lang="en-US"/>
+            <a:endParaRPr lang="en-US" dirty="0"/>
           </a:p>
         </p:txBody>
       </p:sp>
@@ -202,48 +186,103 @@
         </p:nvSpPr>
         <p:spPr>
           <a:xfrm>
-            <a:off x="1524000" y="3602038"/>
-            <a:ext cx="9144000" cy="1655762"/>
+            <a:off x="2589213" y="4777379"/>
+            <a:ext cx="8915399" cy="1126283"/>
           </a:xfrm>
         </p:spPr>
         <p:txBody>
-          <a:bodyPr/>
+          <a:bodyPr anchor="t"/>
           <a:lstStyle>
-            <a:lvl1pPr marL="0" indent="0" algn="ctr">
-              <a:buNone/>
-              <a:defRPr sz="2400"/>
+            <a:lvl1pPr marL="0" indent="0" algn="l">
+              <a:buNone/>
+              <a:defRPr>
+                <a:solidFill>
+                  <a:schemeClr val="tx1">
+                    <a:lumMod val="65000"/>
+                    <a:lumOff val="35000"/>
+                  </a:schemeClr>
+                </a:solidFill>
+              </a:defRPr>
             </a:lvl1pPr>
             <a:lvl2pPr marL="457200" indent="0" algn="ctr">
               <a:buNone/>
-              <a:defRPr sz="2000"/>
+              <a:defRPr>
+                <a:solidFill>
+                  <a:schemeClr val="tx1">
+                    <a:tint val="75000"/>
+                  </a:schemeClr>
+                </a:solidFill>
+              </a:defRPr>
             </a:lvl2pPr>
             <a:lvl3pPr marL="914400" indent="0" algn="ctr">
               <a:buNone/>
-              <a:defRPr sz="1800"/>
+              <a:defRPr>
+                <a:solidFill>
+                  <a:schemeClr val="tx1">
+                    <a:tint val="75000"/>
+                  </a:schemeClr>
+                </a:solidFill>
+              </a:defRPr>
             </a:lvl3pPr>
             <a:lvl4pPr marL="1371600" indent="0" algn="ctr">
               <a:buNone/>
-              <a:defRPr sz="1600"/>
+              <a:defRPr>
+                <a:solidFill>
+                  <a:schemeClr val="tx1">
+                    <a:tint val="75000"/>
+                  </a:schemeClr>
+                </a:solidFill>
+              </a:defRPr>
             </a:lvl4pPr>
             <a:lvl5pPr marL="1828800" indent="0" algn="ctr">
               <a:buNone/>
-              <a:defRPr sz="1600"/>
+              <a:defRPr>
+                <a:solidFill>
+                  <a:schemeClr val="tx1">
+                    <a:tint val="75000"/>
+                  </a:schemeClr>
+                </a:solidFill>
+              </a:defRPr>
             </a:lvl5pPr>
             <a:lvl6pPr marL="2286000" indent="0" algn="ctr">
               <a:buNone/>
-              <a:defRPr sz="1600"/>
+              <a:defRPr>
+                <a:solidFill>
+                  <a:schemeClr val="tx1">
+                    <a:tint val="75000"/>
+                  </a:schemeClr>
+                </a:solidFill>
+              </a:defRPr>
             </a:lvl6pPr>
             <a:lvl7pPr marL="2743200" indent="0" algn="ctr">
               <a:buNone/>
-              <a:defRPr sz="1600"/>
+              <a:defRPr>
+                <a:solidFill>
+                  <a:schemeClr val="tx1">
+                    <a:tint val="75000"/>
+                  </a:schemeClr>
+                </a:solidFill>
+              </a:defRPr>
             </a:lvl7pPr>
             <a:lvl8pPr marL="3200400" indent="0" algn="ctr">
               <a:buNone/>
-              <a:defRPr sz="1600"/>
+              <a:defRPr>
+                <a:solidFill>
+                  <a:schemeClr val="tx1">
+                    <a:tint val="75000"/>
+                  </a:schemeClr>
+                </a:solidFill>
+              </a:defRPr>
             </a:lvl8pPr>
             <a:lvl9pPr marL="3657600" indent="0" algn="ctr">
               <a:buNone/>
-              <a:defRPr sz="1600"/>
+              <a:defRPr>
+                <a:solidFill>
+                  <a:schemeClr val="tx1">
+                    <a:tint val="75000"/>
+                  </a:schemeClr>
+                </a:solidFill>
+              </a:defRPr>
             </a:lvl9pPr>
           </a:lstStyle>
           <a:p>
@@ -251,7 +290,7 @@
               <a:rPr lang="en-US" smtClean="0"/>
               <a:t>Click to edit Master subtitle style</a:t>
             </a:r>
-            <a:endParaRPr lang="en-US"/>
+            <a:endParaRPr lang="en-US" dirty="0"/>
           </a:p>
         </p:txBody>
       </p:sp>
@@ -271,9 +310,9 @@
           <a:lstStyle/>
           <a:p>
             <a:fld id="{B61BEF0D-F0BB-DE4B-95CE-6DB70DBA9567}" type="datetimeFigureOut">
-              <a:rPr lang="en-US" smtClean="0"/>
+              <a:rPr lang="en-US" dirty="0"/>
               <a:pPr/>
-              <a:t>12/29/2017</a:t>
+              <a:t>8/17/2017</a:t>
             </a:fld>
             <a:endParaRPr lang="en-US" dirty="0"/>
           </a:p>
@@ -300,6 +339,88 @@
       </p:sp>
       <p:sp>
         <p:nvSpPr>
+          <p:cNvPr id="7" name="Freeform 6"/>
+          <p:cNvSpPr/>
+          <p:nvPr/>
+        </p:nvSpPr>
+        <p:spPr bwMode="auto">
+          <a:xfrm>
+            <a:off x="0" y="4323810"/>
+            <a:ext cx="1744652" cy="778589"/>
+          </a:xfrm>
+          <a:custGeom>
+            <a:avLst/>
+            <a:gdLst/>
+            <a:ahLst/>
+            <a:cxnLst/>
+            <a:rect l="0" t="0" r="r" b="b"/>
+            <a:pathLst>
+              <a:path w="372" h="166">
+                <a:moveTo>
+                  <a:pt x="287" y="166"/>
+                </a:moveTo>
+                <a:cubicBezTo>
+                  <a:pt x="290" y="166"/>
+                  <a:pt x="292" y="165"/>
+                  <a:pt x="293" y="164"/>
+                </a:cubicBezTo>
+                <a:cubicBezTo>
+                  <a:pt x="293" y="163"/>
+                  <a:pt x="294" y="163"/>
+                  <a:pt x="294" y="163"/>
+                </a:cubicBezTo>
+                <a:cubicBezTo>
+                  <a:pt x="370" y="87"/>
+                  <a:pt x="370" y="87"/>
+                  <a:pt x="370" y="87"/>
+                </a:cubicBezTo>
+                <a:cubicBezTo>
+                  <a:pt x="372" y="85"/>
+                  <a:pt x="372" y="81"/>
+                  <a:pt x="370" y="78"/>
+                </a:cubicBezTo>
+                <a:cubicBezTo>
+                  <a:pt x="294" y="3"/>
+                  <a:pt x="294" y="3"/>
+                  <a:pt x="294" y="3"/>
+                </a:cubicBezTo>
+                <a:cubicBezTo>
+                  <a:pt x="294" y="2"/>
+                  <a:pt x="293" y="2"/>
+                  <a:pt x="293" y="2"/>
+                </a:cubicBezTo>
+                <a:cubicBezTo>
+                  <a:pt x="292" y="1"/>
+                  <a:pt x="290" y="0"/>
+                  <a:pt x="287" y="0"/>
+                </a:cubicBezTo>
+                <a:cubicBezTo>
+                  <a:pt x="0" y="0"/>
+                  <a:pt x="0" y="0"/>
+                  <a:pt x="0" y="0"/>
+                </a:cubicBezTo>
+                <a:cubicBezTo>
+                  <a:pt x="0" y="166"/>
+                  <a:pt x="0" y="166"/>
+                  <a:pt x="0" y="166"/>
+                </a:cubicBezTo>
+                <a:lnTo>
+                  <a:pt x="287" y="166"/>
+                </a:lnTo>
+                <a:close/>
+              </a:path>
+            </a:pathLst>
+          </a:custGeom>
+          <a:solidFill>
+            <a:schemeClr val="accent1"/>
+          </a:solidFill>
+          <a:ln>
+            <a:noFill/>
+          </a:ln>
+        </p:spPr>
+      </p:sp>
+      <p:sp>
+        <p:nvSpPr>
           <p:cNvPr id="6" name="Slide Number Placeholder 5"/>
           <p:cNvSpPr>
             <a:spLocks noGrp="1"/>
@@ -308,13 +429,18 @@
             <p:ph type="sldNum" sz="quarter" idx="12"/>
           </p:nvPr>
         </p:nvSpPr>
-        <p:spPr/>
+        <p:spPr>
+          <a:xfrm>
+            <a:off x="531812" y="4529540"/>
+            <a:ext cx="779767" cy="365125"/>
+          </a:xfrm>
+        </p:spPr>
         <p:txBody>
           <a:bodyPr/>
           <a:lstStyle/>
           <a:p>
             <a:fld id="{D57F1E4F-1CFF-5643-939E-217C01CDF565}" type="slidenum">
-              <a:rPr lang="en-US" smtClean="0"/>
+              <a:rPr lang="en-US" dirty="0"/>
               <a:pPr/>
               <a:t>‹#›</a:t>
             </a:fld>
@@ -323,11 +449,6 @@
         </p:txBody>
       </p:sp>
     </p:spTree>
-    <p:extLst>
-      <p:ext uri="{BB962C8B-B14F-4D97-AF65-F5344CB8AC3E}">
-        <p14:creationId xmlns:p14="http://schemas.microsoft.com/office/powerpoint/2010/main" val="772169778"/>
-      </p:ext>
-    </p:extLst>
   </p:cSld>
   <p:clrMapOvr>
     <a:masterClrMapping/>
@@ -336,6 +457,1782 @@
 </file>
 
 <file path=ppt/slideLayouts/slideLayout10.xml><?xml version="1.0" encoding="utf-8"?>
+<p:sldLayout xmlns:a="http://schemas.openxmlformats.org/drawingml/2006/main" xmlns:r="http://schemas.openxmlformats.org/officeDocument/2006/relationships" xmlns:p="http://schemas.openxmlformats.org/presentationml/2006/main" preserve="1">
+  <p:cSld name="Title and Caption">
+    <p:spTree>
+      <p:nvGrpSpPr>
+        <p:cNvPr id="1" name=""/>
+        <p:cNvGrpSpPr/>
+        <p:nvPr/>
+      </p:nvGrpSpPr>
+      <p:grpSpPr>
+        <a:xfrm>
+          <a:off x="0" y="0"/>
+          <a:ext cx="0" cy="0"/>
+          <a:chOff x="0" y="0"/>
+          <a:chExt cx="0" cy="0"/>
+        </a:xfrm>
+      </p:grpSpPr>
+      <p:sp>
+        <p:nvSpPr>
+          <p:cNvPr id="2" name="Title 1"/>
+          <p:cNvSpPr>
+            <a:spLocks noGrp="1"/>
+          </p:cNvSpPr>
+          <p:nvPr>
+            <p:ph type="title"/>
+          </p:nvPr>
+        </p:nvSpPr>
+        <p:spPr>
+          <a:xfrm>
+            <a:off x="2589212" y="609600"/>
+            <a:ext cx="8915399" cy="3117040"/>
+          </a:xfrm>
+        </p:spPr>
+        <p:txBody>
+          <a:bodyPr anchor="ctr">
+            <a:normAutofit/>
+          </a:bodyPr>
+          <a:lstStyle>
+            <a:lvl1pPr algn="l">
+              <a:defRPr sz="4800" b="0" cap="none"/>
+            </a:lvl1pPr>
+          </a:lstStyle>
+          <a:p>
+            <a:r>
+              <a:rPr lang="en-US" smtClean="0"/>
+              <a:t>Click to edit Master title style</a:t>
+            </a:r>
+            <a:endParaRPr lang="en-US" dirty="0"/>
+          </a:p>
+        </p:txBody>
+      </p:sp>
+      <p:sp>
+        <p:nvSpPr>
+          <p:cNvPr id="3" name="Text Placeholder 2"/>
+          <p:cNvSpPr>
+            <a:spLocks noGrp="1"/>
+          </p:cNvSpPr>
+          <p:nvPr>
+            <p:ph type="body" idx="1"/>
+          </p:nvPr>
+        </p:nvSpPr>
+        <p:spPr>
+          <a:xfrm>
+            <a:off x="2589212" y="4354046"/>
+            <a:ext cx="8915399" cy="1555864"/>
+          </a:xfrm>
+        </p:spPr>
+        <p:txBody>
+          <a:bodyPr anchor="ctr">
+            <a:normAutofit/>
+          </a:bodyPr>
+          <a:lstStyle>
+            <a:lvl1pPr marL="0" indent="0" algn="l">
+              <a:buNone/>
+              <a:defRPr sz="1800">
+                <a:solidFill>
+                  <a:schemeClr val="tx1">
+                    <a:lumMod val="65000"/>
+                    <a:lumOff val="35000"/>
+                  </a:schemeClr>
+                </a:solidFill>
+              </a:defRPr>
+            </a:lvl1pPr>
+            <a:lvl2pPr marL="457200" indent="0">
+              <a:buNone/>
+              <a:defRPr sz="1800">
+                <a:solidFill>
+                  <a:schemeClr val="tx1">
+                    <a:tint val="75000"/>
+                  </a:schemeClr>
+                </a:solidFill>
+              </a:defRPr>
+            </a:lvl2pPr>
+            <a:lvl3pPr marL="914400" indent="0">
+              <a:buNone/>
+              <a:defRPr sz="1600">
+                <a:solidFill>
+                  <a:schemeClr val="tx1">
+                    <a:tint val="75000"/>
+                  </a:schemeClr>
+                </a:solidFill>
+              </a:defRPr>
+            </a:lvl3pPr>
+            <a:lvl4pPr marL="1371600" indent="0">
+              <a:buNone/>
+              <a:defRPr sz="1400">
+                <a:solidFill>
+                  <a:schemeClr val="tx1">
+                    <a:tint val="75000"/>
+                  </a:schemeClr>
+                </a:solidFill>
+              </a:defRPr>
+            </a:lvl4pPr>
+            <a:lvl5pPr marL="1828800" indent="0">
+              <a:buNone/>
+              <a:defRPr sz="1400">
+                <a:solidFill>
+                  <a:schemeClr val="tx1">
+                    <a:tint val="75000"/>
+                  </a:schemeClr>
+                </a:solidFill>
+              </a:defRPr>
+            </a:lvl5pPr>
+            <a:lvl6pPr marL="2286000" indent="0">
+              <a:buNone/>
+              <a:defRPr sz="1400">
+                <a:solidFill>
+                  <a:schemeClr val="tx1">
+                    <a:tint val="75000"/>
+                  </a:schemeClr>
+                </a:solidFill>
+              </a:defRPr>
+            </a:lvl6pPr>
+            <a:lvl7pPr marL="2743200" indent="0">
+              <a:buNone/>
+              <a:defRPr sz="1400">
+                <a:solidFill>
+                  <a:schemeClr val="tx1">
+                    <a:tint val="75000"/>
+                  </a:schemeClr>
+                </a:solidFill>
+              </a:defRPr>
+            </a:lvl7pPr>
+            <a:lvl8pPr marL="3200400" indent="0">
+              <a:buNone/>
+              <a:defRPr sz="1400">
+                <a:solidFill>
+                  <a:schemeClr val="tx1">
+                    <a:tint val="75000"/>
+                  </a:schemeClr>
+                </a:solidFill>
+              </a:defRPr>
+            </a:lvl8pPr>
+            <a:lvl9pPr marL="3657600" indent="0">
+              <a:buNone/>
+              <a:defRPr sz="1400">
+                <a:solidFill>
+                  <a:schemeClr val="tx1">
+                    <a:tint val="75000"/>
+                  </a:schemeClr>
+                </a:solidFill>
+              </a:defRPr>
+            </a:lvl9pPr>
+          </a:lstStyle>
+          <a:p>
+            <a:pPr lvl="0"/>
+            <a:r>
+              <a:rPr lang="en-US" smtClean="0"/>
+              <a:t>Click to edit Master text styles</a:t>
+            </a:r>
+          </a:p>
+        </p:txBody>
+      </p:sp>
+      <p:sp>
+        <p:nvSpPr>
+          <p:cNvPr id="4" name="Date Placeholder 3"/>
+          <p:cNvSpPr>
+            <a:spLocks noGrp="1"/>
+          </p:cNvSpPr>
+          <p:nvPr>
+            <p:ph type="dt" sz="half" idx="10"/>
+          </p:nvPr>
+        </p:nvSpPr>
+        <p:spPr/>
+        <p:txBody>
+          <a:bodyPr/>
+          <a:lstStyle/>
+          <a:p>
+            <a:fld id="{B61BEF0D-F0BB-DE4B-95CE-6DB70DBA9567}" type="datetimeFigureOut">
+              <a:rPr lang="en-US" dirty="0"/>
+              <a:pPr/>
+              <a:t>8/17/2017</a:t>
+            </a:fld>
+            <a:endParaRPr lang="en-US" dirty="0"/>
+          </a:p>
+        </p:txBody>
+      </p:sp>
+      <p:sp>
+        <p:nvSpPr>
+          <p:cNvPr id="5" name="Footer Placeholder 4"/>
+          <p:cNvSpPr>
+            <a:spLocks noGrp="1"/>
+          </p:cNvSpPr>
+          <p:nvPr>
+            <p:ph type="ftr" sz="quarter" idx="11"/>
+          </p:nvPr>
+        </p:nvSpPr>
+        <p:spPr/>
+        <p:txBody>
+          <a:bodyPr/>
+          <a:lstStyle/>
+          <a:p>
+            <a:endParaRPr lang="en-US" dirty="0"/>
+          </a:p>
+        </p:txBody>
+      </p:sp>
+      <p:sp>
+        <p:nvSpPr>
+          <p:cNvPr id="9" name="Freeform 11"/>
+          <p:cNvSpPr/>
+          <p:nvPr/>
+        </p:nvSpPr>
+        <p:spPr bwMode="auto">
+          <a:xfrm flipV="1">
+            <a:off x="-4189" y="3178175"/>
+            <a:ext cx="1588527" cy="507297"/>
+          </a:xfrm>
+          <a:custGeom>
+            <a:avLst/>
+            <a:gdLst/>
+            <a:ahLst/>
+            <a:cxnLst/>
+            <a:rect l="l" t="t" r="r" b="b"/>
+            <a:pathLst>
+              <a:path w="9248" h="10000">
+                <a:moveTo>
+                  <a:pt x="9248" y="4701"/>
+                </a:moveTo>
+                <a:lnTo>
+                  <a:pt x="7915" y="188"/>
+                </a:lnTo>
+                <a:cubicBezTo>
+                  <a:pt x="7906" y="156"/>
+                  <a:pt x="7895" y="126"/>
+                  <a:pt x="7886" y="94"/>
+                </a:cubicBezTo>
+                <a:cubicBezTo>
+                  <a:pt x="7859" y="0"/>
+                  <a:pt x="7831" y="0"/>
+                  <a:pt x="7803" y="0"/>
+                </a:cubicBezTo>
+                <a:lnTo>
+                  <a:pt x="7275" y="0"/>
+                </a:lnTo>
+                <a:lnTo>
+                  <a:pt x="0" y="70"/>
+                </a:lnTo>
+                <a:cubicBezTo>
+                  <a:pt x="8" y="3380"/>
+                  <a:pt x="17" y="6690"/>
+                  <a:pt x="25" y="10000"/>
+                </a:cubicBezTo>
+                <a:lnTo>
+                  <a:pt x="7275" y="9966"/>
+                </a:lnTo>
+                <a:lnTo>
+                  <a:pt x="7803" y="9966"/>
+                </a:lnTo>
+                <a:cubicBezTo>
+                  <a:pt x="7831" y="9966"/>
+                  <a:pt x="7859" y="9872"/>
+                  <a:pt x="7886" y="9872"/>
+                </a:cubicBezTo>
+                <a:cubicBezTo>
+                  <a:pt x="7886" y="9778"/>
+                  <a:pt x="7915" y="9778"/>
+                  <a:pt x="7915" y="9778"/>
+                </a:cubicBezTo>
+                <a:lnTo>
+                  <a:pt x="9248" y="5265"/>
+                </a:lnTo>
+                <a:cubicBezTo>
+                  <a:pt x="9303" y="5077"/>
+                  <a:pt x="9303" y="4889"/>
+                  <a:pt x="9248" y="4701"/>
+                </a:cubicBezTo>
+                <a:close/>
+              </a:path>
+            </a:pathLst>
+          </a:custGeom>
+          <a:solidFill>
+            <a:schemeClr val="accent1"/>
+          </a:solidFill>
+          <a:ln>
+            <a:noFill/>
+          </a:ln>
+        </p:spPr>
+      </p:sp>
+      <p:sp>
+        <p:nvSpPr>
+          <p:cNvPr id="6" name="Slide Number Placeholder 5"/>
+          <p:cNvSpPr>
+            <a:spLocks noGrp="1"/>
+          </p:cNvSpPr>
+          <p:nvPr>
+            <p:ph type="sldNum" sz="quarter" idx="12"/>
+          </p:nvPr>
+        </p:nvSpPr>
+        <p:spPr>
+          <a:xfrm>
+            <a:off x="531812" y="3244139"/>
+            <a:ext cx="779767" cy="365125"/>
+          </a:xfrm>
+        </p:spPr>
+        <p:txBody>
+          <a:bodyPr/>
+          <a:lstStyle/>
+          <a:p>
+            <a:fld id="{D57F1E4F-1CFF-5643-939E-217C01CDF565}" type="slidenum">
+              <a:rPr lang="en-US" dirty="0"/>
+              <a:pPr/>
+              <a:t>‹#›</a:t>
+            </a:fld>
+            <a:endParaRPr lang="en-US" dirty="0"/>
+          </a:p>
+        </p:txBody>
+      </p:sp>
+    </p:spTree>
+  </p:cSld>
+  <p:clrMapOvr>
+    <a:masterClrMapping/>
+  </p:clrMapOvr>
+</p:sldLayout>
+</file>
+
+<file path=ppt/slideLayouts/slideLayout11.xml><?xml version="1.0" encoding="utf-8"?>
+<p:sldLayout xmlns:a="http://schemas.openxmlformats.org/drawingml/2006/main" xmlns:r="http://schemas.openxmlformats.org/officeDocument/2006/relationships" xmlns:p="http://schemas.openxmlformats.org/presentationml/2006/main" preserve="1">
+  <p:cSld name="Quote with Caption">
+    <p:spTree>
+      <p:nvGrpSpPr>
+        <p:cNvPr id="1" name=""/>
+        <p:cNvGrpSpPr/>
+        <p:nvPr/>
+      </p:nvGrpSpPr>
+      <p:grpSpPr>
+        <a:xfrm>
+          <a:off x="0" y="0"/>
+          <a:ext cx="0" cy="0"/>
+          <a:chOff x="0" y="0"/>
+          <a:chExt cx="0" cy="0"/>
+        </a:xfrm>
+      </p:grpSpPr>
+      <p:sp>
+        <p:nvSpPr>
+          <p:cNvPr id="2" name="Title 1"/>
+          <p:cNvSpPr>
+            <a:spLocks noGrp="1"/>
+          </p:cNvSpPr>
+          <p:nvPr>
+            <p:ph type="title"/>
+          </p:nvPr>
+        </p:nvSpPr>
+        <p:spPr>
+          <a:xfrm>
+            <a:off x="2849949" y="609600"/>
+            <a:ext cx="8393926" cy="2895600"/>
+          </a:xfrm>
+        </p:spPr>
+        <p:txBody>
+          <a:bodyPr anchor="ctr">
+            <a:normAutofit/>
+          </a:bodyPr>
+          <a:lstStyle>
+            <a:lvl1pPr algn="l">
+              <a:defRPr sz="4800" b="0" cap="none"/>
+            </a:lvl1pPr>
+          </a:lstStyle>
+          <a:p>
+            <a:r>
+              <a:rPr lang="en-US" smtClean="0"/>
+              <a:t>Click to edit Master title style</a:t>
+            </a:r>
+            <a:endParaRPr lang="en-US" dirty="0"/>
+          </a:p>
+        </p:txBody>
+      </p:sp>
+      <p:sp>
+        <p:nvSpPr>
+          <p:cNvPr id="13" name="Text Placeholder 9"/>
+          <p:cNvSpPr>
+            <a:spLocks noGrp="1"/>
+          </p:cNvSpPr>
+          <p:nvPr>
+            <p:ph type="body" sz="quarter" idx="13"/>
+          </p:nvPr>
+        </p:nvSpPr>
+        <p:spPr>
+          <a:xfrm>
+            <a:off x="3275012" y="3505200"/>
+            <a:ext cx="7536554" cy="381000"/>
+          </a:xfrm>
+        </p:spPr>
+        <p:txBody>
+          <a:bodyPr anchor="ctr">
+            <a:noAutofit/>
+          </a:bodyPr>
+          <a:lstStyle>
+            <a:lvl1pPr marL="0" indent="0">
+              <a:buFontTx/>
+              <a:buNone/>
+              <a:defRPr sz="1600">
+                <a:solidFill>
+                  <a:schemeClr val="tx1">
+                    <a:lumMod val="50000"/>
+                    <a:lumOff val="50000"/>
+                  </a:schemeClr>
+                </a:solidFill>
+              </a:defRPr>
+            </a:lvl1pPr>
+            <a:lvl2pPr marL="457200" indent="0">
+              <a:buFontTx/>
+              <a:buNone/>
+              <a:defRPr/>
+            </a:lvl2pPr>
+            <a:lvl3pPr marL="914400" indent="0">
+              <a:buFontTx/>
+              <a:buNone/>
+              <a:defRPr/>
+            </a:lvl3pPr>
+            <a:lvl4pPr marL="1371600" indent="0">
+              <a:buFontTx/>
+              <a:buNone/>
+              <a:defRPr/>
+            </a:lvl4pPr>
+            <a:lvl5pPr marL="1828800" indent="0">
+              <a:buFontTx/>
+              <a:buNone/>
+              <a:defRPr/>
+            </a:lvl5pPr>
+          </a:lstStyle>
+          <a:p>
+            <a:pPr lvl="0"/>
+            <a:r>
+              <a:rPr lang="en-US" smtClean="0"/>
+              <a:t>Click to edit Master text styles</a:t>
+            </a:r>
+          </a:p>
+        </p:txBody>
+      </p:sp>
+      <p:sp>
+        <p:nvSpPr>
+          <p:cNvPr id="3" name="Text Placeholder 2"/>
+          <p:cNvSpPr>
+            <a:spLocks noGrp="1"/>
+          </p:cNvSpPr>
+          <p:nvPr>
+            <p:ph type="body" idx="1"/>
+          </p:nvPr>
+        </p:nvSpPr>
+        <p:spPr>
+          <a:xfrm>
+            <a:off x="2589212" y="4354046"/>
+            <a:ext cx="8915399" cy="1555864"/>
+          </a:xfrm>
+        </p:spPr>
+        <p:txBody>
+          <a:bodyPr anchor="ctr">
+            <a:normAutofit/>
+          </a:bodyPr>
+          <a:lstStyle>
+            <a:lvl1pPr marL="0" indent="0" algn="l">
+              <a:buNone/>
+              <a:defRPr sz="1800">
+                <a:solidFill>
+                  <a:schemeClr val="tx1">
+                    <a:lumMod val="65000"/>
+                    <a:lumOff val="35000"/>
+                  </a:schemeClr>
+                </a:solidFill>
+              </a:defRPr>
+            </a:lvl1pPr>
+            <a:lvl2pPr marL="457200" indent="0">
+              <a:buNone/>
+              <a:defRPr sz="1800">
+                <a:solidFill>
+                  <a:schemeClr val="tx1">
+                    <a:tint val="75000"/>
+                  </a:schemeClr>
+                </a:solidFill>
+              </a:defRPr>
+            </a:lvl2pPr>
+            <a:lvl3pPr marL="914400" indent="0">
+              <a:buNone/>
+              <a:defRPr sz="1600">
+                <a:solidFill>
+                  <a:schemeClr val="tx1">
+                    <a:tint val="75000"/>
+                  </a:schemeClr>
+                </a:solidFill>
+              </a:defRPr>
+            </a:lvl3pPr>
+            <a:lvl4pPr marL="1371600" indent="0">
+              <a:buNone/>
+              <a:defRPr sz="1400">
+                <a:solidFill>
+                  <a:schemeClr val="tx1">
+                    <a:tint val="75000"/>
+                  </a:schemeClr>
+                </a:solidFill>
+              </a:defRPr>
+            </a:lvl4pPr>
+            <a:lvl5pPr marL="1828800" indent="0">
+              <a:buNone/>
+              <a:defRPr sz="1400">
+                <a:solidFill>
+                  <a:schemeClr val="tx1">
+                    <a:tint val="75000"/>
+                  </a:schemeClr>
+                </a:solidFill>
+              </a:defRPr>
+            </a:lvl5pPr>
+            <a:lvl6pPr marL="2286000" indent="0">
+              <a:buNone/>
+              <a:defRPr sz="1400">
+                <a:solidFill>
+                  <a:schemeClr val="tx1">
+                    <a:tint val="75000"/>
+                  </a:schemeClr>
+                </a:solidFill>
+              </a:defRPr>
+            </a:lvl6pPr>
+            <a:lvl7pPr marL="2743200" indent="0">
+              <a:buNone/>
+              <a:defRPr sz="1400">
+                <a:solidFill>
+                  <a:schemeClr val="tx1">
+                    <a:tint val="75000"/>
+                  </a:schemeClr>
+                </a:solidFill>
+              </a:defRPr>
+            </a:lvl7pPr>
+            <a:lvl8pPr marL="3200400" indent="0">
+              <a:buNone/>
+              <a:defRPr sz="1400">
+                <a:solidFill>
+                  <a:schemeClr val="tx1">
+                    <a:tint val="75000"/>
+                  </a:schemeClr>
+                </a:solidFill>
+              </a:defRPr>
+            </a:lvl8pPr>
+            <a:lvl9pPr marL="3657600" indent="0">
+              <a:buNone/>
+              <a:defRPr sz="1400">
+                <a:solidFill>
+                  <a:schemeClr val="tx1">
+                    <a:tint val="75000"/>
+                  </a:schemeClr>
+                </a:solidFill>
+              </a:defRPr>
+            </a:lvl9pPr>
+          </a:lstStyle>
+          <a:p>
+            <a:pPr lvl="0"/>
+            <a:r>
+              <a:rPr lang="en-US" smtClean="0"/>
+              <a:t>Click to edit Master text styles</a:t>
+            </a:r>
+          </a:p>
+        </p:txBody>
+      </p:sp>
+      <p:sp>
+        <p:nvSpPr>
+          <p:cNvPr id="4" name="Date Placeholder 3"/>
+          <p:cNvSpPr>
+            <a:spLocks noGrp="1"/>
+          </p:cNvSpPr>
+          <p:nvPr>
+            <p:ph type="dt" sz="half" idx="10"/>
+          </p:nvPr>
+        </p:nvSpPr>
+        <p:spPr/>
+        <p:txBody>
+          <a:bodyPr/>
+          <a:lstStyle/>
+          <a:p>
+            <a:fld id="{B61BEF0D-F0BB-DE4B-95CE-6DB70DBA9567}" type="datetimeFigureOut">
+              <a:rPr lang="en-US" dirty="0"/>
+              <a:pPr/>
+              <a:t>8/17/2017</a:t>
+            </a:fld>
+            <a:endParaRPr lang="en-US" dirty="0"/>
+          </a:p>
+        </p:txBody>
+      </p:sp>
+      <p:sp>
+        <p:nvSpPr>
+          <p:cNvPr id="5" name="Footer Placeholder 4"/>
+          <p:cNvSpPr>
+            <a:spLocks noGrp="1"/>
+          </p:cNvSpPr>
+          <p:nvPr>
+            <p:ph type="ftr" sz="quarter" idx="11"/>
+          </p:nvPr>
+        </p:nvSpPr>
+        <p:spPr/>
+        <p:txBody>
+          <a:bodyPr/>
+          <a:lstStyle/>
+          <a:p>
+            <a:endParaRPr lang="en-US" dirty="0"/>
+          </a:p>
+        </p:txBody>
+      </p:sp>
+      <p:sp>
+        <p:nvSpPr>
+          <p:cNvPr id="11" name="Freeform 11"/>
+          <p:cNvSpPr/>
+          <p:nvPr/>
+        </p:nvSpPr>
+        <p:spPr bwMode="auto">
+          <a:xfrm flipV="1">
+            <a:off x="-4189" y="3178175"/>
+            <a:ext cx="1588527" cy="507297"/>
+          </a:xfrm>
+          <a:custGeom>
+            <a:avLst/>
+            <a:gdLst/>
+            <a:ahLst/>
+            <a:cxnLst/>
+            <a:rect l="l" t="t" r="r" b="b"/>
+            <a:pathLst>
+              <a:path w="9248" h="10000">
+                <a:moveTo>
+                  <a:pt x="9248" y="4701"/>
+                </a:moveTo>
+                <a:lnTo>
+                  <a:pt x="7915" y="188"/>
+                </a:lnTo>
+                <a:cubicBezTo>
+                  <a:pt x="7906" y="156"/>
+                  <a:pt x="7895" y="126"/>
+                  <a:pt x="7886" y="94"/>
+                </a:cubicBezTo>
+                <a:cubicBezTo>
+                  <a:pt x="7859" y="0"/>
+                  <a:pt x="7831" y="0"/>
+                  <a:pt x="7803" y="0"/>
+                </a:cubicBezTo>
+                <a:lnTo>
+                  <a:pt x="7275" y="0"/>
+                </a:lnTo>
+                <a:lnTo>
+                  <a:pt x="0" y="70"/>
+                </a:lnTo>
+                <a:cubicBezTo>
+                  <a:pt x="8" y="3380"/>
+                  <a:pt x="17" y="6690"/>
+                  <a:pt x="25" y="10000"/>
+                </a:cubicBezTo>
+                <a:lnTo>
+                  <a:pt x="7275" y="9966"/>
+                </a:lnTo>
+                <a:lnTo>
+                  <a:pt x="7803" y="9966"/>
+                </a:lnTo>
+                <a:cubicBezTo>
+                  <a:pt x="7831" y="9966"/>
+                  <a:pt x="7859" y="9872"/>
+                  <a:pt x="7886" y="9872"/>
+                </a:cubicBezTo>
+                <a:cubicBezTo>
+                  <a:pt x="7886" y="9778"/>
+                  <a:pt x="7915" y="9778"/>
+                  <a:pt x="7915" y="9778"/>
+                </a:cubicBezTo>
+                <a:lnTo>
+                  <a:pt x="9248" y="5265"/>
+                </a:lnTo>
+                <a:cubicBezTo>
+                  <a:pt x="9303" y="5077"/>
+                  <a:pt x="9303" y="4889"/>
+                  <a:pt x="9248" y="4701"/>
+                </a:cubicBezTo>
+                <a:close/>
+              </a:path>
+            </a:pathLst>
+          </a:custGeom>
+          <a:solidFill>
+            <a:schemeClr val="accent1"/>
+          </a:solidFill>
+          <a:ln>
+            <a:noFill/>
+          </a:ln>
+        </p:spPr>
+      </p:sp>
+      <p:sp>
+        <p:nvSpPr>
+          <p:cNvPr id="6" name="Slide Number Placeholder 5"/>
+          <p:cNvSpPr>
+            <a:spLocks noGrp="1"/>
+          </p:cNvSpPr>
+          <p:nvPr>
+            <p:ph type="sldNum" sz="quarter" idx="12"/>
+          </p:nvPr>
+        </p:nvSpPr>
+        <p:spPr>
+          <a:xfrm>
+            <a:off x="531812" y="3244139"/>
+            <a:ext cx="779767" cy="365125"/>
+          </a:xfrm>
+        </p:spPr>
+        <p:txBody>
+          <a:bodyPr/>
+          <a:lstStyle/>
+          <a:p>
+            <a:fld id="{D57F1E4F-1CFF-5643-939E-217C01CDF565}" type="slidenum">
+              <a:rPr lang="en-US" dirty="0"/>
+              <a:pPr/>
+              <a:t>‹#›</a:t>
+            </a:fld>
+            <a:endParaRPr lang="en-US" dirty="0"/>
+          </a:p>
+        </p:txBody>
+      </p:sp>
+      <p:sp>
+        <p:nvSpPr>
+          <p:cNvPr id="14" name="TextBox 13"/>
+          <p:cNvSpPr txBox="1"/>
+          <p:nvPr/>
+        </p:nvSpPr>
+        <p:spPr>
+          <a:xfrm>
+            <a:off x="2467652" y="648005"/>
+            <a:ext cx="609600" cy="584776"/>
+          </a:xfrm>
+          <a:prstGeom prst="rect">
+            <a:avLst/>
+          </a:prstGeom>
+        </p:spPr>
+        <p:txBody>
+          <a:bodyPr vert="horz" lIns="91440" tIns="45720" rIns="91440" bIns="45720" rtlCol="0" anchor="ctr">
+            <a:noAutofit/>
+          </a:bodyPr>
+          <a:lstStyle/>
+          <a:p>
+            <a:pPr lvl="0"/>
+            <a:r>
+              <a:rPr lang="en-US" sz="8000" baseline="0" dirty="0">
+                <a:ln w="3175" cmpd="sng">
+                  <a:noFill/>
+                </a:ln>
+                <a:solidFill>
+                  <a:schemeClr val="accent1"/>
+                </a:solidFill>
+                <a:effectLst/>
+                <a:latin typeface="Arial"/>
+              </a:rPr>
+              <a:t>“</a:t>
+            </a:r>
+          </a:p>
+        </p:txBody>
+      </p:sp>
+      <p:sp>
+        <p:nvSpPr>
+          <p:cNvPr id="15" name="TextBox 14"/>
+          <p:cNvSpPr txBox="1"/>
+          <p:nvPr/>
+        </p:nvSpPr>
+        <p:spPr>
+          <a:xfrm>
+            <a:off x="11114852" y="2905306"/>
+            <a:ext cx="609600" cy="584776"/>
+          </a:xfrm>
+          <a:prstGeom prst="rect">
+            <a:avLst/>
+          </a:prstGeom>
+        </p:spPr>
+        <p:txBody>
+          <a:bodyPr vert="horz" lIns="91440" tIns="45720" rIns="91440" bIns="45720" rtlCol="0" anchor="ctr">
+            <a:noAutofit/>
+          </a:bodyPr>
+          <a:lstStyle/>
+          <a:p>
+            <a:pPr lvl="0"/>
+            <a:r>
+              <a:rPr lang="en-US" sz="8000" baseline="0" dirty="0">
+                <a:ln w="3175" cmpd="sng">
+                  <a:noFill/>
+                </a:ln>
+                <a:solidFill>
+                  <a:schemeClr val="accent1"/>
+                </a:solidFill>
+                <a:effectLst/>
+                <a:latin typeface="Arial"/>
+              </a:rPr>
+              <a:t>”</a:t>
+            </a:r>
+          </a:p>
+        </p:txBody>
+      </p:sp>
+    </p:spTree>
+  </p:cSld>
+  <p:clrMapOvr>
+    <a:masterClrMapping/>
+  </p:clrMapOvr>
+</p:sldLayout>
+</file>
+
+<file path=ppt/slideLayouts/slideLayout12.xml><?xml version="1.0" encoding="utf-8"?>
+<p:sldLayout xmlns:a="http://schemas.openxmlformats.org/drawingml/2006/main" xmlns:r="http://schemas.openxmlformats.org/officeDocument/2006/relationships" xmlns:p="http://schemas.openxmlformats.org/presentationml/2006/main" preserve="1">
+  <p:cSld name="Name Card">
+    <p:spTree>
+      <p:nvGrpSpPr>
+        <p:cNvPr id="1" name=""/>
+        <p:cNvGrpSpPr/>
+        <p:nvPr/>
+      </p:nvGrpSpPr>
+      <p:grpSpPr>
+        <a:xfrm>
+          <a:off x="0" y="0"/>
+          <a:ext cx="0" cy="0"/>
+          <a:chOff x="0" y="0"/>
+          <a:chExt cx="0" cy="0"/>
+        </a:xfrm>
+      </p:grpSpPr>
+      <p:sp>
+        <p:nvSpPr>
+          <p:cNvPr id="2" name="Title 1"/>
+          <p:cNvSpPr>
+            <a:spLocks noGrp="1"/>
+          </p:cNvSpPr>
+          <p:nvPr>
+            <p:ph type="title"/>
+          </p:nvPr>
+        </p:nvSpPr>
+        <p:spPr>
+          <a:xfrm>
+            <a:off x="2589213" y="2438400"/>
+            <a:ext cx="8915400" cy="2724845"/>
+          </a:xfrm>
+        </p:spPr>
+        <p:txBody>
+          <a:bodyPr anchor="b">
+            <a:normAutofit/>
+          </a:bodyPr>
+          <a:lstStyle>
+            <a:lvl1pPr algn="l">
+              <a:defRPr sz="4800" b="0"/>
+            </a:lvl1pPr>
+          </a:lstStyle>
+          <a:p>
+            <a:r>
+              <a:rPr lang="en-US" smtClean="0"/>
+              <a:t>Click to edit Master title style</a:t>
+            </a:r>
+            <a:endParaRPr lang="en-US" dirty="0"/>
+          </a:p>
+        </p:txBody>
+      </p:sp>
+      <p:sp>
+        <p:nvSpPr>
+          <p:cNvPr id="4" name="Text Placeholder 3"/>
+          <p:cNvSpPr>
+            <a:spLocks noGrp="1"/>
+          </p:cNvSpPr>
+          <p:nvPr>
+            <p:ph type="body" sz="half" idx="2"/>
+          </p:nvPr>
+        </p:nvSpPr>
+        <p:spPr>
+          <a:xfrm>
+            <a:off x="2589213" y="5181600"/>
+            <a:ext cx="8915400" cy="729622"/>
+          </a:xfrm>
+        </p:spPr>
+        <p:txBody>
+          <a:bodyPr vert="horz" lIns="91440" tIns="45720" rIns="91440" bIns="45720" rtlCol="0" anchor="t">
+            <a:normAutofit/>
+          </a:bodyPr>
+          <a:lstStyle>
+            <a:lvl1pPr>
+              <a:buNone/>
+              <a:defRPr lang="en-US">
+                <a:solidFill>
+                  <a:schemeClr val="tx1">
+                    <a:lumMod val="65000"/>
+                    <a:lumOff val="35000"/>
+                  </a:schemeClr>
+                </a:solidFill>
+              </a:defRPr>
+            </a:lvl1pPr>
+          </a:lstStyle>
+          <a:p>
+            <a:pPr marL="0" lvl="0" indent="0">
+              <a:buNone/>
+            </a:pPr>
+            <a:r>
+              <a:rPr lang="en-US" smtClean="0"/>
+              <a:t>Click to edit Master text styles</a:t>
+            </a:r>
+          </a:p>
+        </p:txBody>
+      </p:sp>
+      <p:sp>
+        <p:nvSpPr>
+          <p:cNvPr id="5" name="Date Placeholder 4"/>
+          <p:cNvSpPr>
+            <a:spLocks noGrp="1"/>
+          </p:cNvSpPr>
+          <p:nvPr>
+            <p:ph type="dt" sz="half" idx="10"/>
+          </p:nvPr>
+        </p:nvSpPr>
+        <p:spPr/>
+        <p:txBody>
+          <a:bodyPr/>
+          <a:lstStyle/>
+          <a:p>
+            <a:fld id="{B61BEF0D-F0BB-DE4B-95CE-6DB70DBA9567}" type="datetimeFigureOut">
+              <a:rPr lang="en-US" dirty="0"/>
+              <a:pPr/>
+              <a:t>8/17/2017</a:t>
+            </a:fld>
+            <a:endParaRPr lang="en-US" dirty="0"/>
+          </a:p>
+        </p:txBody>
+      </p:sp>
+      <p:sp>
+        <p:nvSpPr>
+          <p:cNvPr id="6" name="Footer Placeholder 5"/>
+          <p:cNvSpPr>
+            <a:spLocks noGrp="1"/>
+          </p:cNvSpPr>
+          <p:nvPr>
+            <p:ph type="ftr" sz="quarter" idx="11"/>
+          </p:nvPr>
+        </p:nvSpPr>
+        <p:spPr/>
+        <p:txBody>
+          <a:bodyPr/>
+          <a:lstStyle/>
+          <a:p>
+            <a:endParaRPr lang="en-US" dirty="0"/>
+          </a:p>
+        </p:txBody>
+      </p:sp>
+      <p:sp>
+        <p:nvSpPr>
+          <p:cNvPr id="9" name="Freeform 11"/>
+          <p:cNvSpPr/>
+          <p:nvPr/>
+        </p:nvSpPr>
+        <p:spPr bwMode="auto">
+          <a:xfrm flipV="1">
+            <a:off x="-4189" y="4911725"/>
+            <a:ext cx="1588527" cy="507297"/>
+          </a:xfrm>
+          <a:custGeom>
+            <a:avLst/>
+            <a:gdLst/>
+            <a:ahLst/>
+            <a:cxnLst/>
+            <a:rect l="l" t="t" r="r" b="b"/>
+            <a:pathLst>
+              <a:path w="9248" h="10000">
+                <a:moveTo>
+                  <a:pt x="9248" y="4701"/>
+                </a:moveTo>
+                <a:lnTo>
+                  <a:pt x="7915" y="188"/>
+                </a:lnTo>
+                <a:cubicBezTo>
+                  <a:pt x="7906" y="156"/>
+                  <a:pt x="7895" y="126"/>
+                  <a:pt x="7886" y="94"/>
+                </a:cubicBezTo>
+                <a:cubicBezTo>
+                  <a:pt x="7859" y="0"/>
+                  <a:pt x="7831" y="0"/>
+                  <a:pt x="7803" y="0"/>
+                </a:cubicBezTo>
+                <a:lnTo>
+                  <a:pt x="7275" y="0"/>
+                </a:lnTo>
+                <a:lnTo>
+                  <a:pt x="0" y="70"/>
+                </a:lnTo>
+                <a:cubicBezTo>
+                  <a:pt x="8" y="3380"/>
+                  <a:pt x="17" y="6690"/>
+                  <a:pt x="25" y="10000"/>
+                </a:cubicBezTo>
+                <a:lnTo>
+                  <a:pt x="7275" y="9966"/>
+                </a:lnTo>
+                <a:lnTo>
+                  <a:pt x="7803" y="9966"/>
+                </a:lnTo>
+                <a:cubicBezTo>
+                  <a:pt x="7831" y="9966"/>
+                  <a:pt x="7859" y="9872"/>
+                  <a:pt x="7886" y="9872"/>
+                </a:cubicBezTo>
+                <a:cubicBezTo>
+                  <a:pt x="7886" y="9778"/>
+                  <a:pt x="7915" y="9778"/>
+                  <a:pt x="7915" y="9778"/>
+                </a:cubicBezTo>
+                <a:lnTo>
+                  <a:pt x="9248" y="5265"/>
+                </a:lnTo>
+                <a:cubicBezTo>
+                  <a:pt x="9303" y="5077"/>
+                  <a:pt x="9303" y="4889"/>
+                  <a:pt x="9248" y="4701"/>
+                </a:cubicBezTo>
+                <a:close/>
+              </a:path>
+            </a:pathLst>
+          </a:custGeom>
+          <a:solidFill>
+            <a:schemeClr val="accent1"/>
+          </a:solidFill>
+          <a:ln>
+            <a:noFill/>
+          </a:ln>
+        </p:spPr>
+      </p:sp>
+      <p:sp>
+        <p:nvSpPr>
+          <p:cNvPr id="7" name="Slide Number Placeholder 6"/>
+          <p:cNvSpPr>
+            <a:spLocks noGrp="1"/>
+          </p:cNvSpPr>
+          <p:nvPr>
+            <p:ph type="sldNum" sz="quarter" idx="12"/>
+          </p:nvPr>
+        </p:nvSpPr>
+        <p:spPr>
+          <a:xfrm>
+            <a:off x="531812" y="4983087"/>
+            <a:ext cx="779767" cy="365125"/>
+          </a:xfrm>
+        </p:spPr>
+        <p:txBody>
+          <a:bodyPr/>
+          <a:lstStyle/>
+          <a:p>
+            <a:fld id="{D57F1E4F-1CFF-5643-939E-217C01CDF565}" type="slidenum">
+              <a:rPr lang="en-US" dirty="0"/>
+              <a:pPr/>
+              <a:t>‹#›</a:t>
+            </a:fld>
+            <a:endParaRPr lang="en-US" dirty="0"/>
+          </a:p>
+        </p:txBody>
+      </p:sp>
+    </p:spTree>
+  </p:cSld>
+  <p:clrMapOvr>
+    <a:masterClrMapping/>
+  </p:clrMapOvr>
+</p:sldLayout>
+</file>
+
+<file path=ppt/slideLayouts/slideLayout13.xml><?xml version="1.0" encoding="utf-8"?>
+<p:sldLayout xmlns:a="http://schemas.openxmlformats.org/drawingml/2006/main" xmlns:r="http://schemas.openxmlformats.org/officeDocument/2006/relationships" xmlns:p="http://schemas.openxmlformats.org/presentationml/2006/main" preserve="1">
+  <p:cSld name="Quote Name Card">
+    <p:spTree>
+      <p:nvGrpSpPr>
+        <p:cNvPr id="1" name=""/>
+        <p:cNvGrpSpPr/>
+        <p:nvPr/>
+      </p:nvGrpSpPr>
+      <p:grpSpPr>
+        <a:xfrm>
+          <a:off x="0" y="0"/>
+          <a:ext cx="0" cy="0"/>
+          <a:chOff x="0" y="0"/>
+          <a:chExt cx="0" cy="0"/>
+        </a:xfrm>
+      </p:grpSpPr>
+      <p:sp>
+        <p:nvSpPr>
+          <p:cNvPr id="12" name="Title 1"/>
+          <p:cNvSpPr>
+            <a:spLocks noGrp="1"/>
+          </p:cNvSpPr>
+          <p:nvPr>
+            <p:ph type="title"/>
+          </p:nvPr>
+        </p:nvSpPr>
+        <p:spPr>
+          <a:xfrm>
+            <a:off x="2849949" y="609600"/>
+            <a:ext cx="8393926" cy="2895600"/>
+          </a:xfrm>
+        </p:spPr>
+        <p:txBody>
+          <a:bodyPr anchor="ctr">
+            <a:normAutofit/>
+          </a:bodyPr>
+          <a:lstStyle>
+            <a:lvl1pPr algn="l">
+              <a:defRPr sz="4800" b="0" cap="none"/>
+            </a:lvl1pPr>
+          </a:lstStyle>
+          <a:p>
+            <a:r>
+              <a:rPr lang="en-US" smtClean="0"/>
+              <a:t>Click to edit Master title style</a:t>
+            </a:r>
+            <a:endParaRPr lang="en-US" dirty="0"/>
+          </a:p>
+        </p:txBody>
+      </p:sp>
+      <p:sp>
+        <p:nvSpPr>
+          <p:cNvPr id="21" name="Text Placeholder 9"/>
+          <p:cNvSpPr>
+            <a:spLocks noGrp="1"/>
+          </p:cNvSpPr>
+          <p:nvPr>
+            <p:ph type="body" sz="quarter" idx="13"/>
+          </p:nvPr>
+        </p:nvSpPr>
+        <p:spPr>
+          <a:xfrm>
+            <a:off x="2589212" y="4343400"/>
+            <a:ext cx="8915400" cy="838200"/>
+          </a:xfrm>
+        </p:spPr>
+        <p:txBody>
+          <a:bodyPr anchor="b">
+            <a:noAutofit/>
+          </a:bodyPr>
+          <a:lstStyle>
+            <a:lvl1pPr marL="0" indent="0">
+              <a:buFontTx/>
+              <a:buNone/>
+              <a:defRPr sz="2400">
+                <a:solidFill>
+                  <a:schemeClr val="accent1"/>
+                </a:solidFill>
+              </a:defRPr>
+            </a:lvl1pPr>
+            <a:lvl2pPr marL="457200" indent="0">
+              <a:buFontTx/>
+              <a:buNone/>
+              <a:defRPr/>
+            </a:lvl2pPr>
+            <a:lvl3pPr marL="914400" indent="0">
+              <a:buFontTx/>
+              <a:buNone/>
+              <a:defRPr/>
+            </a:lvl3pPr>
+            <a:lvl4pPr marL="1371600" indent="0">
+              <a:buFontTx/>
+              <a:buNone/>
+              <a:defRPr/>
+            </a:lvl4pPr>
+            <a:lvl5pPr marL="1828800" indent="0">
+              <a:buFontTx/>
+              <a:buNone/>
+              <a:defRPr/>
+            </a:lvl5pPr>
+          </a:lstStyle>
+          <a:p>
+            <a:pPr lvl="0"/>
+            <a:r>
+              <a:rPr lang="en-US" smtClean="0"/>
+              <a:t>Click to edit Master text styles</a:t>
+            </a:r>
+          </a:p>
+        </p:txBody>
+      </p:sp>
+      <p:sp>
+        <p:nvSpPr>
+          <p:cNvPr id="4" name="Text Placeholder 3"/>
+          <p:cNvSpPr>
+            <a:spLocks noGrp="1"/>
+          </p:cNvSpPr>
+          <p:nvPr>
+            <p:ph type="body" sz="half" idx="2"/>
+          </p:nvPr>
+        </p:nvSpPr>
+        <p:spPr>
+          <a:xfrm>
+            <a:off x="2589213" y="5181600"/>
+            <a:ext cx="8915400" cy="729622"/>
+          </a:xfrm>
+        </p:spPr>
+        <p:txBody>
+          <a:bodyPr vert="horz" lIns="91440" tIns="45720" rIns="91440" bIns="45720" rtlCol="0" anchor="t">
+            <a:normAutofit/>
+          </a:bodyPr>
+          <a:lstStyle>
+            <a:lvl1pPr>
+              <a:buNone/>
+              <a:defRPr lang="en-US">
+                <a:solidFill>
+                  <a:schemeClr val="tx1">
+                    <a:lumMod val="65000"/>
+                    <a:lumOff val="35000"/>
+                  </a:schemeClr>
+                </a:solidFill>
+              </a:defRPr>
+            </a:lvl1pPr>
+          </a:lstStyle>
+          <a:p>
+            <a:pPr marL="0" lvl="0" indent="0">
+              <a:buNone/>
+            </a:pPr>
+            <a:r>
+              <a:rPr lang="en-US" smtClean="0"/>
+              <a:t>Click to edit Master text styles</a:t>
+            </a:r>
+          </a:p>
+        </p:txBody>
+      </p:sp>
+      <p:sp>
+        <p:nvSpPr>
+          <p:cNvPr id="5" name="Date Placeholder 4"/>
+          <p:cNvSpPr>
+            <a:spLocks noGrp="1"/>
+          </p:cNvSpPr>
+          <p:nvPr>
+            <p:ph type="dt" sz="half" idx="10"/>
+          </p:nvPr>
+        </p:nvSpPr>
+        <p:spPr/>
+        <p:txBody>
+          <a:bodyPr/>
+          <a:lstStyle/>
+          <a:p>
+            <a:fld id="{B61BEF0D-F0BB-DE4B-95CE-6DB70DBA9567}" type="datetimeFigureOut">
+              <a:rPr lang="en-US" dirty="0"/>
+              <a:pPr/>
+              <a:t>8/17/2017</a:t>
+            </a:fld>
+            <a:endParaRPr lang="en-US" dirty="0"/>
+          </a:p>
+        </p:txBody>
+      </p:sp>
+      <p:sp>
+        <p:nvSpPr>
+          <p:cNvPr id="6" name="Footer Placeholder 5"/>
+          <p:cNvSpPr>
+            <a:spLocks noGrp="1"/>
+          </p:cNvSpPr>
+          <p:nvPr>
+            <p:ph type="ftr" sz="quarter" idx="11"/>
+          </p:nvPr>
+        </p:nvSpPr>
+        <p:spPr/>
+        <p:txBody>
+          <a:bodyPr/>
+          <a:lstStyle/>
+          <a:p>
+            <a:endParaRPr lang="en-US" dirty="0"/>
+          </a:p>
+        </p:txBody>
+      </p:sp>
+      <p:sp>
+        <p:nvSpPr>
+          <p:cNvPr id="11" name="Freeform 11"/>
+          <p:cNvSpPr/>
+          <p:nvPr/>
+        </p:nvSpPr>
+        <p:spPr bwMode="auto">
+          <a:xfrm flipV="1">
+            <a:off x="-4189" y="4911725"/>
+            <a:ext cx="1588527" cy="507297"/>
+          </a:xfrm>
+          <a:custGeom>
+            <a:avLst/>
+            <a:gdLst/>
+            <a:ahLst/>
+            <a:cxnLst/>
+            <a:rect l="l" t="t" r="r" b="b"/>
+            <a:pathLst>
+              <a:path w="9248" h="10000">
+                <a:moveTo>
+                  <a:pt x="9248" y="4701"/>
+                </a:moveTo>
+                <a:lnTo>
+                  <a:pt x="7915" y="188"/>
+                </a:lnTo>
+                <a:cubicBezTo>
+                  <a:pt x="7906" y="156"/>
+                  <a:pt x="7895" y="126"/>
+                  <a:pt x="7886" y="94"/>
+                </a:cubicBezTo>
+                <a:cubicBezTo>
+                  <a:pt x="7859" y="0"/>
+                  <a:pt x="7831" y="0"/>
+                  <a:pt x="7803" y="0"/>
+                </a:cubicBezTo>
+                <a:lnTo>
+                  <a:pt x="7275" y="0"/>
+                </a:lnTo>
+                <a:lnTo>
+                  <a:pt x="0" y="70"/>
+                </a:lnTo>
+                <a:cubicBezTo>
+                  <a:pt x="8" y="3380"/>
+                  <a:pt x="17" y="6690"/>
+                  <a:pt x="25" y="10000"/>
+                </a:cubicBezTo>
+                <a:lnTo>
+                  <a:pt x="7275" y="9966"/>
+                </a:lnTo>
+                <a:lnTo>
+                  <a:pt x="7803" y="9966"/>
+                </a:lnTo>
+                <a:cubicBezTo>
+                  <a:pt x="7831" y="9966"/>
+                  <a:pt x="7859" y="9872"/>
+                  <a:pt x="7886" y="9872"/>
+                </a:cubicBezTo>
+                <a:cubicBezTo>
+                  <a:pt x="7886" y="9778"/>
+                  <a:pt x="7915" y="9778"/>
+                  <a:pt x="7915" y="9778"/>
+                </a:cubicBezTo>
+                <a:lnTo>
+                  <a:pt x="9248" y="5265"/>
+                </a:lnTo>
+                <a:cubicBezTo>
+                  <a:pt x="9303" y="5077"/>
+                  <a:pt x="9303" y="4889"/>
+                  <a:pt x="9248" y="4701"/>
+                </a:cubicBezTo>
+                <a:close/>
+              </a:path>
+            </a:pathLst>
+          </a:custGeom>
+          <a:solidFill>
+            <a:schemeClr val="accent1"/>
+          </a:solidFill>
+          <a:ln>
+            <a:noFill/>
+          </a:ln>
+        </p:spPr>
+      </p:sp>
+      <p:sp>
+        <p:nvSpPr>
+          <p:cNvPr id="7" name="Slide Number Placeholder 6"/>
+          <p:cNvSpPr>
+            <a:spLocks noGrp="1"/>
+          </p:cNvSpPr>
+          <p:nvPr>
+            <p:ph type="sldNum" sz="quarter" idx="12"/>
+          </p:nvPr>
+        </p:nvSpPr>
+        <p:spPr>
+          <a:xfrm>
+            <a:off x="531812" y="4983087"/>
+            <a:ext cx="779767" cy="365125"/>
+          </a:xfrm>
+        </p:spPr>
+        <p:txBody>
+          <a:bodyPr/>
+          <a:lstStyle/>
+          <a:p>
+            <a:fld id="{D57F1E4F-1CFF-5643-939E-217C01CDF565}" type="slidenum">
+              <a:rPr lang="en-US" dirty="0"/>
+              <a:pPr/>
+              <a:t>‹#›</a:t>
+            </a:fld>
+            <a:endParaRPr lang="en-US" dirty="0"/>
+          </a:p>
+        </p:txBody>
+      </p:sp>
+      <p:sp>
+        <p:nvSpPr>
+          <p:cNvPr id="17" name="TextBox 16"/>
+          <p:cNvSpPr txBox="1"/>
+          <p:nvPr/>
+        </p:nvSpPr>
+        <p:spPr>
+          <a:xfrm>
+            <a:off x="2467652" y="648005"/>
+            <a:ext cx="609600" cy="584776"/>
+          </a:xfrm>
+          <a:prstGeom prst="rect">
+            <a:avLst/>
+          </a:prstGeom>
+        </p:spPr>
+        <p:txBody>
+          <a:bodyPr vert="horz" lIns="91440" tIns="45720" rIns="91440" bIns="45720" rtlCol="0" anchor="ctr">
+            <a:noAutofit/>
+          </a:bodyPr>
+          <a:lstStyle/>
+          <a:p>
+            <a:pPr lvl="0"/>
+            <a:r>
+              <a:rPr lang="en-US" sz="8000" baseline="0" dirty="0">
+                <a:ln w="3175" cmpd="sng">
+                  <a:noFill/>
+                </a:ln>
+                <a:solidFill>
+                  <a:schemeClr val="accent1"/>
+                </a:solidFill>
+                <a:effectLst/>
+                <a:latin typeface="Arial"/>
+              </a:rPr>
+              <a:t>“</a:t>
+            </a:r>
+          </a:p>
+        </p:txBody>
+      </p:sp>
+      <p:sp>
+        <p:nvSpPr>
+          <p:cNvPr id="18" name="TextBox 17"/>
+          <p:cNvSpPr txBox="1"/>
+          <p:nvPr/>
+        </p:nvSpPr>
+        <p:spPr>
+          <a:xfrm>
+            <a:off x="11114852" y="2905306"/>
+            <a:ext cx="609600" cy="584776"/>
+          </a:xfrm>
+          <a:prstGeom prst="rect">
+            <a:avLst/>
+          </a:prstGeom>
+        </p:spPr>
+        <p:txBody>
+          <a:bodyPr vert="horz" lIns="91440" tIns="45720" rIns="91440" bIns="45720" rtlCol="0" anchor="ctr">
+            <a:noAutofit/>
+          </a:bodyPr>
+          <a:lstStyle/>
+          <a:p>
+            <a:pPr lvl="0"/>
+            <a:r>
+              <a:rPr lang="en-US" sz="8000" baseline="0" dirty="0">
+                <a:ln w="3175" cmpd="sng">
+                  <a:noFill/>
+                </a:ln>
+                <a:solidFill>
+                  <a:schemeClr val="accent1"/>
+                </a:solidFill>
+                <a:effectLst/>
+                <a:latin typeface="Arial"/>
+              </a:rPr>
+              <a:t>”</a:t>
+            </a:r>
+          </a:p>
+        </p:txBody>
+      </p:sp>
+    </p:spTree>
+  </p:cSld>
+  <p:clrMapOvr>
+    <a:masterClrMapping/>
+  </p:clrMapOvr>
+</p:sldLayout>
+</file>
+
+<file path=ppt/slideLayouts/slideLayout14.xml><?xml version="1.0" encoding="utf-8"?>
+<p:sldLayout xmlns:a="http://schemas.openxmlformats.org/drawingml/2006/main" xmlns:r="http://schemas.openxmlformats.org/officeDocument/2006/relationships" xmlns:p="http://schemas.openxmlformats.org/presentationml/2006/main" preserve="1">
+  <p:cSld name="True or False">
+    <p:spTree>
+      <p:nvGrpSpPr>
+        <p:cNvPr id="1" name=""/>
+        <p:cNvGrpSpPr/>
+        <p:nvPr/>
+      </p:nvGrpSpPr>
+      <p:grpSpPr>
+        <a:xfrm>
+          <a:off x="0" y="0"/>
+          <a:ext cx="0" cy="0"/>
+          <a:chOff x="0" y="0"/>
+          <a:chExt cx="0" cy="0"/>
+        </a:xfrm>
+      </p:grpSpPr>
+      <p:sp>
+        <p:nvSpPr>
+          <p:cNvPr id="2" name="Title 1"/>
+          <p:cNvSpPr>
+            <a:spLocks noGrp="1"/>
+          </p:cNvSpPr>
+          <p:nvPr>
+            <p:ph type="title"/>
+          </p:nvPr>
+        </p:nvSpPr>
+        <p:spPr>
+          <a:xfrm>
+            <a:off x="2589212" y="627407"/>
+            <a:ext cx="8915399" cy="2880020"/>
+          </a:xfrm>
+        </p:spPr>
+        <p:txBody>
+          <a:bodyPr anchor="ctr">
+            <a:normAutofit/>
+          </a:bodyPr>
+          <a:lstStyle>
+            <a:lvl1pPr algn="l">
+              <a:defRPr sz="4800" b="0"/>
+            </a:lvl1pPr>
+          </a:lstStyle>
+          <a:p>
+            <a:r>
+              <a:rPr lang="en-US" smtClean="0"/>
+              <a:t>Click to edit Master title style</a:t>
+            </a:r>
+            <a:endParaRPr lang="en-US" dirty="0"/>
+          </a:p>
+        </p:txBody>
+      </p:sp>
+      <p:sp>
+        <p:nvSpPr>
+          <p:cNvPr id="21" name="Text Placeholder 9"/>
+          <p:cNvSpPr>
+            <a:spLocks noGrp="1"/>
+          </p:cNvSpPr>
+          <p:nvPr>
+            <p:ph type="body" sz="quarter" idx="13"/>
+          </p:nvPr>
+        </p:nvSpPr>
+        <p:spPr>
+          <a:xfrm>
+            <a:off x="2589212" y="4343400"/>
+            <a:ext cx="8915400" cy="838200"/>
+          </a:xfrm>
+        </p:spPr>
+        <p:txBody>
+          <a:bodyPr anchor="b">
+            <a:noAutofit/>
+          </a:bodyPr>
+          <a:lstStyle>
+            <a:lvl1pPr marL="0" indent="0">
+              <a:buFontTx/>
+              <a:buNone/>
+              <a:defRPr sz="2400">
+                <a:solidFill>
+                  <a:schemeClr val="accent1"/>
+                </a:solidFill>
+              </a:defRPr>
+            </a:lvl1pPr>
+            <a:lvl2pPr marL="457200" indent="0">
+              <a:buFontTx/>
+              <a:buNone/>
+              <a:defRPr/>
+            </a:lvl2pPr>
+            <a:lvl3pPr marL="914400" indent="0">
+              <a:buFontTx/>
+              <a:buNone/>
+              <a:defRPr/>
+            </a:lvl3pPr>
+            <a:lvl4pPr marL="1371600" indent="0">
+              <a:buFontTx/>
+              <a:buNone/>
+              <a:defRPr/>
+            </a:lvl4pPr>
+            <a:lvl5pPr marL="1828800" indent="0">
+              <a:buFontTx/>
+              <a:buNone/>
+              <a:defRPr/>
+            </a:lvl5pPr>
+          </a:lstStyle>
+          <a:p>
+            <a:pPr lvl="0"/>
+            <a:r>
+              <a:rPr lang="en-US" smtClean="0"/>
+              <a:t>Click to edit Master text styles</a:t>
+            </a:r>
+          </a:p>
+        </p:txBody>
+      </p:sp>
+      <p:sp>
+        <p:nvSpPr>
+          <p:cNvPr id="4" name="Text Placeholder 3"/>
+          <p:cNvSpPr>
+            <a:spLocks noGrp="1"/>
+          </p:cNvSpPr>
+          <p:nvPr>
+            <p:ph type="body" sz="half" idx="2"/>
+          </p:nvPr>
+        </p:nvSpPr>
+        <p:spPr>
+          <a:xfrm>
+            <a:off x="2589213" y="5181600"/>
+            <a:ext cx="8915400" cy="729622"/>
+          </a:xfrm>
+        </p:spPr>
+        <p:txBody>
+          <a:bodyPr vert="horz" lIns="91440" tIns="45720" rIns="91440" bIns="45720" rtlCol="0" anchor="t">
+            <a:normAutofit/>
+          </a:bodyPr>
+          <a:lstStyle>
+            <a:lvl1pPr>
+              <a:buNone/>
+              <a:defRPr lang="en-US">
+                <a:solidFill>
+                  <a:schemeClr val="tx1">
+                    <a:lumMod val="65000"/>
+                    <a:lumOff val="35000"/>
+                  </a:schemeClr>
+                </a:solidFill>
+              </a:defRPr>
+            </a:lvl1pPr>
+          </a:lstStyle>
+          <a:p>
+            <a:pPr marL="0" lvl="0" indent="0">
+              <a:buNone/>
+            </a:pPr>
+            <a:r>
+              <a:rPr lang="en-US" smtClean="0"/>
+              <a:t>Click to edit Master text styles</a:t>
+            </a:r>
+          </a:p>
+        </p:txBody>
+      </p:sp>
+      <p:sp>
+        <p:nvSpPr>
+          <p:cNvPr id="5" name="Date Placeholder 4"/>
+          <p:cNvSpPr>
+            <a:spLocks noGrp="1"/>
+          </p:cNvSpPr>
+          <p:nvPr>
+            <p:ph type="dt" sz="half" idx="10"/>
+          </p:nvPr>
+        </p:nvSpPr>
+        <p:spPr/>
+        <p:txBody>
+          <a:bodyPr/>
+          <a:lstStyle/>
+          <a:p>
+            <a:fld id="{B61BEF0D-F0BB-DE4B-95CE-6DB70DBA9567}" type="datetimeFigureOut">
+              <a:rPr lang="en-US" dirty="0"/>
+              <a:pPr/>
+              <a:t>8/17/2017</a:t>
+            </a:fld>
+            <a:endParaRPr lang="en-US" dirty="0"/>
+          </a:p>
+        </p:txBody>
+      </p:sp>
+      <p:sp>
+        <p:nvSpPr>
+          <p:cNvPr id="6" name="Footer Placeholder 5"/>
+          <p:cNvSpPr>
+            <a:spLocks noGrp="1"/>
+          </p:cNvSpPr>
+          <p:nvPr>
+            <p:ph type="ftr" sz="quarter" idx="11"/>
+          </p:nvPr>
+        </p:nvSpPr>
+        <p:spPr/>
+        <p:txBody>
+          <a:bodyPr/>
+          <a:lstStyle/>
+          <a:p>
+            <a:endParaRPr lang="en-US" dirty="0"/>
+          </a:p>
+        </p:txBody>
+      </p:sp>
+      <p:sp>
+        <p:nvSpPr>
+          <p:cNvPr id="9" name="Freeform 11"/>
+          <p:cNvSpPr/>
+          <p:nvPr/>
+        </p:nvSpPr>
+        <p:spPr bwMode="auto">
+          <a:xfrm flipV="1">
+            <a:off x="-4189" y="4911725"/>
+            <a:ext cx="1588527" cy="507297"/>
+          </a:xfrm>
+          <a:custGeom>
+            <a:avLst/>
+            <a:gdLst/>
+            <a:ahLst/>
+            <a:cxnLst/>
+            <a:rect l="l" t="t" r="r" b="b"/>
+            <a:pathLst>
+              <a:path w="9248" h="10000">
+                <a:moveTo>
+                  <a:pt x="9248" y="4701"/>
+                </a:moveTo>
+                <a:lnTo>
+                  <a:pt x="7915" y="188"/>
+                </a:lnTo>
+                <a:cubicBezTo>
+                  <a:pt x="7906" y="156"/>
+                  <a:pt x="7895" y="126"/>
+                  <a:pt x="7886" y="94"/>
+                </a:cubicBezTo>
+                <a:cubicBezTo>
+                  <a:pt x="7859" y="0"/>
+                  <a:pt x="7831" y="0"/>
+                  <a:pt x="7803" y="0"/>
+                </a:cubicBezTo>
+                <a:lnTo>
+                  <a:pt x="7275" y="0"/>
+                </a:lnTo>
+                <a:lnTo>
+                  <a:pt x="0" y="70"/>
+                </a:lnTo>
+                <a:cubicBezTo>
+                  <a:pt x="8" y="3380"/>
+                  <a:pt x="17" y="6690"/>
+                  <a:pt x="25" y="10000"/>
+                </a:cubicBezTo>
+                <a:lnTo>
+                  <a:pt x="7275" y="9966"/>
+                </a:lnTo>
+                <a:lnTo>
+                  <a:pt x="7803" y="9966"/>
+                </a:lnTo>
+                <a:cubicBezTo>
+                  <a:pt x="7831" y="9966"/>
+                  <a:pt x="7859" y="9872"/>
+                  <a:pt x="7886" y="9872"/>
+                </a:cubicBezTo>
+                <a:cubicBezTo>
+                  <a:pt x="7886" y="9778"/>
+                  <a:pt x="7915" y="9778"/>
+                  <a:pt x="7915" y="9778"/>
+                </a:cubicBezTo>
+                <a:lnTo>
+                  <a:pt x="9248" y="5265"/>
+                </a:lnTo>
+                <a:cubicBezTo>
+                  <a:pt x="9303" y="5077"/>
+                  <a:pt x="9303" y="4889"/>
+                  <a:pt x="9248" y="4701"/>
+                </a:cubicBezTo>
+                <a:close/>
+              </a:path>
+            </a:pathLst>
+          </a:custGeom>
+          <a:solidFill>
+            <a:schemeClr val="accent1"/>
+          </a:solidFill>
+          <a:ln>
+            <a:noFill/>
+          </a:ln>
+        </p:spPr>
+      </p:sp>
+      <p:sp>
+        <p:nvSpPr>
+          <p:cNvPr id="7" name="Slide Number Placeholder 6"/>
+          <p:cNvSpPr>
+            <a:spLocks noGrp="1"/>
+          </p:cNvSpPr>
+          <p:nvPr>
+            <p:ph type="sldNum" sz="quarter" idx="12"/>
+          </p:nvPr>
+        </p:nvSpPr>
+        <p:spPr>
+          <a:xfrm>
+            <a:off x="531812" y="4983087"/>
+            <a:ext cx="779767" cy="365125"/>
+          </a:xfrm>
+        </p:spPr>
+        <p:txBody>
+          <a:bodyPr/>
+          <a:lstStyle/>
+          <a:p>
+            <a:fld id="{D57F1E4F-1CFF-5643-939E-217C01CDF565}" type="slidenum">
+              <a:rPr lang="en-US" dirty="0"/>
+              <a:pPr/>
+              <a:t>‹#›</a:t>
+            </a:fld>
+            <a:endParaRPr lang="en-US" dirty="0"/>
+          </a:p>
+        </p:txBody>
+      </p:sp>
+    </p:spTree>
+  </p:cSld>
+  <p:clrMapOvr>
+    <a:masterClrMapping/>
+  </p:clrMapOvr>
+</p:sldLayout>
+</file>
+
+<file path=ppt/slideLayouts/slideLayout15.xml><?xml version="1.0" encoding="utf-8"?>
 <p:sldLayout xmlns:a="http://schemas.openxmlformats.org/drawingml/2006/main" xmlns:r="http://schemas.openxmlformats.org/officeDocument/2006/relationships" xmlns:p="http://schemas.openxmlformats.org/presentationml/2006/main" type="vertTx" preserve="1">
   <p:cSld name="Title and Vertical Text">
     <p:spTree>
@@ -371,7 +2268,7 @@
               <a:rPr lang="en-US" smtClean="0"/>
               <a:t>Click to edit Master title style</a:t>
             </a:r>
-            <a:endParaRPr lang="en-US"/>
+            <a:endParaRPr lang="en-US" dirty="0"/>
           </a:p>
         </p:txBody>
       </p:sp>
@@ -387,7 +2284,7 @@
         </p:nvSpPr>
         <p:spPr/>
         <p:txBody>
-          <a:bodyPr vert="eaVert"/>
+          <a:bodyPr vert="eaVert" anchor="t"/>
           <a:lstStyle/>
           <a:p>
             <a:pPr lvl="0"/>
@@ -423,7 +2320,7 @@
               <a:rPr lang="en-US" smtClean="0"/>
               <a:t>Fifth level</a:t>
             </a:r>
-            <a:endParaRPr lang="en-US"/>
+            <a:endParaRPr lang="en-US" dirty="0"/>
           </a:p>
         </p:txBody>
       </p:sp>
@@ -443,9 +2340,9 @@
           <a:lstStyle/>
           <a:p>
             <a:fld id="{B61BEF0D-F0BB-DE4B-95CE-6DB70DBA9567}" type="datetimeFigureOut">
-              <a:rPr lang="en-US" smtClean="0"/>
+              <a:rPr lang="en-US" dirty="0"/>
               <a:pPr/>
-              <a:t>12/29/2017</a:t>
+              <a:t>8/17/2017</a:t>
             </a:fld>
             <a:endParaRPr lang="en-US" dirty="0"/>
           </a:p>
@@ -472,6 +2369,88 @@
       </p:sp>
       <p:sp>
         <p:nvSpPr>
+          <p:cNvPr id="8" name="Freeform 11"/>
+          <p:cNvSpPr/>
+          <p:nvPr/>
+        </p:nvSpPr>
+        <p:spPr bwMode="auto">
+          <a:xfrm flipV="1">
+            <a:off x="-4189" y="714375"/>
+            <a:ext cx="1588527" cy="507297"/>
+          </a:xfrm>
+          <a:custGeom>
+            <a:avLst/>
+            <a:gdLst/>
+            <a:ahLst/>
+            <a:cxnLst/>
+            <a:rect l="l" t="t" r="r" b="b"/>
+            <a:pathLst>
+              <a:path w="9248" h="10000">
+                <a:moveTo>
+                  <a:pt x="9248" y="4701"/>
+                </a:moveTo>
+                <a:lnTo>
+                  <a:pt x="7915" y="188"/>
+                </a:lnTo>
+                <a:cubicBezTo>
+                  <a:pt x="7906" y="156"/>
+                  <a:pt x="7895" y="126"/>
+                  <a:pt x="7886" y="94"/>
+                </a:cubicBezTo>
+                <a:cubicBezTo>
+                  <a:pt x="7859" y="0"/>
+                  <a:pt x="7831" y="0"/>
+                  <a:pt x="7803" y="0"/>
+                </a:cubicBezTo>
+                <a:lnTo>
+                  <a:pt x="7275" y="0"/>
+                </a:lnTo>
+                <a:lnTo>
+                  <a:pt x="0" y="70"/>
+                </a:lnTo>
+                <a:cubicBezTo>
+                  <a:pt x="8" y="3380"/>
+                  <a:pt x="17" y="6690"/>
+                  <a:pt x="25" y="10000"/>
+                </a:cubicBezTo>
+                <a:lnTo>
+                  <a:pt x="7275" y="9966"/>
+                </a:lnTo>
+                <a:lnTo>
+                  <a:pt x="7803" y="9966"/>
+                </a:lnTo>
+                <a:cubicBezTo>
+                  <a:pt x="7831" y="9966"/>
+                  <a:pt x="7859" y="9872"/>
+                  <a:pt x="7886" y="9872"/>
+                </a:cubicBezTo>
+                <a:cubicBezTo>
+                  <a:pt x="7886" y="9778"/>
+                  <a:pt x="7915" y="9778"/>
+                  <a:pt x="7915" y="9778"/>
+                </a:cubicBezTo>
+                <a:lnTo>
+                  <a:pt x="9248" y="5265"/>
+                </a:lnTo>
+                <a:cubicBezTo>
+                  <a:pt x="9303" y="5077"/>
+                  <a:pt x="9303" y="4889"/>
+                  <a:pt x="9248" y="4701"/>
+                </a:cubicBezTo>
+                <a:close/>
+              </a:path>
+            </a:pathLst>
+          </a:custGeom>
+          <a:solidFill>
+            <a:schemeClr val="accent1"/>
+          </a:solidFill>
+          <a:ln>
+            <a:noFill/>
+          </a:ln>
+        </p:spPr>
+      </p:sp>
+      <p:sp>
+        <p:nvSpPr>
           <p:cNvPr id="6" name="Slide Number Placeholder 5"/>
           <p:cNvSpPr>
             <a:spLocks noGrp="1"/>
@@ -486,7 +2465,7 @@
           <a:lstStyle/>
           <a:p>
             <a:fld id="{D57F1E4F-1CFF-5643-939E-217C01CDF565}" type="slidenum">
-              <a:rPr lang="en-US" smtClean="0"/>
+              <a:rPr lang="en-US" dirty="0"/>
               <a:pPr/>
               <a:t>‹#›</a:t>
             </a:fld>
@@ -495,11 +2474,6 @@
         </p:txBody>
       </p:sp>
     </p:spTree>
-    <p:extLst>
-      <p:ext uri="{BB962C8B-B14F-4D97-AF65-F5344CB8AC3E}">
-        <p14:creationId xmlns:p14="http://schemas.microsoft.com/office/powerpoint/2010/main" val="3724843703"/>
-      </p:ext>
-    </p:extLst>
   </p:cSld>
   <p:clrMapOvr>
     <a:masterClrMapping/>
@@ -507,7 +2481,7 @@
 </p:sldLayout>
 </file>
 
-<file path=ppt/slideLayouts/slideLayout11.xml><?xml version="1.0" encoding="utf-8"?>
+<file path=ppt/slideLayouts/slideLayout16.xml><?xml version="1.0" encoding="utf-8"?>
 <p:sldLayout xmlns:a="http://schemas.openxmlformats.org/drawingml/2006/main" xmlns:r="http://schemas.openxmlformats.org/officeDocument/2006/relationships" xmlns:p="http://schemas.openxmlformats.org/presentationml/2006/main" type="vertTitleAndTx" preserve="1">
   <p:cSld name="Vertical Title and Text">
     <p:spTree>
@@ -536,42 +2510,42 @@
         </p:nvSpPr>
         <p:spPr>
           <a:xfrm>
-            <a:off x="8724900" y="365125"/>
-            <a:ext cx="2628900" cy="5811838"/>
+            <a:off x="9294812" y="627405"/>
+            <a:ext cx="2207601" cy="5283817"/>
           </a:xfrm>
         </p:spPr>
         <p:txBody>
+          <a:bodyPr vert="eaVert" anchor="ctr"/>
+          <a:lstStyle/>
+          <a:p>
+            <a:r>
+              <a:rPr lang="en-US" smtClean="0"/>
+              <a:t>Click to edit Master title style</a:t>
+            </a:r>
+            <a:endParaRPr lang="en-US" dirty="0"/>
+          </a:p>
+        </p:txBody>
+      </p:sp>
+      <p:sp>
+        <p:nvSpPr>
+          <p:cNvPr id="3" name="Vertical Text Placeholder 2"/>
+          <p:cNvSpPr>
+            <a:spLocks noGrp="1"/>
+          </p:cNvSpPr>
+          <p:nvPr>
+            <p:ph type="body" orient="vert" idx="1"/>
+          </p:nvPr>
+        </p:nvSpPr>
+        <p:spPr>
+          <a:xfrm>
+            <a:off x="2589212" y="627405"/>
+            <a:ext cx="6477000" cy="5283817"/>
+          </a:xfrm>
+        </p:spPr>
+        <p:txBody>
           <a:bodyPr vert="eaVert"/>
           <a:lstStyle/>
           <a:p>
-            <a:r>
-              <a:rPr lang="en-US" smtClean="0"/>
-              <a:t>Click to edit Master title style</a:t>
-            </a:r>
-            <a:endParaRPr lang="en-US"/>
-          </a:p>
-        </p:txBody>
-      </p:sp>
-      <p:sp>
-        <p:nvSpPr>
-          <p:cNvPr id="3" name="Vertical Text Placeholder 2"/>
-          <p:cNvSpPr>
-            <a:spLocks noGrp="1"/>
-          </p:cNvSpPr>
-          <p:nvPr>
-            <p:ph type="body" orient="vert" idx="1"/>
-          </p:nvPr>
-        </p:nvSpPr>
-        <p:spPr>
-          <a:xfrm>
-            <a:off x="838200" y="365125"/>
-            <a:ext cx="7734300" cy="5811838"/>
-          </a:xfrm>
-        </p:spPr>
-        <p:txBody>
-          <a:bodyPr vert="eaVert"/>
-          <a:lstStyle/>
-          <a:p>
             <a:pPr lvl="0"/>
             <a:r>
               <a:rPr lang="en-US" smtClean="0"/>
@@ -605,7 +2579,7 @@
               <a:rPr lang="en-US" smtClean="0"/>
               <a:t>Fifth level</a:t>
             </a:r>
-            <a:endParaRPr lang="en-US"/>
+            <a:endParaRPr lang="en-US" dirty="0"/>
           </a:p>
         </p:txBody>
       </p:sp>
@@ -625,9 +2599,9 @@
           <a:lstStyle/>
           <a:p>
             <a:fld id="{B61BEF0D-F0BB-DE4B-95CE-6DB70DBA9567}" type="datetimeFigureOut">
-              <a:rPr lang="en-US" smtClean="0"/>
+              <a:rPr lang="en-US" dirty="0"/>
               <a:pPr/>
-              <a:t>12/29/2017</a:t>
+              <a:t>8/17/2017</a:t>
             </a:fld>
             <a:endParaRPr lang="en-US" dirty="0"/>
           </a:p>
@@ -654,6 +2628,88 @@
       </p:sp>
       <p:sp>
         <p:nvSpPr>
+          <p:cNvPr id="8" name="Freeform 11"/>
+          <p:cNvSpPr/>
+          <p:nvPr/>
+        </p:nvSpPr>
+        <p:spPr bwMode="auto">
+          <a:xfrm flipV="1">
+            <a:off x="-4189" y="714375"/>
+            <a:ext cx="1588527" cy="507297"/>
+          </a:xfrm>
+          <a:custGeom>
+            <a:avLst/>
+            <a:gdLst/>
+            <a:ahLst/>
+            <a:cxnLst/>
+            <a:rect l="l" t="t" r="r" b="b"/>
+            <a:pathLst>
+              <a:path w="9248" h="10000">
+                <a:moveTo>
+                  <a:pt x="9248" y="4701"/>
+                </a:moveTo>
+                <a:lnTo>
+                  <a:pt x="7915" y="188"/>
+                </a:lnTo>
+                <a:cubicBezTo>
+                  <a:pt x="7906" y="156"/>
+                  <a:pt x="7895" y="126"/>
+                  <a:pt x="7886" y="94"/>
+                </a:cubicBezTo>
+                <a:cubicBezTo>
+                  <a:pt x="7859" y="0"/>
+                  <a:pt x="7831" y="0"/>
+                  <a:pt x="7803" y="0"/>
+                </a:cubicBezTo>
+                <a:lnTo>
+                  <a:pt x="7275" y="0"/>
+                </a:lnTo>
+                <a:lnTo>
+                  <a:pt x="0" y="70"/>
+                </a:lnTo>
+                <a:cubicBezTo>
+                  <a:pt x="8" y="3380"/>
+                  <a:pt x="17" y="6690"/>
+                  <a:pt x="25" y="10000"/>
+                </a:cubicBezTo>
+                <a:lnTo>
+                  <a:pt x="7275" y="9966"/>
+                </a:lnTo>
+                <a:lnTo>
+                  <a:pt x="7803" y="9966"/>
+                </a:lnTo>
+                <a:cubicBezTo>
+                  <a:pt x="7831" y="9966"/>
+                  <a:pt x="7859" y="9872"/>
+                  <a:pt x="7886" y="9872"/>
+                </a:cubicBezTo>
+                <a:cubicBezTo>
+                  <a:pt x="7886" y="9778"/>
+                  <a:pt x="7915" y="9778"/>
+                  <a:pt x="7915" y="9778"/>
+                </a:cubicBezTo>
+                <a:lnTo>
+                  <a:pt x="9248" y="5265"/>
+                </a:lnTo>
+                <a:cubicBezTo>
+                  <a:pt x="9303" y="5077"/>
+                  <a:pt x="9303" y="4889"/>
+                  <a:pt x="9248" y="4701"/>
+                </a:cubicBezTo>
+                <a:close/>
+              </a:path>
+            </a:pathLst>
+          </a:custGeom>
+          <a:solidFill>
+            <a:schemeClr val="accent1"/>
+          </a:solidFill>
+          <a:ln>
+            <a:noFill/>
+          </a:ln>
+        </p:spPr>
+      </p:sp>
+      <p:sp>
+        <p:nvSpPr>
           <p:cNvPr id="6" name="Slide Number Placeholder 5"/>
           <p:cNvSpPr>
             <a:spLocks noGrp="1"/>
@@ -668,7 +2724,7 @@
           <a:lstStyle/>
           <a:p>
             <a:fld id="{D57F1E4F-1CFF-5643-939E-217C01CDF565}" type="slidenum">
-              <a:rPr lang="en-US" smtClean="0"/>
+              <a:rPr lang="en-US" dirty="0"/>
               <a:pPr/>
               <a:t>‹#›</a:t>
             </a:fld>
@@ -677,11 +2733,6 @@
         </p:txBody>
       </p:sp>
     </p:spTree>
-    <p:extLst>
-      <p:ext uri="{BB962C8B-B14F-4D97-AF65-F5344CB8AC3E}">
-        <p14:creationId xmlns:p14="http://schemas.microsoft.com/office/powerpoint/2010/main" val="3018325168"/>
-      </p:ext>
-    </p:extLst>
   </p:cSld>
   <p:clrMapOvr>
     <a:masterClrMapping/>
@@ -716,7 +2767,12 @@
             <p:ph type="title"/>
           </p:nvPr>
         </p:nvSpPr>
-        <p:spPr/>
+        <p:spPr>
+          <a:xfrm>
+            <a:off x="2592925" y="624110"/>
+            <a:ext cx="8911687" cy="1280890"/>
+          </a:xfrm>
+        </p:spPr>
         <p:txBody>
           <a:bodyPr/>
           <a:lstStyle/>
@@ -725,7 +2781,7 @@
               <a:rPr lang="en-US" smtClean="0"/>
               <a:t>Click to edit Master title style</a:t>
             </a:r>
-            <a:endParaRPr lang="en-US"/>
+            <a:endParaRPr lang="en-US" dirty="0"/>
           </a:p>
         </p:txBody>
       </p:sp>
@@ -739,7 +2795,12 @@
             <p:ph idx="1"/>
           </p:nvPr>
         </p:nvSpPr>
-        <p:spPr/>
+        <p:spPr>
+          <a:xfrm>
+            <a:off x="2589212" y="2133600"/>
+            <a:ext cx="8915400" cy="3777622"/>
+          </a:xfrm>
+        </p:spPr>
         <p:txBody>
           <a:bodyPr/>
           <a:lstStyle/>
@@ -777,7 +2838,7 @@
               <a:rPr lang="en-US" smtClean="0"/>
               <a:t>Fifth level</a:t>
             </a:r>
-            <a:endParaRPr lang="en-US"/>
+            <a:endParaRPr lang="en-US" dirty="0"/>
           </a:p>
         </p:txBody>
       </p:sp>
@@ -797,9 +2858,9 @@
           <a:lstStyle/>
           <a:p>
             <a:fld id="{B61BEF0D-F0BB-DE4B-95CE-6DB70DBA9567}" type="datetimeFigureOut">
-              <a:rPr lang="en-US" smtClean="0"/>
+              <a:rPr lang="en-US" dirty="0"/>
               <a:pPr/>
-              <a:t>12/29/2017</a:t>
+              <a:t>8/17/2017</a:t>
             </a:fld>
             <a:endParaRPr lang="en-US" dirty="0"/>
           </a:p>
@@ -826,6 +2887,88 @@
       </p:sp>
       <p:sp>
         <p:nvSpPr>
+          <p:cNvPr id="8" name="Freeform 11"/>
+          <p:cNvSpPr/>
+          <p:nvPr/>
+        </p:nvSpPr>
+        <p:spPr bwMode="auto">
+          <a:xfrm flipV="1">
+            <a:off x="-4189" y="714375"/>
+            <a:ext cx="1588527" cy="507297"/>
+          </a:xfrm>
+          <a:custGeom>
+            <a:avLst/>
+            <a:gdLst/>
+            <a:ahLst/>
+            <a:cxnLst/>
+            <a:rect l="l" t="t" r="r" b="b"/>
+            <a:pathLst>
+              <a:path w="9248" h="10000">
+                <a:moveTo>
+                  <a:pt x="9248" y="4701"/>
+                </a:moveTo>
+                <a:lnTo>
+                  <a:pt x="7915" y="188"/>
+                </a:lnTo>
+                <a:cubicBezTo>
+                  <a:pt x="7906" y="156"/>
+                  <a:pt x="7895" y="126"/>
+                  <a:pt x="7886" y="94"/>
+                </a:cubicBezTo>
+                <a:cubicBezTo>
+                  <a:pt x="7859" y="0"/>
+                  <a:pt x="7831" y="0"/>
+                  <a:pt x="7803" y="0"/>
+                </a:cubicBezTo>
+                <a:lnTo>
+                  <a:pt x="7275" y="0"/>
+                </a:lnTo>
+                <a:lnTo>
+                  <a:pt x="0" y="70"/>
+                </a:lnTo>
+                <a:cubicBezTo>
+                  <a:pt x="8" y="3380"/>
+                  <a:pt x="17" y="6690"/>
+                  <a:pt x="25" y="10000"/>
+                </a:cubicBezTo>
+                <a:lnTo>
+                  <a:pt x="7275" y="9966"/>
+                </a:lnTo>
+                <a:lnTo>
+                  <a:pt x="7803" y="9966"/>
+                </a:lnTo>
+                <a:cubicBezTo>
+                  <a:pt x="7831" y="9966"/>
+                  <a:pt x="7859" y="9872"/>
+                  <a:pt x="7886" y="9872"/>
+                </a:cubicBezTo>
+                <a:cubicBezTo>
+                  <a:pt x="7886" y="9778"/>
+                  <a:pt x="7915" y="9778"/>
+                  <a:pt x="7915" y="9778"/>
+                </a:cubicBezTo>
+                <a:lnTo>
+                  <a:pt x="9248" y="5265"/>
+                </a:lnTo>
+                <a:cubicBezTo>
+                  <a:pt x="9303" y="5077"/>
+                  <a:pt x="9303" y="4889"/>
+                  <a:pt x="9248" y="4701"/>
+                </a:cubicBezTo>
+                <a:close/>
+              </a:path>
+            </a:pathLst>
+          </a:custGeom>
+          <a:solidFill>
+            <a:schemeClr val="accent1"/>
+          </a:solidFill>
+          <a:ln>
+            <a:noFill/>
+          </a:ln>
+        </p:spPr>
+      </p:sp>
+      <p:sp>
+        <p:nvSpPr>
           <p:cNvPr id="6" name="Slide Number Placeholder 5"/>
           <p:cNvSpPr>
             <a:spLocks noGrp="1"/>
@@ -840,7 +2983,7 @@
           <a:lstStyle/>
           <a:p>
             <a:fld id="{D57F1E4F-1CFF-5643-939E-217C01CDF565}" type="slidenum">
-              <a:rPr lang="en-US" smtClean="0"/>
+              <a:rPr lang="en-US" dirty="0"/>
               <a:pPr/>
               <a:t>‹#›</a:t>
             </a:fld>
@@ -849,11 +2992,6 @@
         </p:txBody>
       </p:sp>
     </p:spTree>
-    <p:extLst>
-      <p:ext uri="{BB962C8B-B14F-4D97-AF65-F5344CB8AC3E}">
-        <p14:creationId xmlns:p14="http://schemas.microsoft.com/office/powerpoint/2010/main" val="187061159"/>
-      </p:ext>
-    </p:extLst>
   </p:cSld>
   <p:clrMapOvr>
     <a:masterClrMapping/>
@@ -890,15 +3028,15 @@
         </p:nvSpPr>
         <p:spPr>
           <a:xfrm>
-            <a:off x="831850" y="1709738"/>
-            <a:ext cx="10515600" cy="2852737"/>
+            <a:off x="2589212" y="2058750"/>
+            <a:ext cx="8915399" cy="1468800"/>
           </a:xfrm>
         </p:spPr>
         <p:txBody>
           <a:bodyPr anchor="b"/>
           <a:lstStyle>
-            <a:lvl1pPr>
-              <a:defRPr sz="6000"/>
+            <a:lvl1pPr algn="l">
+              <a:defRPr sz="4000" b="0" cap="none"/>
             </a:lvl1pPr>
           </a:lstStyle>
           <a:p>
@@ -906,7 +3044,7 @@
               <a:rPr lang="en-US" smtClean="0"/>
               <a:t>Click to edit Master title style</a:t>
             </a:r>
-            <a:endParaRPr lang="en-US"/>
+            <a:endParaRPr lang="en-US" dirty="0"/>
           </a:p>
         </p:txBody>
       </p:sp>
@@ -922,26 +3060,27 @@
         </p:nvSpPr>
         <p:spPr>
           <a:xfrm>
-            <a:off x="831850" y="4589463"/>
-            <a:ext cx="10515600" cy="1500187"/>
+            <a:off x="2589212" y="3530129"/>
+            <a:ext cx="8915399" cy="860400"/>
           </a:xfrm>
         </p:spPr>
         <p:txBody>
-          <a:bodyPr/>
+          <a:bodyPr anchor="t"/>
           <a:lstStyle>
-            <a:lvl1pPr marL="0" indent="0">
-              <a:buNone/>
-              <a:defRPr sz="2400">
+            <a:lvl1pPr marL="0" indent="0" algn="l">
+              <a:buNone/>
+              <a:defRPr sz="2000">
                 <a:solidFill>
                   <a:schemeClr val="tx1">
-                    <a:tint val="75000"/>
+                    <a:lumMod val="65000"/>
+                    <a:lumOff val="35000"/>
                   </a:schemeClr>
                 </a:solidFill>
               </a:defRPr>
             </a:lvl1pPr>
             <a:lvl2pPr marL="457200" indent="0">
               <a:buNone/>
-              <a:defRPr sz="2000">
+              <a:defRPr sz="1800">
                 <a:solidFill>
                   <a:schemeClr val="tx1">
                     <a:tint val="75000"/>
@@ -951,7 +3090,7 @@
             </a:lvl2pPr>
             <a:lvl3pPr marL="914400" indent="0">
               <a:buNone/>
-              <a:defRPr sz="1800">
+              <a:defRPr sz="1600">
                 <a:solidFill>
                   <a:schemeClr val="tx1">
                     <a:tint val="75000"/>
@@ -961,7 +3100,7 @@
             </a:lvl3pPr>
             <a:lvl4pPr marL="1371600" indent="0">
               <a:buNone/>
-              <a:defRPr sz="1600">
+              <a:defRPr sz="1400">
                 <a:solidFill>
                   <a:schemeClr val="tx1">
                     <a:tint val="75000"/>
@@ -971,7 +3110,7 @@
             </a:lvl4pPr>
             <a:lvl5pPr marL="1828800" indent="0">
               <a:buNone/>
-              <a:defRPr sz="1600">
+              <a:defRPr sz="1400">
                 <a:solidFill>
                   <a:schemeClr val="tx1">
                     <a:tint val="75000"/>
@@ -981,7 +3120,7 @@
             </a:lvl5pPr>
             <a:lvl6pPr marL="2286000" indent="0">
               <a:buNone/>
-              <a:defRPr sz="1600">
+              <a:defRPr sz="1400">
                 <a:solidFill>
                   <a:schemeClr val="tx1">
                     <a:tint val="75000"/>
@@ -991,7 +3130,7 @@
             </a:lvl6pPr>
             <a:lvl7pPr marL="2743200" indent="0">
               <a:buNone/>
-              <a:defRPr sz="1600">
+              <a:defRPr sz="1400">
                 <a:solidFill>
                   <a:schemeClr val="tx1">
                     <a:tint val="75000"/>
@@ -1001,7 +3140,7 @@
             </a:lvl7pPr>
             <a:lvl8pPr marL="3200400" indent="0">
               <a:buNone/>
-              <a:defRPr sz="1600">
+              <a:defRPr sz="1400">
                 <a:solidFill>
                   <a:schemeClr val="tx1">
                     <a:tint val="75000"/>
@@ -1011,7 +3150,7 @@
             </a:lvl8pPr>
             <a:lvl9pPr marL="3657600" indent="0">
               <a:buNone/>
-              <a:defRPr sz="1600">
+              <a:defRPr sz="1400">
                 <a:solidFill>
                   <a:schemeClr val="tx1">
                     <a:tint val="75000"/>
@@ -1045,9 +3184,9 @@
           <a:lstStyle/>
           <a:p>
             <a:fld id="{B61BEF0D-F0BB-DE4B-95CE-6DB70DBA9567}" type="datetimeFigureOut">
-              <a:rPr lang="en-US" smtClean="0"/>
+              <a:rPr lang="en-US" dirty="0"/>
               <a:pPr/>
-              <a:t>12/29/2017</a:t>
+              <a:t>8/17/2017</a:t>
             </a:fld>
             <a:endParaRPr lang="en-US" dirty="0"/>
           </a:p>
@@ -1074,6 +3213,88 @@
       </p:sp>
       <p:sp>
         <p:nvSpPr>
+          <p:cNvPr id="9" name="Freeform 11"/>
+          <p:cNvSpPr/>
+          <p:nvPr/>
+        </p:nvSpPr>
+        <p:spPr bwMode="auto">
+          <a:xfrm flipV="1">
+            <a:off x="-4189" y="3178175"/>
+            <a:ext cx="1588527" cy="507297"/>
+          </a:xfrm>
+          <a:custGeom>
+            <a:avLst/>
+            <a:gdLst/>
+            <a:ahLst/>
+            <a:cxnLst/>
+            <a:rect l="l" t="t" r="r" b="b"/>
+            <a:pathLst>
+              <a:path w="9248" h="10000">
+                <a:moveTo>
+                  <a:pt x="9248" y="4701"/>
+                </a:moveTo>
+                <a:lnTo>
+                  <a:pt x="7915" y="188"/>
+                </a:lnTo>
+                <a:cubicBezTo>
+                  <a:pt x="7906" y="156"/>
+                  <a:pt x="7895" y="126"/>
+                  <a:pt x="7886" y="94"/>
+                </a:cubicBezTo>
+                <a:cubicBezTo>
+                  <a:pt x="7859" y="0"/>
+                  <a:pt x="7831" y="0"/>
+                  <a:pt x="7803" y="0"/>
+                </a:cubicBezTo>
+                <a:lnTo>
+                  <a:pt x="7275" y="0"/>
+                </a:lnTo>
+                <a:lnTo>
+                  <a:pt x="0" y="70"/>
+                </a:lnTo>
+                <a:cubicBezTo>
+                  <a:pt x="8" y="3380"/>
+                  <a:pt x="17" y="6690"/>
+                  <a:pt x="25" y="10000"/>
+                </a:cubicBezTo>
+                <a:lnTo>
+                  <a:pt x="7275" y="9966"/>
+                </a:lnTo>
+                <a:lnTo>
+                  <a:pt x="7803" y="9966"/>
+                </a:lnTo>
+                <a:cubicBezTo>
+                  <a:pt x="7831" y="9966"/>
+                  <a:pt x="7859" y="9872"/>
+                  <a:pt x="7886" y="9872"/>
+                </a:cubicBezTo>
+                <a:cubicBezTo>
+                  <a:pt x="7886" y="9778"/>
+                  <a:pt x="7915" y="9778"/>
+                  <a:pt x="7915" y="9778"/>
+                </a:cubicBezTo>
+                <a:lnTo>
+                  <a:pt x="9248" y="5265"/>
+                </a:lnTo>
+                <a:cubicBezTo>
+                  <a:pt x="9303" y="5077"/>
+                  <a:pt x="9303" y="4889"/>
+                  <a:pt x="9248" y="4701"/>
+                </a:cubicBezTo>
+                <a:close/>
+              </a:path>
+            </a:pathLst>
+          </a:custGeom>
+          <a:solidFill>
+            <a:schemeClr val="accent1"/>
+          </a:solidFill>
+          <a:ln>
+            <a:noFill/>
+          </a:ln>
+        </p:spPr>
+      </p:sp>
+      <p:sp>
+        <p:nvSpPr>
           <p:cNvPr id="6" name="Slide Number Placeholder 5"/>
           <p:cNvSpPr>
             <a:spLocks noGrp="1"/>
@@ -1082,13 +3303,18 @@
             <p:ph type="sldNum" sz="quarter" idx="12"/>
           </p:nvPr>
         </p:nvSpPr>
-        <p:spPr/>
+        <p:spPr>
+          <a:xfrm>
+            <a:off x="531812" y="3244139"/>
+            <a:ext cx="779767" cy="365125"/>
+          </a:xfrm>
+        </p:spPr>
         <p:txBody>
           <a:bodyPr/>
           <a:lstStyle/>
           <a:p>
             <a:fld id="{D57F1E4F-1CFF-5643-939E-217C01CDF565}" type="slidenum">
-              <a:rPr lang="en-US" smtClean="0"/>
+              <a:rPr lang="en-US" dirty="0"/>
               <a:pPr/>
               <a:t>‹#›</a:t>
             </a:fld>
@@ -1097,11 +3323,6 @@
         </p:txBody>
       </p:sp>
     </p:spTree>
-    <p:extLst>
-      <p:ext uri="{BB962C8B-B14F-4D97-AF65-F5344CB8AC3E}">
-        <p14:creationId xmlns:p14="http://schemas.microsoft.com/office/powerpoint/2010/main" val="293277785"/>
-      </p:ext>
-    </p:extLst>
   </p:cSld>
   <p:clrMapOvr>
     <a:masterClrMapping/>
@@ -1128,7 +3349,7 @@
       </p:grpSpPr>
       <p:sp>
         <p:nvSpPr>
-          <p:cNvPr id="2" name="Title 1"/>
+          <p:cNvPr id="8" name="Title 7"/>
           <p:cNvSpPr>
             <a:spLocks noGrp="1"/>
           </p:cNvSpPr>
@@ -1145,7 +3366,7 @@
               <a:rPr lang="en-US" smtClean="0"/>
               <a:t>Click to edit Master title style</a:t>
             </a:r>
-            <a:endParaRPr lang="en-US"/>
+            <a:endParaRPr lang="en-US" dirty="0"/>
           </a:p>
         </p:txBody>
       </p:sp>
@@ -1161,168 +3382,259 @@
         </p:nvSpPr>
         <p:spPr>
           <a:xfrm>
-            <a:off x="838200" y="1825625"/>
-            <a:ext cx="5181600" cy="4351338"/>
+            <a:off x="2589212" y="2133600"/>
+            <a:ext cx="4313864" cy="3777622"/>
           </a:xfrm>
         </p:spPr>
         <p:txBody>
+          <a:bodyPr>
+            <a:normAutofit/>
+          </a:bodyPr>
+          <a:lstStyle/>
+          <a:p>
+            <a:pPr lvl="0"/>
+            <a:r>
+              <a:rPr lang="en-US" smtClean="0"/>
+              <a:t>Click to edit Master text styles</a:t>
+            </a:r>
+          </a:p>
+          <a:p>
+            <a:pPr lvl="1"/>
+            <a:r>
+              <a:rPr lang="en-US" smtClean="0"/>
+              <a:t>Second level</a:t>
+            </a:r>
+          </a:p>
+          <a:p>
+            <a:pPr lvl="2"/>
+            <a:r>
+              <a:rPr lang="en-US" smtClean="0"/>
+              <a:t>Third level</a:t>
+            </a:r>
+          </a:p>
+          <a:p>
+            <a:pPr lvl="3"/>
+            <a:r>
+              <a:rPr lang="en-US" smtClean="0"/>
+              <a:t>Fourth level</a:t>
+            </a:r>
+          </a:p>
+          <a:p>
+            <a:pPr lvl="4"/>
+            <a:r>
+              <a:rPr lang="en-US" smtClean="0"/>
+              <a:t>Fifth level</a:t>
+            </a:r>
+            <a:endParaRPr lang="en-US" dirty="0"/>
+          </a:p>
+        </p:txBody>
+      </p:sp>
+      <p:sp>
+        <p:nvSpPr>
+          <p:cNvPr id="4" name="Content Placeholder 3"/>
+          <p:cNvSpPr>
+            <a:spLocks noGrp="1"/>
+          </p:cNvSpPr>
+          <p:nvPr>
+            <p:ph sz="half" idx="2"/>
+          </p:nvPr>
+        </p:nvSpPr>
+        <p:spPr>
+          <a:xfrm>
+            <a:off x="7190747" y="2126222"/>
+            <a:ext cx="4313864" cy="3777622"/>
+          </a:xfrm>
+        </p:spPr>
+        <p:txBody>
+          <a:bodyPr>
+            <a:normAutofit/>
+          </a:bodyPr>
+          <a:lstStyle/>
+          <a:p>
+            <a:pPr lvl="0"/>
+            <a:r>
+              <a:rPr lang="en-US" smtClean="0"/>
+              <a:t>Click to edit Master text styles</a:t>
+            </a:r>
+          </a:p>
+          <a:p>
+            <a:pPr lvl="1"/>
+            <a:r>
+              <a:rPr lang="en-US" smtClean="0"/>
+              <a:t>Second level</a:t>
+            </a:r>
+          </a:p>
+          <a:p>
+            <a:pPr lvl="2"/>
+            <a:r>
+              <a:rPr lang="en-US" smtClean="0"/>
+              <a:t>Third level</a:t>
+            </a:r>
+          </a:p>
+          <a:p>
+            <a:pPr lvl="3"/>
+            <a:r>
+              <a:rPr lang="en-US" smtClean="0"/>
+              <a:t>Fourth level</a:t>
+            </a:r>
+          </a:p>
+          <a:p>
+            <a:pPr lvl="4"/>
+            <a:r>
+              <a:rPr lang="en-US" smtClean="0"/>
+              <a:t>Fifth level</a:t>
+            </a:r>
+            <a:endParaRPr lang="en-US" dirty="0"/>
+          </a:p>
+        </p:txBody>
+      </p:sp>
+      <p:sp>
+        <p:nvSpPr>
+          <p:cNvPr id="5" name="Date Placeholder 4"/>
+          <p:cNvSpPr>
+            <a:spLocks noGrp="1"/>
+          </p:cNvSpPr>
+          <p:nvPr>
+            <p:ph type="dt" sz="half" idx="10"/>
+          </p:nvPr>
+        </p:nvSpPr>
+        <p:spPr/>
+        <p:txBody>
           <a:bodyPr/>
           <a:lstStyle/>
           <a:p>
-            <a:pPr lvl="0"/>
-            <a:r>
-              <a:rPr lang="en-US" smtClean="0"/>
-              <a:t>Click to edit Master text styles</a:t>
-            </a:r>
-          </a:p>
-          <a:p>
-            <a:pPr lvl="1"/>
-            <a:r>
-              <a:rPr lang="en-US" smtClean="0"/>
-              <a:t>Second level</a:t>
-            </a:r>
-          </a:p>
-          <a:p>
-            <a:pPr lvl="2"/>
-            <a:r>
-              <a:rPr lang="en-US" smtClean="0"/>
-              <a:t>Third level</a:t>
-            </a:r>
-          </a:p>
-          <a:p>
-            <a:pPr lvl="3"/>
-            <a:r>
-              <a:rPr lang="en-US" smtClean="0"/>
-              <a:t>Fourth level</a:t>
-            </a:r>
-          </a:p>
-          <a:p>
-            <a:pPr lvl="4"/>
-            <a:r>
-              <a:rPr lang="en-US" smtClean="0"/>
-              <a:t>Fifth level</a:t>
-            </a:r>
-            <a:endParaRPr lang="en-US"/>
-          </a:p>
-        </p:txBody>
-      </p:sp>
-      <p:sp>
-        <p:nvSpPr>
-          <p:cNvPr id="4" name="Content Placeholder 3"/>
-          <p:cNvSpPr>
-            <a:spLocks noGrp="1"/>
-          </p:cNvSpPr>
-          <p:nvPr>
-            <p:ph sz="half" idx="2"/>
+            <a:fld id="{B61BEF0D-F0BB-DE4B-95CE-6DB70DBA9567}" type="datetimeFigureOut">
+              <a:rPr lang="en-US" dirty="0"/>
+              <a:pPr/>
+              <a:t>8/17/2017</a:t>
+            </a:fld>
+            <a:endParaRPr lang="en-US" dirty="0"/>
+          </a:p>
+        </p:txBody>
+      </p:sp>
+      <p:sp>
+        <p:nvSpPr>
+          <p:cNvPr id="6" name="Footer Placeholder 5"/>
+          <p:cNvSpPr>
+            <a:spLocks noGrp="1"/>
+          </p:cNvSpPr>
+          <p:nvPr>
+            <p:ph type="ftr" sz="quarter" idx="11"/>
+          </p:nvPr>
+        </p:nvSpPr>
+        <p:spPr/>
+        <p:txBody>
+          <a:bodyPr/>
+          <a:lstStyle/>
+          <a:p>
+            <a:endParaRPr lang="en-US" dirty="0"/>
+          </a:p>
+        </p:txBody>
+      </p:sp>
+      <p:sp>
+        <p:nvSpPr>
+          <p:cNvPr id="10" name="Freeform 11"/>
+          <p:cNvSpPr/>
+          <p:nvPr/>
+        </p:nvSpPr>
+        <p:spPr bwMode="auto">
+          <a:xfrm flipV="1">
+            <a:off x="-4189" y="714375"/>
+            <a:ext cx="1588527" cy="507297"/>
+          </a:xfrm>
+          <a:custGeom>
+            <a:avLst/>
+            <a:gdLst/>
+            <a:ahLst/>
+            <a:cxnLst/>
+            <a:rect l="l" t="t" r="r" b="b"/>
+            <a:pathLst>
+              <a:path w="9248" h="10000">
+                <a:moveTo>
+                  <a:pt x="9248" y="4701"/>
+                </a:moveTo>
+                <a:lnTo>
+                  <a:pt x="7915" y="188"/>
+                </a:lnTo>
+                <a:cubicBezTo>
+                  <a:pt x="7906" y="156"/>
+                  <a:pt x="7895" y="126"/>
+                  <a:pt x="7886" y="94"/>
+                </a:cubicBezTo>
+                <a:cubicBezTo>
+                  <a:pt x="7859" y="0"/>
+                  <a:pt x="7831" y="0"/>
+                  <a:pt x="7803" y="0"/>
+                </a:cubicBezTo>
+                <a:lnTo>
+                  <a:pt x="7275" y="0"/>
+                </a:lnTo>
+                <a:lnTo>
+                  <a:pt x="0" y="70"/>
+                </a:lnTo>
+                <a:cubicBezTo>
+                  <a:pt x="8" y="3380"/>
+                  <a:pt x="17" y="6690"/>
+                  <a:pt x="25" y="10000"/>
+                </a:cubicBezTo>
+                <a:lnTo>
+                  <a:pt x="7275" y="9966"/>
+                </a:lnTo>
+                <a:lnTo>
+                  <a:pt x="7803" y="9966"/>
+                </a:lnTo>
+                <a:cubicBezTo>
+                  <a:pt x="7831" y="9966"/>
+                  <a:pt x="7859" y="9872"/>
+                  <a:pt x="7886" y="9872"/>
+                </a:cubicBezTo>
+                <a:cubicBezTo>
+                  <a:pt x="7886" y="9778"/>
+                  <a:pt x="7915" y="9778"/>
+                  <a:pt x="7915" y="9778"/>
+                </a:cubicBezTo>
+                <a:lnTo>
+                  <a:pt x="9248" y="5265"/>
+                </a:lnTo>
+                <a:cubicBezTo>
+                  <a:pt x="9303" y="5077"/>
+                  <a:pt x="9303" y="4889"/>
+                  <a:pt x="9248" y="4701"/>
+                </a:cubicBezTo>
+                <a:close/>
+              </a:path>
+            </a:pathLst>
+          </a:custGeom>
+          <a:solidFill>
+            <a:schemeClr val="accent1"/>
+          </a:solidFill>
+          <a:ln>
+            <a:noFill/>
+          </a:ln>
+        </p:spPr>
+      </p:sp>
+      <p:sp>
+        <p:nvSpPr>
+          <p:cNvPr id="11" name="Slide Number Placeholder 5"/>
+          <p:cNvSpPr>
+            <a:spLocks noGrp="1"/>
+          </p:cNvSpPr>
+          <p:nvPr>
+            <p:ph type="sldNum" sz="quarter" idx="12"/>
           </p:nvPr>
         </p:nvSpPr>
         <p:spPr>
           <a:xfrm>
-            <a:off x="6172200" y="1825625"/>
-            <a:ext cx="5181600" cy="4351338"/>
+            <a:off x="531812" y="787782"/>
+            <a:ext cx="779767" cy="365125"/>
           </a:xfrm>
         </p:spPr>
         <p:txBody>
           <a:bodyPr/>
           <a:lstStyle/>
           <a:p>
-            <a:pPr lvl="0"/>
-            <a:r>
-              <a:rPr lang="en-US" smtClean="0"/>
-              <a:t>Click to edit Master text styles</a:t>
-            </a:r>
-          </a:p>
-          <a:p>
-            <a:pPr lvl="1"/>
-            <a:r>
-              <a:rPr lang="en-US" smtClean="0"/>
-              <a:t>Second level</a:t>
-            </a:r>
-          </a:p>
-          <a:p>
-            <a:pPr lvl="2"/>
-            <a:r>
-              <a:rPr lang="en-US" smtClean="0"/>
-              <a:t>Third level</a:t>
-            </a:r>
-          </a:p>
-          <a:p>
-            <a:pPr lvl="3"/>
-            <a:r>
-              <a:rPr lang="en-US" smtClean="0"/>
-              <a:t>Fourth level</a:t>
-            </a:r>
-          </a:p>
-          <a:p>
-            <a:pPr lvl="4"/>
-            <a:r>
-              <a:rPr lang="en-US" smtClean="0"/>
-              <a:t>Fifth level</a:t>
-            </a:r>
-            <a:endParaRPr lang="en-US"/>
-          </a:p>
-        </p:txBody>
-      </p:sp>
-      <p:sp>
-        <p:nvSpPr>
-          <p:cNvPr id="5" name="Date Placeholder 4"/>
-          <p:cNvSpPr>
-            <a:spLocks noGrp="1"/>
-          </p:cNvSpPr>
-          <p:nvPr>
-            <p:ph type="dt" sz="half" idx="10"/>
-          </p:nvPr>
-        </p:nvSpPr>
-        <p:spPr/>
-        <p:txBody>
-          <a:bodyPr/>
-          <a:lstStyle/>
-          <a:p>
-            <a:fld id="{B61BEF0D-F0BB-DE4B-95CE-6DB70DBA9567}" type="datetimeFigureOut">
-              <a:rPr lang="en-US" smtClean="0"/>
-              <a:pPr/>
-              <a:t>12/29/2017</a:t>
-            </a:fld>
-            <a:endParaRPr lang="en-US" dirty="0"/>
-          </a:p>
-        </p:txBody>
-      </p:sp>
-      <p:sp>
-        <p:nvSpPr>
-          <p:cNvPr id="6" name="Footer Placeholder 5"/>
-          <p:cNvSpPr>
-            <a:spLocks noGrp="1"/>
-          </p:cNvSpPr>
-          <p:nvPr>
-            <p:ph type="ftr" sz="quarter" idx="11"/>
-          </p:nvPr>
-        </p:nvSpPr>
-        <p:spPr/>
-        <p:txBody>
-          <a:bodyPr/>
-          <a:lstStyle/>
-          <a:p>
-            <a:endParaRPr lang="en-US" dirty="0"/>
-          </a:p>
-        </p:txBody>
-      </p:sp>
-      <p:sp>
-        <p:nvSpPr>
-          <p:cNvPr id="7" name="Slide Number Placeholder 6"/>
-          <p:cNvSpPr>
-            <a:spLocks noGrp="1"/>
-          </p:cNvSpPr>
-          <p:nvPr>
-            <p:ph type="sldNum" sz="quarter" idx="12"/>
-          </p:nvPr>
-        </p:nvSpPr>
-        <p:spPr/>
-        <p:txBody>
-          <a:bodyPr/>
-          <a:lstStyle/>
-          <a:p>
             <a:fld id="{D57F1E4F-1CFF-5643-939E-217C01CDF565}" type="slidenum">
-              <a:rPr lang="en-US" smtClean="0"/>
+              <a:rPr lang="en-US" dirty="0"/>
               <a:pPr/>
               <a:t>‹#›</a:t>
             </a:fld>
@@ -1331,11 +3643,6 @@
         </p:txBody>
       </p:sp>
     </p:spTree>
-    <p:extLst>
-      <p:ext uri="{BB962C8B-B14F-4D97-AF65-F5344CB8AC3E}">
-        <p14:creationId xmlns:p14="http://schemas.microsoft.com/office/powerpoint/2010/main" val="3398411872"/>
-      </p:ext>
-    </p:extLst>
   </p:cSld>
   <p:clrMapOvr>
     <a:masterClrMapping/>
@@ -1362,54 +3669,51 @@
       </p:grpSpPr>
       <p:sp>
         <p:nvSpPr>
-          <p:cNvPr id="2" name="Title 1"/>
+          <p:cNvPr id="10" name="Title 9"/>
           <p:cNvSpPr>
             <a:spLocks noGrp="1"/>
           </p:cNvSpPr>
           <p:nvPr>
             <p:ph type="title"/>
+          </p:nvPr>
+        </p:nvSpPr>
+        <p:spPr/>
+        <p:txBody>
+          <a:bodyPr/>
+          <a:lstStyle/>
+          <a:p>
+            <a:r>
+              <a:rPr lang="en-US" smtClean="0"/>
+              <a:t>Click to edit Master title style</a:t>
+            </a:r>
+            <a:endParaRPr lang="en-US" dirty="0"/>
+          </a:p>
+        </p:txBody>
+      </p:sp>
+      <p:sp>
+        <p:nvSpPr>
+          <p:cNvPr id="3" name="Text Placeholder 2"/>
+          <p:cNvSpPr>
+            <a:spLocks noGrp="1"/>
+          </p:cNvSpPr>
+          <p:nvPr>
+            <p:ph type="body" idx="1"/>
           </p:nvPr>
         </p:nvSpPr>
         <p:spPr>
           <a:xfrm>
-            <a:off x="839788" y="365125"/>
-            <a:ext cx="10515600" cy="1325563"/>
+            <a:off x="2939373" y="1972703"/>
+            <a:ext cx="3992732" cy="576262"/>
           </a:xfrm>
         </p:spPr>
         <p:txBody>
-          <a:bodyPr/>
-          <a:lstStyle/>
-          <a:p>
-            <a:r>
-              <a:rPr lang="en-US" smtClean="0"/>
-              <a:t>Click to edit Master title style</a:t>
-            </a:r>
-            <a:endParaRPr lang="en-US"/>
-          </a:p>
-        </p:txBody>
-      </p:sp>
-      <p:sp>
-        <p:nvSpPr>
-          <p:cNvPr id="3" name="Text Placeholder 2"/>
-          <p:cNvSpPr>
-            <a:spLocks noGrp="1"/>
-          </p:cNvSpPr>
-          <p:nvPr>
-            <p:ph type="body" idx="1"/>
-          </p:nvPr>
-        </p:nvSpPr>
-        <p:spPr>
-          <a:xfrm>
-            <a:off x="839788" y="1681163"/>
-            <a:ext cx="5157787" cy="823912"/>
-          </a:xfrm>
-        </p:spPr>
-        <p:txBody>
-          <a:bodyPr anchor="b"/>
+          <a:bodyPr anchor="b">
+            <a:noAutofit/>
+          </a:bodyPr>
           <a:lstStyle>
             <a:lvl1pPr marL="0" indent="0">
               <a:buNone/>
-              <a:defRPr sz="2400" b="1"/>
+              <a:defRPr sz="2400" b="0"/>
             </a:lvl1pPr>
             <a:lvl2pPr marL="457200" indent="0">
               <a:buNone/>
@@ -1465,12 +3769,14 @@
         </p:nvSpPr>
         <p:spPr>
           <a:xfrm>
-            <a:off x="839788" y="2505075"/>
-            <a:ext cx="5157787" cy="3684588"/>
+            <a:off x="2589212" y="2548966"/>
+            <a:ext cx="4342893" cy="3354060"/>
           </a:xfrm>
         </p:spPr>
         <p:txBody>
-          <a:bodyPr/>
+          <a:bodyPr>
+            <a:normAutofit/>
+          </a:bodyPr>
           <a:lstStyle/>
           <a:p>
             <a:pPr lvl="0"/>
@@ -1506,7 +3812,7 @@
               <a:rPr lang="en-US" smtClean="0"/>
               <a:t>Fifth level</a:t>
             </a:r>
-            <a:endParaRPr lang="en-US"/>
+            <a:endParaRPr lang="en-US" dirty="0"/>
           </a:p>
         </p:txBody>
       </p:sp>
@@ -1522,16 +3828,18 @@
         </p:nvSpPr>
         <p:spPr>
           <a:xfrm>
-            <a:off x="6172200" y="1681163"/>
-            <a:ext cx="5183188" cy="823912"/>
+            <a:off x="7506629" y="1969475"/>
+            <a:ext cx="3999001" cy="576262"/>
           </a:xfrm>
         </p:spPr>
         <p:txBody>
-          <a:bodyPr anchor="b"/>
+          <a:bodyPr anchor="b">
+            <a:noAutofit/>
+          </a:bodyPr>
           <a:lstStyle>
             <a:lvl1pPr marL="0" indent="0">
               <a:buNone/>
-              <a:defRPr sz="2400" b="1"/>
+              <a:defRPr sz="2400" b="0"/>
             </a:lvl1pPr>
             <a:lvl2pPr marL="457200" indent="0">
               <a:buNone/>
@@ -1587,59 +3895,85 @@
         </p:nvSpPr>
         <p:spPr>
           <a:xfrm>
-            <a:off x="6172200" y="2505075"/>
-            <a:ext cx="5183188" cy="3684588"/>
+            <a:off x="7166957" y="2545738"/>
+            <a:ext cx="4338674" cy="3354060"/>
           </a:xfrm>
         </p:spPr>
         <p:txBody>
+          <a:bodyPr>
+            <a:normAutofit/>
+          </a:bodyPr>
+          <a:lstStyle/>
+          <a:p>
+            <a:pPr lvl="0"/>
+            <a:r>
+              <a:rPr lang="en-US" smtClean="0"/>
+              <a:t>Click to edit Master text styles</a:t>
+            </a:r>
+          </a:p>
+          <a:p>
+            <a:pPr lvl="1"/>
+            <a:r>
+              <a:rPr lang="en-US" smtClean="0"/>
+              <a:t>Second level</a:t>
+            </a:r>
+          </a:p>
+          <a:p>
+            <a:pPr lvl="2"/>
+            <a:r>
+              <a:rPr lang="en-US" smtClean="0"/>
+              <a:t>Third level</a:t>
+            </a:r>
+          </a:p>
+          <a:p>
+            <a:pPr lvl="3"/>
+            <a:r>
+              <a:rPr lang="en-US" smtClean="0"/>
+              <a:t>Fourth level</a:t>
+            </a:r>
+          </a:p>
+          <a:p>
+            <a:pPr lvl="4"/>
+            <a:r>
+              <a:rPr lang="en-US" smtClean="0"/>
+              <a:t>Fifth level</a:t>
+            </a:r>
+            <a:endParaRPr lang="en-US" dirty="0"/>
+          </a:p>
+        </p:txBody>
+      </p:sp>
+      <p:sp>
+        <p:nvSpPr>
+          <p:cNvPr id="7" name="Date Placeholder 6"/>
+          <p:cNvSpPr>
+            <a:spLocks noGrp="1"/>
+          </p:cNvSpPr>
+          <p:nvPr>
+            <p:ph type="dt" sz="half" idx="10"/>
+          </p:nvPr>
+        </p:nvSpPr>
+        <p:spPr/>
+        <p:txBody>
           <a:bodyPr/>
           <a:lstStyle/>
           <a:p>
-            <a:pPr lvl="0"/>
-            <a:r>
-              <a:rPr lang="en-US" smtClean="0"/>
-              <a:t>Click to edit Master text styles</a:t>
-            </a:r>
-          </a:p>
-          <a:p>
-            <a:pPr lvl="1"/>
-            <a:r>
-              <a:rPr lang="en-US" smtClean="0"/>
-              <a:t>Second level</a:t>
-            </a:r>
-          </a:p>
-          <a:p>
-            <a:pPr lvl="2"/>
-            <a:r>
-              <a:rPr lang="en-US" smtClean="0"/>
-              <a:t>Third level</a:t>
-            </a:r>
-          </a:p>
-          <a:p>
-            <a:pPr lvl="3"/>
-            <a:r>
-              <a:rPr lang="en-US" smtClean="0"/>
-              <a:t>Fourth level</a:t>
-            </a:r>
-          </a:p>
-          <a:p>
-            <a:pPr lvl="4"/>
-            <a:r>
-              <a:rPr lang="en-US" smtClean="0"/>
-              <a:t>Fifth level</a:t>
-            </a:r>
-            <a:endParaRPr lang="en-US"/>
-          </a:p>
-        </p:txBody>
-      </p:sp>
-      <p:sp>
-        <p:nvSpPr>
-          <p:cNvPr id="7" name="Date Placeholder 6"/>
-          <p:cNvSpPr>
-            <a:spLocks noGrp="1"/>
-          </p:cNvSpPr>
-          <p:nvPr>
-            <p:ph type="dt" sz="half" idx="10"/>
+            <a:fld id="{B61BEF0D-F0BB-DE4B-95CE-6DB70DBA9567}" type="datetimeFigureOut">
+              <a:rPr lang="en-US" dirty="0"/>
+              <a:pPr/>
+              <a:t>8/17/2017</a:t>
+            </a:fld>
+            <a:endParaRPr lang="en-US" dirty="0"/>
+          </a:p>
+        </p:txBody>
+      </p:sp>
+      <p:sp>
+        <p:nvSpPr>
+          <p:cNvPr id="8" name="Footer Placeholder 7"/>
+          <p:cNvSpPr>
+            <a:spLocks noGrp="1"/>
+          </p:cNvSpPr>
+          <p:nvPr>
+            <p:ph type="ftr" sz="quarter" idx="11"/>
           </p:nvPr>
         </p:nvSpPr>
         <p:spPr/>
@@ -1647,51 +3981,114 @@
           <a:bodyPr/>
           <a:lstStyle/>
           <a:p>
-            <a:fld id="{B61BEF0D-F0BB-DE4B-95CE-6DB70DBA9567}" type="datetimeFigureOut">
-              <a:rPr lang="en-US" smtClean="0"/>
-              <a:pPr/>
-              <a:t>12/29/2017</a:t>
-            </a:fld>
             <a:endParaRPr lang="en-US" dirty="0"/>
           </a:p>
         </p:txBody>
       </p:sp>
       <p:sp>
         <p:nvSpPr>
-          <p:cNvPr id="8" name="Footer Placeholder 7"/>
-          <p:cNvSpPr>
-            <a:spLocks noGrp="1"/>
-          </p:cNvSpPr>
-          <p:nvPr>
-            <p:ph type="ftr" sz="quarter" idx="11"/>
-          </p:nvPr>
-        </p:nvSpPr>
-        <p:spPr/>
+          <p:cNvPr id="12" name="Freeform 11"/>
+          <p:cNvSpPr/>
+          <p:nvPr/>
+        </p:nvSpPr>
+        <p:spPr bwMode="auto">
+          <a:xfrm flipV="1">
+            <a:off x="-4189" y="714375"/>
+            <a:ext cx="1588527" cy="507297"/>
+          </a:xfrm>
+          <a:custGeom>
+            <a:avLst/>
+            <a:gdLst/>
+            <a:ahLst/>
+            <a:cxnLst/>
+            <a:rect l="l" t="t" r="r" b="b"/>
+            <a:pathLst>
+              <a:path w="9248" h="10000">
+                <a:moveTo>
+                  <a:pt x="9248" y="4701"/>
+                </a:moveTo>
+                <a:lnTo>
+                  <a:pt x="7915" y="188"/>
+                </a:lnTo>
+                <a:cubicBezTo>
+                  <a:pt x="7906" y="156"/>
+                  <a:pt x="7895" y="126"/>
+                  <a:pt x="7886" y="94"/>
+                </a:cubicBezTo>
+                <a:cubicBezTo>
+                  <a:pt x="7859" y="0"/>
+                  <a:pt x="7831" y="0"/>
+                  <a:pt x="7803" y="0"/>
+                </a:cubicBezTo>
+                <a:lnTo>
+                  <a:pt x="7275" y="0"/>
+                </a:lnTo>
+                <a:lnTo>
+                  <a:pt x="0" y="70"/>
+                </a:lnTo>
+                <a:cubicBezTo>
+                  <a:pt x="8" y="3380"/>
+                  <a:pt x="17" y="6690"/>
+                  <a:pt x="25" y="10000"/>
+                </a:cubicBezTo>
+                <a:lnTo>
+                  <a:pt x="7275" y="9966"/>
+                </a:lnTo>
+                <a:lnTo>
+                  <a:pt x="7803" y="9966"/>
+                </a:lnTo>
+                <a:cubicBezTo>
+                  <a:pt x="7831" y="9966"/>
+                  <a:pt x="7859" y="9872"/>
+                  <a:pt x="7886" y="9872"/>
+                </a:cubicBezTo>
+                <a:cubicBezTo>
+                  <a:pt x="7886" y="9778"/>
+                  <a:pt x="7915" y="9778"/>
+                  <a:pt x="7915" y="9778"/>
+                </a:cubicBezTo>
+                <a:lnTo>
+                  <a:pt x="9248" y="5265"/>
+                </a:lnTo>
+                <a:cubicBezTo>
+                  <a:pt x="9303" y="5077"/>
+                  <a:pt x="9303" y="4889"/>
+                  <a:pt x="9248" y="4701"/>
+                </a:cubicBezTo>
+                <a:close/>
+              </a:path>
+            </a:pathLst>
+          </a:custGeom>
+          <a:solidFill>
+            <a:schemeClr val="accent1"/>
+          </a:solidFill>
+          <a:ln>
+            <a:noFill/>
+          </a:ln>
+        </p:spPr>
+      </p:sp>
+      <p:sp>
+        <p:nvSpPr>
+          <p:cNvPr id="13" name="Slide Number Placeholder 5"/>
+          <p:cNvSpPr>
+            <a:spLocks noGrp="1"/>
+          </p:cNvSpPr>
+          <p:nvPr>
+            <p:ph type="sldNum" sz="quarter" idx="12"/>
+          </p:nvPr>
+        </p:nvSpPr>
+        <p:spPr>
+          <a:xfrm>
+            <a:off x="531812" y="787782"/>
+            <a:ext cx="779767" cy="365125"/>
+          </a:xfrm>
+        </p:spPr>
         <p:txBody>
           <a:bodyPr/>
           <a:lstStyle/>
           <a:p>
-            <a:endParaRPr lang="en-US" dirty="0"/>
-          </a:p>
-        </p:txBody>
-      </p:sp>
-      <p:sp>
-        <p:nvSpPr>
-          <p:cNvPr id="9" name="Slide Number Placeholder 8"/>
-          <p:cNvSpPr>
-            <a:spLocks noGrp="1"/>
-          </p:cNvSpPr>
-          <p:nvPr>
-            <p:ph type="sldNum" sz="quarter" idx="12"/>
-          </p:nvPr>
-        </p:nvSpPr>
-        <p:spPr/>
-        <p:txBody>
-          <a:bodyPr/>
-          <a:lstStyle/>
-          <a:p>
             <a:fld id="{D57F1E4F-1CFF-5643-939E-217C01CDF565}" type="slidenum">
-              <a:rPr lang="en-US" smtClean="0"/>
+              <a:rPr lang="en-US" dirty="0"/>
               <a:pPr/>
               <a:t>‹#›</a:t>
             </a:fld>
@@ -1700,11 +4097,6 @@
         </p:txBody>
       </p:sp>
     </p:spTree>
-    <p:extLst>
-      <p:ext uri="{BB962C8B-B14F-4D97-AF65-F5344CB8AC3E}">
-        <p14:creationId xmlns:p14="http://schemas.microsoft.com/office/powerpoint/2010/main" val="3706395883"/>
-      </p:ext>
-    </p:extLst>
   </p:cSld>
   <p:clrMapOvr>
     <a:masterClrMapping/>
@@ -1748,7 +4140,7 @@
               <a:rPr lang="en-US" smtClean="0"/>
               <a:t>Click to edit Master title style</a:t>
             </a:r>
-            <a:endParaRPr lang="en-US"/>
+            <a:endParaRPr lang="en-US" dirty="0"/>
           </a:p>
         </p:txBody>
       </p:sp>
@@ -1768,9 +4160,9 @@
           <a:lstStyle/>
           <a:p>
             <a:fld id="{B61BEF0D-F0BB-DE4B-95CE-6DB70DBA9567}" type="datetimeFigureOut">
-              <a:rPr lang="en-US" smtClean="0"/>
+              <a:rPr lang="en-US" dirty="0"/>
               <a:pPr/>
-              <a:t>12/29/2017</a:t>
+              <a:t>8/17/2017</a:t>
             </a:fld>
             <a:endParaRPr lang="en-US" dirty="0"/>
           </a:p>
@@ -1797,6 +4189,88 @@
       </p:sp>
       <p:sp>
         <p:nvSpPr>
+          <p:cNvPr id="7" name="Freeform 11"/>
+          <p:cNvSpPr/>
+          <p:nvPr/>
+        </p:nvSpPr>
+        <p:spPr bwMode="auto">
+          <a:xfrm flipV="1">
+            <a:off x="-4189" y="714375"/>
+            <a:ext cx="1588527" cy="507297"/>
+          </a:xfrm>
+          <a:custGeom>
+            <a:avLst/>
+            <a:gdLst/>
+            <a:ahLst/>
+            <a:cxnLst/>
+            <a:rect l="l" t="t" r="r" b="b"/>
+            <a:pathLst>
+              <a:path w="9248" h="10000">
+                <a:moveTo>
+                  <a:pt x="9248" y="4701"/>
+                </a:moveTo>
+                <a:lnTo>
+                  <a:pt x="7915" y="188"/>
+                </a:lnTo>
+                <a:cubicBezTo>
+                  <a:pt x="7906" y="156"/>
+                  <a:pt x="7895" y="126"/>
+                  <a:pt x="7886" y="94"/>
+                </a:cubicBezTo>
+                <a:cubicBezTo>
+                  <a:pt x="7859" y="0"/>
+                  <a:pt x="7831" y="0"/>
+                  <a:pt x="7803" y="0"/>
+                </a:cubicBezTo>
+                <a:lnTo>
+                  <a:pt x="7275" y="0"/>
+                </a:lnTo>
+                <a:lnTo>
+                  <a:pt x="0" y="70"/>
+                </a:lnTo>
+                <a:cubicBezTo>
+                  <a:pt x="8" y="3380"/>
+                  <a:pt x="17" y="6690"/>
+                  <a:pt x="25" y="10000"/>
+                </a:cubicBezTo>
+                <a:lnTo>
+                  <a:pt x="7275" y="9966"/>
+                </a:lnTo>
+                <a:lnTo>
+                  <a:pt x="7803" y="9966"/>
+                </a:lnTo>
+                <a:cubicBezTo>
+                  <a:pt x="7831" y="9966"/>
+                  <a:pt x="7859" y="9872"/>
+                  <a:pt x="7886" y="9872"/>
+                </a:cubicBezTo>
+                <a:cubicBezTo>
+                  <a:pt x="7886" y="9778"/>
+                  <a:pt x="7915" y="9778"/>
+                  <a:pt x="7915" y="9778"/>
+                </a:cubicBezTo>
+                <a:lnTo>
+                  <a:pt x="9248" y="5265"/>
+                </a:lnTo>
+                <a:cubicBezTo>
+                  <a:pt x="9303" y="5077"/>
+                  <a:pt x="9303" y="4889"/>
+                  <a:pt x="9248" y="4701"/>
+                </a:cubicBezTo>
+                <a:close/>
+              </a:path>
+            </a:pathLst>
+          </a:custGeom>
+          <a:solidFill>
+            <a:schemeClr val="accent1"/>
+          </a:solidFill>
+          <a:ln>
+            <a:noFill/>
+          </a:ln>
+        </p:spPr>
+      </p:sp>
+      <p:sp>
+        <p:nvSpPr>
           <p:cNvPr id="5" name="Slide Number Placeholder 4"/>
           <p:cNvSpPr>
             <a:spLocks noGrp="1"/>
@@ -1811,7 +4285,7 @@
           <a:lstStyle/>
           <a:p>
             <a:fld id="{D57F1E4F-1CFF-5643-939E-217C01CDF565}" type="slidenum">
-              <a:rPr lang="en-US" smtClean="0"/>
+              <a:rPr lang="en-US" dirty="0"/>
               <a:pPr/>
               <a:t>‹#›</a:t>
             </a:fld>
@@ -1820,11 +4294,6 @@
         </p:txBody>
       </p:sp>
     </p:spTree>
-    <p:extLst>
-      <p:ext uri="{BB962C8B-B14F-4D97-AF65-F5344CB8AC3E}">
-        <p14:creationId xmlns:p14="http://schemas.microsoft.com/office/powerpoint/2010/main" val="2249683936"/>
-      </p:ext>
-    </p:extLst>
   </p:cSld>
   <p:clrMapOvr>
     <a:masterClrMapping/>
@@ -1865,9 +4334,9 @@
           <a:lstStyle/>
           <a:p>
             <a:fld id="{B61BEF0D-F0BB-DE4B-95CE-6DB70DBA9567}" type="datetimeFigureOut">
-              <a:rPr lang="en-US" smtClean="0"/>
+              <a:rPr lang="en-US" dirty="0"/>
               <a:pPr/>
-              <a:t>12/29/2017</a:t>
+              <a:t>8/17/2017</a:t>
             </a:fld>
             <a:endParaRPr lang="en-US" dirty="0"/>
           </a:p>
@@ -1894,6 +4363,88 @@
       </p:sp>
       <p:sp>
         <p:nvSpPr>
+          <p:cNvPr id="6" name="Freeform 11"/>
+          <p:cNvSpPr/>
+          <p:nvPr/>
+        </p:nvSpPr>
+        <p:spPr bwMode="auto">
+          <a:xfrm flipV="1">
+            <a:off x="-4189" y="714375"/>
+            <a:ext cx="1588527" cy="507297"/>
+          </a:xfrm>
+          <a:custGeom>
+            <a:avLst/>
+            <a:gdLst/>
+            <a:ahLst/>
+            <a:cxnLst/>
+            <a:rect l="l" t="t" r="r" b="b"/>
+            <a:pathLst>
+              <a:path w="9248" h="10000">
+                <a:moveTo>
+                  <a:pt x="9248" y="4701"/>
+                </a:moveTo>
+                <a:lnTo>
+                  <a:pt x="7915" y="188"/>
+                </a:lnTo>
+                <a:cubicBezTo>
+                  <a:pt x="7906" y="156"/>
+                  <a:pt x="7895" y="126"/>
+                  <a:pt x="7886" y="94"/>
+                </a:cubicBezTo>
+                <a:cubicBezTo>
+                  <a:pt x="7859" y="0"/>
+                  <a:pt x="7831" y="0"/>
+                  <a:pt x="7803" y="0"/>
+                </a:cubicBezTo>
+                <a:lnTo>
+                  <a:pt x="7275" y="0"/>
+                </a:lnTo>
+                <a:lnTo>
+                  <a:pt x="0" y="70"/>
+                </a:lnTo>
+                <a:cubicBezTo>
+                  <a:pt x="8" y="3380"/>
+                  <a:pt x="17" y="6690"/>
+                  <a:pt x="25" y="10000"/>
+                </a:cubicBezTo>
+                <a:lnTo>
+                  <a:pt x="7275" y="9966"/>
+                </a:lnTo>
+                <a:lnTo>
+                  <a:pt x="7803" y="9966"/>
+                </a:lnTo>
+                <a:cubicBezTo>
+                  <a:pt x="7831" y="9966"/>
+                  <a:pt x="7859" y="9872"/>
+                  <a:pt x="7886" y="9872"/>
+                </a:cubicBezTo>
+                <a:cubicBezTo>
+                  <a:pt x="7886" y="9778"/>
+                  <a:pt x="7915" y="9778"/>
+                  <a:pt x="7915" y="9778"/>
+                </a:cubicBezTo>
+                <a:lnTo>
+                  <a:pt x="9248" y="5265"/>
+                </a:lnTo>
+                <a:cubicBezTo>
+                  <a:pt x="9303" y="5077"/>
+                  <a:pt x="9303" y="4889"/>
+                  <a:pt x="9248" y="4701"/>
+                </a:cubicBezTo>
+                <a:close/>
+              </a:path>
+            </a:pathLst>
+          </a:custGeom>
+          <a:solidFill>
+            <a:schemeClr val="accent1"/>
+          </a:solidFill>
+          <a:ln>
+            <a:noFill/>
+          </a:ln>
+        </p:spPr>
+      </p:sp>
+      <p:sp>
+        <p:nvSpPr>
           <p:cNvPr id="4" name="Slide Number Placeholder 3"/>
           <p:cNvSpPr>
             <a:spLocks noGrp="1"/>
@@ -1908,7 +4459,7 @@
           <a:lstStyle/>
           <a:p>
             <a:fld id="{D57F1E4F-1CFF-5643-939E-217C01CDF565}" type="slidenum">
-              <a:rPr lang="en-US" smtClean="0"/>
+              <a:rPr lang="en-US" dirty="0"/>
               <a:pPr/>
               <a:t>‹#›</a:t>
             </a:fld>
@@ -1917,11 +4468,6 @@
         </p:txBody>
       </p:sp>
     </p:spTree>
-    <p:extLst>
-      <p:ext uri="{BB962C8B-B14F-4D97-AF65-F5344CB8AC3E}">
-        <p14:creationId xmlns:p14="http://schemas.microsoft.com/office/powerpoint/2010/main" val="3178889212"/>
-      </p:ext>
-    </p:extLst>
   </p:cSld>
   <p:clrMapOvr>
     <a:masterClrMapping/>
@@ -1958,15 +4504,15 @@
         </p:nvSpPr>
         <p:spPr>
           <a:xfrm>
-            <a:off x="839788" y="457200"/>
-            <a:ext cx="3932237" cy="1600200"/>
+            <a:off x="2589212" y="446088"/>
+            <a:ext cx="3505199" cy="976312"/>
           </a:xfrm>
         </p:spPr>
         <p:txBody>
           <a:bodyPr anchor="b"/>
           <a:lstStyle>
-            <a:lvl1pPr>
-              <a:defRPr sz="3200"/>
+            <a:lvl1pPr algn="l">
+              <a:defRPr sz="2000" b="0"/>
             </a:lvl1pPr>
           </a:lstStyle>
           <a:p>
@@ -1974,7 +4520,7 @@
               <a:rPr lang="en-US" smtClean="0"/>
               <a:t>Click to edit Master title style</a:t>
             </a:r>
-            <a:endParaRPr lang="en-US"/>
+            <a:endParaRPr lang="en-US" dirty="0"/>
           </a:p>
         </p:txBody>
       </p:sp>
@@ -1990,41 +4536,15 @@
         </p:nvSpPr>
         <p:spPr>
           <a:xfrm>
-            <a:off x="5183188" y="987425"/>
-            <a:ext cx="6172200" cy="4873625"/>
+            <a:off x="6323012" y="446088"/>
+            <a:ext cx="5181600" cy="5414963"/>
           </a:xfrm>
         </p:spPr>
         <p:txBody>
-          <a:bodyPr/>
-          <a:lstStyle>
-            <a:lvl1pPr>
-              <a:defRPr sz="3200"/>
-            </a:lvl1pPr>
-            <a:lvl2pPr>
-              <a:defRPr sz="2800"/>
-            </a:lvl2pPr>
-            <a:lvl3pPr>
-              <a:defRPr sz="2400"/>
-            </a:lvl3pPr>
-            <a:lvl4pPr>
-              <a:defRPr sz="2000"/>
-            </a:lvl4pPr>
-            <a:lvl5pPr>
-              <a:defRPr sz="2000"/>
-            </a:lvl5pPr>
-            <a:lvl6pPr>
-              <a:defRPr sz="2000"/>
-            </a:lvl6pPr>
-            <a:lvl7pPr>
-              <a:defRPr sz="2000"/>
-            </a:lvl7pPr>
-            <a:lvl8pPr>
-              <a:defRPr sz="2000"/>
-            </a:lvl8pPr>
-            <a:lvl9pPr>
-              <a:defRPr sz="2000"/>
-            </a:lvl9pPr>
-          </a:lstStyle>
+          <a:bodyPr anchor="ctr">
+            <a:normAutofit/>
+          </a:bodyPr>
+          <a:lstStyle/>
           <a:p>
             <a:pPr lvl="0"/>
             <a:r>
@@ -2059,7 +4579,7 @@
               <a:rPr lang="en-US" smtClean="0"/>
               <a:t>Fifth level</a:t>
             </a:r>
-            <a:endParaRPr lang="en-US"/>
+            <a:endParaRPr lang="en-US" dirty="0"/>
           </a:p>
         </p:txBody>
       </p:sp>
@@ -2075,8 +4595,8 @@
         </p:nvSpPr>
         <p:spPr>
           <a:xfrm>
-            <a:off x="839788" y="2057400"/>
-            <a:ext cx="3932237" cy="3811588"/>
+            <a:off x="2589212" y="1598613"/>
+            <a:ext cx="3505199" cy="4262436"/>
           </a:xfrm>
         </p:spPr>
         <p:txBody>
@@ -2084,39 +4604,39 @@
           <a:lstStyle>
             <a:lvl1pPr marL="0" indent="0">
               <a:buNone/>
-              <a:defRPr sz="1600"/>
+              <a:defRPr sz="1400"/>
             </a:lvl1pPr>
             <a:lvl2pPr marL="457200" indent="0">
               <a:buNone/>
-              <a:defRPr sz="1400"/>
+              <a:defRPr sz="1200"/>
             </a:lvl2pPr>
             <a:lvl3pPr marL="914400" indent="0">
               <a:buNone/>
-              <a:defRPr sz="1200"/>
+              <a:defRPr sz="1000"/>
             </a:lvl3pPr>
             <a:lvl4pPr marL="1371600" indent="0">
               <a:buNone/>
-              <a:defRPr sz="1000"/>
+              <a:defRPr sz="900"/>
             </a:lvl4pPr>
             <a:lvl5pPr marL="1828800" indent="0">
               <a:buNone/>
-              <a:defRPr sz="1000"/>
+              <a:defRPr sz="900"/>
             </a:lvl5pPr>
             <a:lvl6pPr marL="2286000" indent="0">
               <a:buNone/>
-              <a:defRPr sz="1000"/>
+              <a:defRPr sz="900"/>
             </a:lvl6pPr>
             <a:lvl7pPr marL="2743200" indent="0">
               <a:buNone/>
-              <a:defRPr sz="1000"/>
+              <a:defRPr sz="900"/>
             </a:lvl7pPr>
             <a:lvl8pPr marL="3200400" indent="0">
               <a:buNone/>
-              <a:defRPr sz="1000"/>
+              <a:defRPr sz="900"/>
             </a:lvl8pPr>
             <a:lvl9pPr marL="3657600" indent="0">
               <a:buNone/>
-              <a:defRPr sz="1000"/>
+              <a:defRPr sz="900"/>
             </a:lvl9pPr>
           </a:lstStyle>
           <a:p>
@@ -2144,9 +4664,9 @@
           <a:lstStyle/>
           <a:p>
             <a:fld id="{B61BEF0D-F0BB-DE4B-95CE-6DB70DBA9567}" type="datetimeFigureOut">
-              <a:rPr lang="en-US" smtClean="0"/>
+              <a:rPr lang="en-US" dirty="0"/>
               <a:pPr/>
-              <a:t>12/29/2017</a:t>
+              <a:t>8/17/2017</a:t>
             </a:fld>
             <a:endParaRPr lang="en-US" dirty="0"/>
           </a:p>
@@ -2173,6 +4693,88 @@
       </p:sp>
       <p:sp>
         <p:nvSpPr>
+          <p:cNvPr id="9" name="Freeform 11"/>
+          <p:cNvSpPr/>
+          <p:nvPr/>
+        </p:nvSpPr>
+        <p:spPr bwMode="auto">
+          <a:xfrm flipV="1">
+            <a:off x="-4189" y="714375"/>
+            <a:ext cx="1588527" cy="507297"/>
+          </a:xfrm>
+          <a:custGeom>
+            <a:avLst/>
+            <a:gdLst/>
+            <a:ahLst/>
+            <a:cxnLst/>
+            <a:rect l="l" t="t" r="r" b="b"/>
+            <a:pathLst>
+              <a:path w="9248" h="10000">
+                <a:moveTo>
+                  <a:pt x="9248" y="4701"/>
+                </a:moveTo>
+                <a:lnTo>
+                  <a:pt x="7915" y="188"/>
+                </a:lnTo>
+                <a:cubicBezTo>
+                  <a:pt x="7906" y="156"/>
+                  <a:pt x="7895" y="126"/>
+                  <a:pt x="7886" y="94"/>
+                </a:cubicBezTo>
+                <a:cubicBezTo>
+                  <a:pt x="7859" y="0"/>
+                  <a:pt x="7831" y="0"/>
+                  <a:pt x="7803" y="0"/>
+                </a:cubicBezTo>
+                <a:lnTo>
+                  <a:pt x="7275" y="0"/>
+                </a:lnTo>
+                <a:lnTo>
+                  <a:pt x="0" y="70"/>
+                </a:lnTo>
+                <a:cubicBezTo>
+                  <a:pt x="8" y="3380"/>
+                  <a:pt x="17" y="6690"/>
+                  <a:pt x="25" y="10000"/>
+                </a:cubicBezTo>
+                <a:lnTo>
+                  <a:pt x="7275" y="9966"/>
+                </a:lnTo>
+                <a:lnTo>
+                  <a:pt x="7803" y="9966"/>
+                </a:lnTo>
+                <a:cubicBezTo>
+                  <a:pt x="7831" y="9966"/>
+                  <a:pt x="7859" y="9872"/>
+                  <a:pt x="7886" y="9872"/>
+                </a:cubicBezTo>
+                <a:cubicBezTo>
+                  <a:pt x="7886" y="9778"/>
+                  <a:pt x="7915" y="9778"/>
+                  <a:pt x="7915" y="9778"/>
+                </a:cubicBezTo>
+                <a:lnTo>
+                  <a:pt x="9248" y="5265"/>
+                </a:lnTo>
+                <a:cubicBezTo>
+                  <a:pt x="9303" y="5077"/>
+                  <a:pt x="9303" y="4889"/>
+                  <a:pt x="9248" y="4701"/>
+                </a:cubicBezTo>
+                <a:close/>
+              </a:path>
+            </a:pathLst>
+          </a:custGeom>
+          <a:solidFill>
+            <a:schemeClr val="accent1"/>
+          </a:solidFill>
+          <a:ln>
+            <a:noFill/>
+          </a:ln>
+        </p:spPr>
+      </p:sp>
+      <p:sp>
+        <p:nvSpPr>
           <p:cNvPr id="7" name="Slide Number Placeholder 6"/>
           <p:cNvSpPr>
             <a:spLocks noGrp="1"/>
@@ -2187,7 +4789,7 @@
           <a:lstStyle/>
           <a:p>
             <a:fld id="{D57F1E4F-1CFF-5643-939E-217C01CDF565}" type="slidenum">
-              <a:rPr lang="en-US" smtClean="0"/>
+              <a:rPr lang="en-US" dirty="0"/>
               <a:pPr/>
               <a:t>‹#›</a:t>
             </a:fld>
@@ -2196,11 +4798,6 @@
         </p:txBody>
       </p:sp>
     </p:spTree>
-    <p:extLst>
-      <p:ext uri="{BB962C8B-B14F-4D97-AF65-F5344CB8AC3E}">
-        <p14:creationId xmlns:p14="http://schemas.microsoft.com/office/powerpoint/2010/main" val="865299423"/>
-      </p:ext>
-    </p:extLst>
   </p:cSld>
   <p:clrMapOvr>
     <a:masterClrMapping/>
@@ -2237,15 +4834,17 @@
         </p:nvSpPr>
         <p:spPr>
           <a:xfrm>
-            <a:off x="839788" y="457200"/>
-            <a:ext cx="3932237" cy="1600200"/>
+            <a:off x="2589213" y="4800600"/>
+            <a:ext cx="8915400" cy="566738"/>
           </a:xfrm>
         </p:spPr>
         <p:txBody>
-          <a:bodyPr anchor="b"/>
+          <a:bodyPr anchor="b">
+            <a:normAutofit/>
+          </a:bodyPr>
           <a:lstStyle>
-            <a:lvl1pPr>
-              <a:defRPr sz="3200"/>
+            <a:lvl1pPr algn="l">
+              <a:defRPr sz="2400" b="0"/>
             </a:lvl1pPr>
           </a:lstStyle>
           <a:p>
@@ -2253,7 +4852,7 @@
               <a:rPr lang="en-US" smtClean="0"/>
               <a:t>Click to edit Master title style</a:t>
             </a:r>
-            <a:endParaRPr lang="en-US"/>
+            <a:endParaRPr lang="en-US" dirty="0"/>
           </a:p>
         </p:txBody>
       </p:sp>
@@ -2261,7 +4860,7 @@
         <p:nvSpPr>
           <p:cNvPr id="3" name="Picture Placeholder 2"/>
           <p:cNvSpPr>
-            <a:spLocks noGrp="1"/>
+            <a:spLocks noGrp="1" noChangeAspect="1"/>
           </p:cNvSpPr>
           <p:nvPr>
             <p:ph type="pic" idx="1"/>
@@ -2269,112 +4868,120 @@
         </p:nvSpPr>
         <p:spPr>
           <a:xfrm>
-            <a:off x="5183188" y="987425"/>
-            <a:ext cx="6172200" cy="4873625"/>
+            <a:off x="2589212" y="634965"/>
+            <a:ext cx="8915400" cy="3854970"/>
           </a:xfrm>
         </p:spPr>
         <p:txBody>
-          <a:bodyPr/>
+          <a:bodyPr anchor="t">
+            <a:normAutofit/>
+          </a:bodyPr>
           <a:lstStyle>
-            <a:lvl1pPr marL="0" indent="0">
-              <a:buNone/>
-              <a:defRPr sz="3200"/>
-            </a:lvl1pPr>
-            <a:lvl2pPr marL="457200" indent="0">
-              <a:buNone/>
-              <a:defRPr sz="2800"/>
-            </a:lvl2pPr>
-            <a:lvl3pPr marL="914400" indent="0">
-              <a:buNone/>
-              <a:defRPr sz="2400"/>
-            </a:lvl3pPr>
-            <a:lvl4pPr marL="1371600" indent="0">
-              <a:buNone/>
-              <a:defRPr sz="2000"/>
-            </a:lvl4pPr>
-            <a:lvl5pPr marL="1828800" indent="0">
-              <a:buNone/>
-              <a:defRPr sz="2000"/>
-            </a:lvl5pPr>
-            <a:lvl6pPr marL="2286000" indent="0">
-              <a:buNone/>
-              <a:defRPr sz="2000"/>
-            </a:lvl6pPr>
-            <a:lvl7pPr marL="2743200" indent="0">
-              <a:buNone/>
-              <a:defRPr sz="2000"/>
-            </a:lvl7pPr>
-            <a:lvl8pPr marL="3200400" indent="0">
-              <a:buNone/>
-              <a:defRPr sz="2000"/>
-            </a:lvl8pPr>
-            <a:lvl9pPr marL="3657600" indent="0">
-              <a:buNone/>
-              <a:defRPr sz="2000"/>
-            </a:lvl9pPr>
-          </a:lstStyle>
-          <a:p>
-            <a:endParaRPr lang="en-US"/>
-          </a:p>
-        </p:txBody>
-      </p:sp>
-      <p:sp>
-        <p:nvSpPr>
-          <p:cNvPr id="4" name="Text Placeholder 3"/>
-          <p:cNvSpPr>
-            <a:spLocks noGrp="1"/>
-          </p:cNvSpPr>
-          <p:nvPr>
-            <p:ph type="body" sz="half" idx="2"/>
-          </p:nvPr>
-        </p:nvSpPr>
-        <p:spPr>
-          <a:xfrm>
-            <a:off x="839788" y="2057400"/>
-            <a:ext cx="3932237" cy="3811588"/>
-          </a:xfrm>
-        </p:spPr>
-        <p:txBody>
-          <a:bodyPr/>
-          <a:lstStyle>
-            <a:lvl1pPr marL="0" indent="0">
+            <a:lvl1pPr marL="0" indent="0" algn="ctr">
               <a:buNone/>
               <a:defRPr sz="1600"/>
             </a:lvl1pPr>
             <a:lvl2pPr marL="457200" indent="0">
               <a:buNone/>
-              <a:defRPr sz="1400"/>
+              <a:defRPr sz="1600"/>
             </a:lvl2pPr>
             <a:lvl3pPr marL="914400" indent="0">
               <a:buNone/>
-              <a:defRPr sz="1200"/>
+              <a:defRPr sz="1600"/>
             </a:lvl3pPr>
             <a:lvl4pPr marL="1371600" indent="0">
               <a:buNone/>
-              <a:defRPr sz="1000"/>
+              <a:defRPr sz="1600"/>
             </a:lvl4pPr>
             <a:lvl5pPr marL="1828800" indent="0">
               <a:buNone/>
-              <a:defRPr sz="1000"/>
+              <a:defRPr sz="1600"/>
             </a:lvl5pPr>
             <a:lvl6pPr marL="2286000" indent="0">
               <a:buNone/>
-              <a:defRPr sz="1000"/>
+              <a:defRPr sz="1600"/>
             </a:lvl6pPr>
             <a:lvl7pPr marL="2743200" indent="0">
               <a:buNone/>
-              <a:defRPr sz="1000"/>
+              <a:defRPr sz="1600"/>
             </a:lvl7pPr>
             <a:lvl8pPr marL="3200400" indent="0">
               <a:buNone/>
-              <a:defRPr sz="1000"/>
+              <a:defRPr sz="1600"/>
             </a:lvl8pPr>
             <a:lvl9pPr marL="3657600" indent="0">
               <a:buNone/>
-              <a:defRPr sz="1000"/>
+              <a:defRPr sz="1600"/>
             </a:lvl9pPr>
           </a:lstStyle>
           <a:p>
+            <a:r>
+              <a:rPr lang="en-US" smtClean="0"/>
+              <a:t>Click icon to add picture</a:t>
+            </a:r>
+            <a:endParaRPr lang="en-US" dirty="0"/>
+          </a:p>
+        </p:txBody>
+      </p:sp>
+      <p:sp>
+        <p:nvSpPr>
+          <p:cNvPr id="4" name="Text Placeholder 3"/>
+          <p:cNvSpPr>
+            <a:spLocks noGrp="1"/>
+          </p:cNvSpPr>
+          <p:nvPr>
+            <p:ph type="body" sz="half" idx="2"/>
+          </p:nvPr>
+        </p:nvSpPr>
+        <p:spPr>
+          <a:xfrm>
+            <a:off x="2589213" y="5367338"/>
+            <a:ext cx="8915400" cy="493712"/>
+          </a:xfrm>
+        </p:spPr>
+        <p:txBody>
+          <a:bodyPr>
+            <a:normAutofit/>
+          </a:bodyPr>
+          <a:lstStyle>
+            <a:lvl1pPr marL="0" indent="0">
+              <a:buNone/>
+              <a:defRPr sz="1200"/>
+            </a:lvl1pPr>
+            <a:lvl2pPr marL="457200" indent="0">
+              <a:buNone/>
+              <a:defRPr sz="1200"/>
+            </a:lvl2pPr>
+            <a:lvl3pPr marL="914400" indent="0">
+              <a:buNone/>
+              <a:defRPr sz="1000"/>
+            </a:lvl3pPr>
+            <a:lvl4pPr marL="1371600" indent="0">
+              <a:buNone/>
+              <a:defRPr sz="900"/>
+            </a:lvl4pPr>
+            <a:lvl5pPr marL="1828800" indent="0">
+              <a:buNone/>
+              <a:defRPr sz="900"/>
+            </a:lvl5pPr>
+            <a:lvl6pPr marL="2286000" indent="0">
+              <a:buNone/>
+              <a:defRPr sz="900"/>
+            </a:lvl6pPr>
+            <a:lvl7pPr marL="2743200" indent="0">
+              <a:buNone/>
+              <a:defRPr sz="900"/>
+            </a:lvl7pPr>
+            <a:lvl8pPr marL="3200400" indent="0">
+              <a:buNone/>
+              <a:defRPr sz="900"/>
+            </a:lvl8pPr>
+            <a:lvl9pPr marL="3657600" indent="0">
+              <a:buNone/>
+              <a:defRPr sz="900"/>
+            </a:lvl9pPr>
+          </a:lstStyle>
+          <a:p>
             <a:pPr lvl="0"/>
             <a:r>
               <a:rPr lang="en-US" smtClean="0"/>
@@ -2399,9 +5006,9 @@
           <a:lstStyle/>
           <a:p>
             <a:fld id="{B61BEF0D-F0BB-DE4B-95CE-6DB70DBA9567}" type="datetimeFigureOut">
-              <a:rPr lang="en-US" smtClean="0"/>
+              <a:rPr lang="en-US" dirty="0"/>
               <a:pPr/>
-              <a:t>12/29/2017</a:t>
+              <a:t>8/17/2017</a:t>
             </a:fld>
             <a:endParaRPr lang="en-US" dirty="0"/>
           </a:p>
@@ -2428,6 +5035,88 @@
       </p:sp>
       <p:sp>
         <p:nvSpPr>
+          <p:cNvPr id="9" name="Freeform 11"/>
+          <p:cNvSpPr/>
+          <p:nvPr/>
+        </p:nvSpPr>
+        <p:spPr bwMode="auto">
+          <a:xfrm flipV="1">
+            <a:off x="-4189" y="4911725"/>
+            <a:ext cx="1588527" cy="507297"/>
+          </a:xfrm>
+          <a:custGeom>
+            <a:avLst/>
+            <a:gdLst/>
+            <a:ahLst/>
+            <a:cxnLst/>
+            <a:rect l="l" t="t" r="r" b="b"/>
+            <a:pathLst>
+              <a:path w="9248" h="10000">
+                <a:moveTo>
+                  <a:pt x="9248" y="4701"/>
+                </a:moveTo>
+                <a:lnTo>
+                  <a:pt x="7915" y="188"/>
+                </a:lnTo>
+                <a:cubicBezTo>
+                  <a:pt x="7906" y="156"/>
+                  <a:pt x="7895" y="126"/>
+                  <a:pt x="7886" y="94"/>
+                </a:cubicBezTo>
+                <a:cubicBezTo>
+                  <a:pt x="7859" y="0"/>
+                  <a:pt x="7831" y="0"/>
+                  <a:pt x="7803" y="0"/>
+                </a:cubicBezTo>
+                <a:lnTo>
+                  <a:pt x="7275" y="0"/>
+                </a:lnTo>
+                <a:lnTo>
+                  <a:pt x="0" y="70"/>
+                </a:lnTo>
+                <a:cubicBezTo>
+                  <a:pt x="8" y="3380"/>
+                  <a:pt x="17" y="6690"/>
+                  <a:pt x="25" y="10000"/>
+                </a:cubicBezTo>
+                <a:lnTo>
+                  <a:pt x="7275" y="9966"/>
+                </a:lnTo>
+                <a:lnTo>
+                  <a:pt x="7803" y="9966"/>
+                </a:lnTo>
+                <a:cubicBezTo>
+                  <a:pt x="7831" y="9966"/>
+                  <a:pt x="7859" y="9872"/>
+                  <a:pt x="7886" y="9872"/>
+                </a:cubicBezTo>
+                <a:cubicBezTo>
+                  <a:pt x="7886" y="9778"/>
+                  <a:pt x="7915" y="9778"/>
+                  <a:pt x="7915" y="9778"/>
+                </a:cubicBezTo>
+                <a:lnTo>
+                  <a:pt x="9248" y="5265"/>
+                </a:lnTo>
+                <a:cubicBezTo>
+                  <a:pt x="9303" y="5077"/>
+                  <a:pt x="9303" y="4889"/>
+                  <a:pt x="9248" y="4701"/>
+                </a:cubicBezTo>
+                <a:close/>
+              </a:path>
+            </a:pathLst>
+          </a:custGeom>
+          <a:solidFill>
+            <a:schemeClr val="accent1"/>
+          </a:solidFill>
+          <a:ln>
+            <a:noFill/>
+          </a:ln>
+        </p:spPr>
+      </p:sp>
+      <p:sp>
+        <p:nvSpPr>
           <p:cNvPr id="7" name="Slide Number Placeholder 6"/>
           <p:cNvSpPr>
             <a:spLocks noGrp="1"/>
@@ -2436,13 +5125,18 @@
             <p:ph type="sldNum" sz="quarter" idx="12"/>
           </p:nvPr>
         </p:nvSpPr>
-        <p:spPr/>
+        <p:spPr>
+          <a:xfrm>
+            <a:off x="531812" y="4983087"/>
+            <a:ext cx="779767" cy="365125"/>
+          </a:xfrm>
+        </p:spPr>
         <p:txBody>
           <a:bodyPr/>
           <a:lstStyle/>
           <a:p>
             <a:fld id="{D57F1E4F-1CFF-5643-939E-217C01CDF565}" type="slidenum">
-              <a:rPr lang="en-US" smtClean="0"/>
+              <a:rPr lang="en-US" dirty="0"/>
               <a:pPr/>
               <a:t>‹#›</a:t>
             </a:fld>
@@ -2451,11 +5145,6 @@
         </p:txBody>
       </p:sp>
     </p:spTree>
-    <p:extLst>
-      <p:ext uri="{BB962C8B-B14F-4D97-AF65-F5344CB8AC3E}">
-        <p14:creationId xmlns:p14="http://schemas.microsoft.com/office/powerpoint/2010/main" val="3669881156"/>
-      </p:ext>
-    </p:extLst>
   </p:cSld>
   <p:clrMapOvr>
     <a:masterClrMapping/>
@@ -2467,8 +5156,8 @@
 <p:sldMaster xmlns:a="http://schemas.openxmlformats.org/drawingml/2006/main" xmlns:r="http://schemas.openxmlformats.org/officeDocument/2006/relationships" xmlns:p="http://schemas.openxmlformats.org/presentationml/2006/main">
   <p:cSld>
     <p:bg>
-      <p:bgRef idx="1001">
-        <a:schemeClr val="bg1"/>
+      <p:bgRef idx="1003">
+        <a:schemeClr val="bg2"/>
       </p:bgRef>
     </p:bg>
     <p:spTree>
@@ -2485,27 +5174,1844 @@
           <a:chExt cx="0" cy="0"/>
         </a:xfrm>
       </p:grpSpPr>
-      <p:sp>
-        <p:nvSpPr>
-          <p:cNvPr id="2" name="Title Placeholder 1"/>
-          <p:cNvSpPr>
-            <a:spLocks noGrp="1"/>
-          </p:cNvSpPr>
-          <p:nvPr>
-            <p:ph type="title"/>
-          </p:nvPr>
+      <p:grpSp>
+        <p:nvGrpSpPr>
+          <p:cNvPr id="23" name="Group 22"/>
+          <p:cNvGrpSpPr/>
+          <p:nvPr/>
+        </p:nvGrpSpPr>
+        <p:grpSpPr>
+          <a:xfrm>
+            <a:off x="1" y="228600"/>
+            <a:ext cx="2851516" cy="6638628"/>
+            <a:chOff x="2487613" y="285750"/>
+            <a:chExt cx="2428875" cy="5654676"/>
+          </a:xfrm>
+        </p:grpSpPr>
+        <p:sp>
+          <p:nvSpPr>
+            <p:cNvPr id="24" name="Freeform 11"/>
+            <p:cNvSpPr/>
+            <p:nvPr/>
+          </p:nvSpPr>
+          <p:spPr bwMode="auto">
+            <a:xfrm>
+              <a:off x="2487613" y="2284413"/>
+              <a:ext cx="85725" cy="533400"/>
+            </a:xfrm>
+            <a:custGeom>
+              <a:avLst/>
+              <a:gdLst/>
+              <a:ahLst/>
+              <a:cxnLst/>
+              <a:rect l="0" t="0" r="r" b="b"/>
+              <a:pathLst>
+                <a:path w="22" h="136">
+                  <a:moveTo>
+                    <a:pt x="22" y="136"/>
+                  </a:moveTo>
+                  <a:cubicBezTo>
+                    <a:pt x="20" y="117"/>
+                    <a:pt x="19" y="99"/>
+                    <a:pt x="17" y="80"/>
+                  </a:cubicBezTo>
+                  <a:cubicBezTo>
+                    <a:pt x="11" y="54"/>
+                    <a:pt x="6" y="27"/>
+                    <a:pt x="0" y="0"/>
+                  </a:cubicBezTo>
+                  <a:cubicBezTo>
+                    <a:pt x="0" y="35"/>
+                    <a:pt x="0" y="35"/>
+                    <a:pt x="0" y="35"/>
+                  </a:cubicBezTo>
+                  <a:cubicBezTo>
+                    <a:pt x="6" y="64"/>
+                    <a:pt x="13" y="94"/>
+                    <a:pt x="20" y="124"/>
+                  </a:cubicBezTo>
+                  <a:cubicBezTo>
+                    <a:pt x="20" y="128"/>
+                    <a:pt x="21" y="132"/>
+                    <a:pt x="22" y="136"/>
+                  </a:cubicBezTo>
+                  <a:close/>
+                </a:path>
+              </a:pathLst>
+            </a:custGeom>
+            <a:solidFill>
+              <a:schemeClr val="tx2">
+                <a:alpha val="20000"/>
+              </a:schemeClr>
+            </a:solidFill>
+            <a:ln>
+              <a:noFill/>
+            </a:ln>
+          </p:spPr>
+        </p:sp>
+        <p:sp>
+          <p:nvSpPr>
+            <p:cNvPr id="25" name="Freeform 12"/>
+            <p:cNvSpPr/>
+            <p:nvPr/>
+          </p:nvSpPr>
+          <p:spPr bwMode="auto">
+            <a:xfrm>
+              <a:off x="2597151" y="2779713"/>
+              <a:ext cx="550863" cy="1978025"/>
+            </a:xfrm>
+            <a:custGeom>
+              <a:avLst/>
+              <a:gdLst/>
+              <a:ahLst/>
+              <a:cxnLst/>
+              <a:rect l="0" t="0" r="r" b="b"/>
+              <a:pathLst>
+                <a:path w="140" h="504">
+                  <a:moveTo>
+                    <a:pt x="86" y="350"/>
+                  </a:moveTo>
+                  <a:cubicBezTo>
+                    <a:pt x="103" y="402"/>
+                    <a:pt x="120" y="453"/>
+                    <a:pt x="139" y="504"/>
+                  </a:cubicBezTo>
+                  <a:cubicBezTo>
+                    <a:pt x="139" y="495"/>
+                    <a:pt x="139" y="487"/>
+                    <a:pt x="140" y="478"/>
+                  </a:cubicBezTo>
+                  <a:cubicBezTo>
+                    <a:pt x="124" y="435"/>
+                    <a:pt x="109" y="391"/>
+                    <a:pt x="95" y="347"/>
+                  </a:cubicBezTo>
+                  <a:cubicBezTo>
+                    <a:pt x="58" y="233"/>
+                    <a:pt x="27" y="117"/>
+                    <a:pt x="0" y="0"/>
+                  </a:cubicBezTo>
+                  <a:cubicBezTo>
+                    <a:pt x="2" y="20"/>
+                    <a:pt x="4" y="41"/>
+                    <a:pt x="6" y="61"/>
+                  </a:cubicBezTo>
+                  <a:cubicBezTo>
+                    <a:pt x="30" y="158"/>
+                    <a:pt x="56" y="255"/>
+                    <a:pt x="86" y="350"/>
+                  </a:cubicBezTo>
+                  <a:close/>
+                </a:path>
+              </a:pathLst>
+            </a:custGeom>
+            <a:solidFill>
+              <a:schemeClr val="tx2">
+                <a:alpha val="20000"/>
+              </a:schemeClr>
+            </a:solidFill>
+            <a:ln>
+              <a:noFill/>
+            </a:ln>
+          </p:spPr>
+        </p:sp>
+        <p:sp>
+          <p:nvSpPr>
+            <p:cNvPr id="26" name="Freeform 13"/>
+            <p:cNvSpPr/>
+            <p:nvPr/>
+          </p:nvSpPr>
+          <p:spPr bwMode="auto">
+            <a:xfrm>
+              <a:off x="3175001" y="4730750"/>
+              <a:ext cx="519113" cy="1209675"/>
+            </a:xfrm>
+            <a:custGeom>
+              <a:avLst/>
+              <a:gdLst/>
+              <a:ahLst/>
+              <a:cxnLst/>
+              <a:rect l="0" t="0" r="r" b="b"/>
+              <a:pathLst>
+                <a:path w="132" h="308">
+                  <a:moveTo>
+                    <a:pt x="8" y="22"/>
+                  </a:moveTo>
+                  <a:cubicBezTo>
+                    <a:pt x="5" y="15"/>
+                    <a:pt x="2" y="8"/>
+                    <a:pt x="0" y="0"/>
+                  </a:cubicBezTo>
+                  <a:cubicBezTo>
+                    <a:pt x="0" y="10"/>
+                    <a:pt x="0" y="19"/>
+                    <a:pt x="0" y="29"/>
+                  </a:cubicBezTo>
+                  <a:cubicBezTo>
+                    <a:pt x="21" y="85"/>
+                    <a:pt x="44" y="140"/>
+                    <a:pt x="68" y="194"/>
+                  </a:cubicBezTo>
+                  <a:cubicBezTo>
+                    <a:pt x="85" y="232"/>
+                    <a:pt x="104" y="270"/>
+                    <a:pt x="123" y="308"/>
+                  </a:cubicBezTo>
+                  <a:cubicBezTo>
+                    <a:pt x="132" y="308"/>
+                    <a:pt x="132" y="308"/>
+                    <a:pt x="132" y="308"/>
+                  </a:cubicBezTo>
+                  <a:cubicBezTo>
+                    <a:pt x="113" y="269"/>
+                    <a:pt x="94" y="230"/>
+                    <a:pt x="77" y="190"/>
+                  </a:cubicBezTo>
+                  <a:cubicBezTo>
+                    <a:pt x="52" y="135"/>
+                    <a:pt x="29" y="79"/>
+                    <a:pt x="8" y="22"/>
+                  </a:cubicBezTo>
+                  <a:close/>
+                </a:path>
+              </a:pathLst>
+            </a:custGeom>
+            <a:solidFill>
+              <a:schemeClr val="tx2">
+                <a:alpha val="20000"/>
+              </a:schemeClr>
+            </a:solidFill>
+            <a:ln>
+              <a:noFill/>
+            </a:ln>
+          </p:spPr>
+        </p:sp>
+        <p:sp>
+          <p:nvSpPr>
+            <p:cNvPr id="27" name="Freeform 14"/>
+            <p:cNvSpPr/>
+            <p:nvPr/>
+          </p:nvSpPr>
+          <p:spPr bwMode="auto">
+            <a:xfrm>
+              <a:off x="3305176" y="5630863"/>
+              <a:ext cx="146050" cy="309563"/>
+            </a:xfrm>
+            <a:custGeom>
+              <a:avLst/>
+              <a:gdLst/>
+              <a:ahLst/>
+              <a:cxnLst/>
+              <a:rect l="0" t="0" r="r" b="b"/>
+              <a:pathLst>
+                <a:path w="37" h="79">
+                  <a:moveTo>
+                    <a:pt x="28" y="79"/>
+                  </a:moveTo>
+                  <a:cubicBezTo>
+                    <a:pt x="37" y="79"/>
+                    <a:pt x="37" y="79"/>
+                    <a:pt x="37" y="79"/>
+                  </a:cubicBezTo>
+                  <a:cubicBezTo>
+                    <a:pt x="24" y="53"/>
+                    <a:pt x="12" y="27"/>
+                    <a:pt x="0" y="0"/>
+                  </a:cubicBezTo>
+                  <a:cubicBezTo>
+                    <a:pt x="8" y="27"/>
+                    <a:pt x="17" y="53"/>
+                    <a:pt x="28" y="79"/>
+                  </a:cubicBezTo>
+                  <a:close/>
+                </a:path>
+              </a:pathLst>
+            </a:custGeom>
+            <a:solidFill>
+              <a:schemeClr val="tx2">
+                <a:alpha val="20000"/>
+              </a:schemeClr>
+            </a:solidFill>
+            <a:ln>
+              <a:noFill/>
+            </a:ln>
+          </p:spPr>
+        </p:sp>
+        <p:sp>
+          <p:nvSpPr>
+            <p:cNvPr id="28" name="Freeform 15"/>
+            <p:cNvSpPr/>
+            <p:nvPr/>
+          </p:nvSpPr>
+          <p:spPr bwMode="auto">
+            <a:xfrm>
+              <a:off x="2573338" y="2817813"/>
+              <a:ext cx="700088" cy="2835275"/>
+            </a:xfrm>
+            <a:custGeom>
+              <a:avLst/>
+              <a:gdLst/>
+              <a:ahLst/>
+              <a:cxnLst/>
+              <a:rect l="0" t="0" r="r" b="b"/>
+              <a:pathLst>
+                <a:path w="178" h="722">
+                  <a:moveTo>
+                    <a:pt x="162" y="660"/>
+                  </a:moveTo>
+                  <a:cubicBezTo>
+                    <a:pt x="145" y="618"/>
+                    <a:pt x="130" y="576"/>
+                    <a:pt x="116" y="534"/>
+                  </a:cubicBezTo>
+                  <a:cubicBezTo>
+                    <a:pt x="84" y="437"/>
+                    <a:pt x="59" y="337"/>
+                    <a:pt x="40" y="236"/>
+                  </a:cubicBezTo>
+                  <a:cubicBezTo>
+                    <a:pt x="29" y="175"/>
+                    <a:pt x="20" y="113"/>
+                    <a:pt x="12" y="51"/>
+                  </a:cubicBezTo>
+                  <a:cubicBezTo>
+                    <a:pt x="8" y="34"/>
+                    <a:pt x="4" y="17"/>
+                    <a:pt x="0" y="0"/>
+                  </a:cubicBezTo>
+                  <a:cubicBezTo>
+                    <a:pt x="8" y="79"/>
+                    <a:pt x="19" y="159"/>
+                    <a:pt x="33" y="237"/>
+                  </a:cubicBezTo>
+                  <a:cubicBezTo>
+                    <a:pt x="51" y="339"/>
+                    <a:pt x="76" y="439"/>
+                    <a:pt x="107" y="537"/>
+                  </a:cubicBezTo>
+                  <a:cubicBezTo>
+                    <a:pt x="123" y="586"/>
+                    <a:pt x="141" y="634"/>
+                    <a:pt x="160" y="681"/>
+                  </a:cubicBezTo>
+                  <a:cubicBezTo>
+                    <a:pt x="166" y="695"/>
+                    <a:pt x="172" y="708"/>
+                    <a:pt x="178" y="722"/>
+                  </a:cubicBezTo>
+                  <a:cubicBezTo>
+                    <a:pt x="176" y="717"/>
+                    <a:pt x="175" y="713"/>
+                    <a:pt x="174" y="708"/>
+                  </a:cubicBezTo>
+                  <a:cubicBezTo>
+                    <a:pt x="169" y="692"/>
+                    <a:pt x="165" y="676"/>
+                    <a:pt x="162" y="660"/>
+                  </a:cubicBezTo>
+                  <a:close/>
+                </a:path>
+              </a:pathLst>
+            </a:custGeom>
+            <a:solidFill>
+              <a:schemeClr val="tx2">
+                <a:alpha val="20000"/>
+              </a:schemeClr>
+            </a:solidFill>
+            <a:ln>
+              <a:noFill/>
+            </a:ln>
+          </p:spPr>
+        </p:sp>
+        <p:sp>
+          <p:nvSpPr>
+            <p:cNvPr id="29" name="Freeform 16"/>
+            <p:cNvSpPr/>
+            <p:nvPr/>
+          </p:nvSpPr>
+          <p:spPr bwMode="auto">
+            <a:xfrm>
+              <a:off x="2506663" y="285750"/>
+              <a:ext cx="90488" cy="2493963"/>
+            </a:xfrm>
+            <a:custGeom>
+              <a:avLst/>
+              <a:gdLst/>
+              <a:ahLst/>
+              <a:cxnLst/>
+              <a:rect l="0" t="0" r="r" b="b"/>
+              <a:pathLst>
+                <a:path w="23" h="635">
+                  <a:moveTo>
+                    <a:pt x="11" y="577"/>
+                  </a:moveTo>
+                  <a:cubicBezTo>
+                    <a:pt x="12" y="581"/>
+                    <a:pt x="12" y="585"/>
+                    <a:pt x="12" y="589"/>
+                  </a:cubicBezTo>
+                  <a:cubicBezTo>
+                    <a:pt x="15" y="603"/>
+                    <a:pt x="19" y="617"/>
+                    <a:pt x="22" y="632"/>
+                  </a:cubicBezTo>
+                  <a:cubicBezTo>
+                    <a:pt x="22" y="633"/>
+                    <a:pt x="22" y="634"/>
+                    <a:pt x="23" y="635"/>
+                  </a:cubicBezTo>
+                  <a:cubicBezTo>
+                    <a:pt x="21" y="615"/>
+                    <a:pt x="19" y="596"/>
+                    <a:pt x="17" y="576"/>
+                  </a:cubicBezTo>
+                  <a:cubicBezTo>
+                    <a:pt x="9" y="474"/>
+                    <a:pt x="5" y="372"/>
+                    <a:pt x="5" y="269"/>
+                  </a:cubicBezTo>
+                  <a:cubicBezTo>
+                    <a:pt x="6" y="179"/>
+                    <a:pt x="9" y="90"/>
+                    <a:pt x="15" y="0"/>
+                  </a:cubicBezTo>
+                  <a:cubicBezTo>
+                    <a:pt x="12" y="0"/>
+                    <a:pt x="12" y="0"/>
+                    <a:pt x="12" y="0"/>
+                  </a:cubicBezTo>
+                  <a:cubicBezTo>
+                    <a:pt x="5" y="89"/>
+                    <a:pt x="2" y="179"/>
+                    <a:pt x="1" y="269"/>
+                  </a:cubicBezTo>
+                  <a:cubicBezTo>
+                    <a:pt x="0" y="372"/>
+                    <a:pt x="3" y="474"/>
+                    <a:pt x="11" y="577"/>
+                  </a:cubicBezTo>
+                  <a:close/>
+                </a:path>
+              </a:pathLst>
+            </a:custGeom>
+            <a:solidFill>
+              <a:schemeClr val="tx2">
+                <a:alpha val="20000"/>
+              </a:schemeClr>
+            </a:solidFill>
+            <a:ln>
+              <a:noFill/>
+            </a:ln>
+          </p:spPr>
+        </p:sp>
+        <p:sp>
+          <p:nvSpPr>
+            <p:cNvPr id="30" name="Freeform 17"/>
+            <p:cNvSpPr/>
+            <p:nvPr/>
+          </p:nvSpPr>
+          <p:spPr bwMode="auto">
+            <a:xfrm>
+              <a:off x="2554288" y="2598738"/>
+              <a:ext cx="66675" cy="420688"/>
+            </a:xfrm>
+            <a:custGeom>
+              <a:avLst/>
+              <a:gdLst/>
+              <a:ahLst/>
+              <a:cxnLst/>
+              <a:rect l="0" t="0" r="r" b="b"/>
+              <a:pathLst>
+                <a:path w="17" h="107">
+                  <a:moveTo>
+                    <a:pt x="0" y="0"/>
+                  </a:moveTo>
+                  <a:cubicBezTo>
+                    <a:pt x="2" y="19"/>
+                    <a:pt x="3" y="37"/>
+                    <a:pt x="5" y="56"/>
+                  </a:cubicBezTo>
+                  <a:cubicBezTo>
+                    <a:pt x="9" y="73"/>
+                    <a:pt x="13" y="90"/>
+                    <a:pt x="17" y="107"/>
+                  </a:cubicBezTo>
+                  <a:cubicBezTo>
+                    <a:pt x="15" y="87"/>
+                    <a:pt x="13" y="66"/>
+                    <a:pt x="11" y="46"/>
+                  </a:cubicBezTo>
+                  <a:cubicBezTo>
+                    <a:pt x="10" y="45"/>
+                    <a:pt x="10" y="44"/>
+                    <a:pt x="10" y="43"/>
+                  </a:cubicBezTo>
+                  <a:cubicBezTo>
+                    <a:pt x="7" y="28"/>
+                    <a:pt x="3" y="14"/>
+                    <a:pt x="0" y="0"/>
+                  </a:cubicBezTo>
+                  <a:close/>
+                </a:path>
+              </a:pathLst>
+            </a:custGeom>
+            <a:solidFill>
+              <a:schemeClr val="tx2">
+                <a:alpha val="20000"/>
+              </a:schemeClr>
+            </a:solidFill>
+            <a:ln>
+              <a:noFill/>
+            </a:ln>
+          </p:spPr>
+        </p:sp>
+        <p:sp>
+          <p:nvSpPr>
+            <p:cNvPr id="31" name="Freeform 18"/>
+            <p:cNvSpPr/>
+            <p:nvPr/>
+          </p:nvSpPr>
+          <p:spPr bwMode="auto">
+            <a:xfrm>
+              <a:off x="3143251" y="4757738"/>
+              <a:ext cx="161925" cy="873125"/>
+            </a:xfrm>
+            <a:custGeom>
+              <a:avLst/>
+              <a:gdLst/>
+              <a:ahLst/>
+              <a:cxnLst/>
+              <a:rect l="0" t="0" r="r" b="b"/>
+              <a:pathLst>
+                <a:path w="41" h="222">
+                  <a:moveTo>
+                    <a:pt x="0" y="0"/>
+                  </a:moveTo>
+                  <a:cubicBezTo>
+                    <a:pt x="0" y="31"/>
+                    <a:pt x="2" y="62"/>
+                    <a:pt x="5" y="93"/>
+                  </a:cubicBezTo>
+                  <a:cubicBezTo>
+                    <a:pt x="8" y="117"/>
+                    <a:pt x="12" y="142"/>
+                    <a:pt x="17" y="166"/>
+                  </a:cubicBezTo>
+                  <a:cubicBezTo>
+                    <a:pt x="19" y="172"/>
+                    <a:pt x="22" y="178"/>
+                    <a:pt x="24" y="184"/>
+                  </a:cubicBezTo>
+                  <a:cubicBezTo>
+                    <a:pt x="30" y="197"/>
+                    <a:pt x="35" y="209"/>
+                    <a:pt x="41" y="222"/>
+                  </a:cubicBezTo>
+                  <a:cubicBezTo>
+                    <a:pt x="40" y="219"/>
+                    <a:pt x="39" y="215"/>
+                    <a:pt x="38" y="212"/>
+                  </a:cubicBezTo>
+                  <a:cubicBezTo>
+                    <a:pt x="26" y="172"/>
+                    <a:pt x="18" y="132"/>
+                    <a:pt x="13" y="92"/>
+                  </a:cubicBezTo>
+                  <a:cubicBezTo>
+                    <a:pt x="11" y="68"/>
+                    <a:pt x="9" y="45"/>
+                    <a:pt x="8" y="22"/>
+                  </a:cubicBezTo>
+                  <a:cubicBezTo>
+                    <a:pt x="8" y="21"/>
+                    <a:pt x="7" y="20"/>
+                    <a:pt x="7" y="18"/>
+                  </a:cubicBezTo>
+                  <a:cubicBezTo>
+                    <a:pt x="5" y="12"/>
+                    <a:pt x="2" y="6"/>
+                    <a:pt x="0" y="0"/>
+                  </a:cubicBezTo>
+                  <a:close/>
+                </a:path>
+              </a:pathLst>
+            </a:custGeom>
+            <a:solidFill>
+              <a:schemeClr val="tx2">
+                <a:alpha val="20000"/>
+              </a:schemeClr>
+            </a:solidFill>
+            <a:ln>
+              <a:noFill/>
+            </a:ln>
+          </p:spPr>
+        </p:sp>
+        <p:sp>
+          <p:nvSpPr>
+            <p:cNvPr id="32" name="Freeform 19"/>
+            <p:cNvSpPr/>
+            <p:nvPr/>
+          </p:nvSpPr>
+          <p:spPr bwMode="auto">
+            <a:xfrm>
+              <a:off x="3148013" y="1282700"/>
+              <a:ext cx="1768475" cy="3448050"/>
+            </a:xfrm>
+            <a:custGeom>
+              <a:avLst/>
+              <a:gdLst/>
+              <a:ahLst/>
+              <a:cxnLst/>
+              <a:rect l="0" t="0" r="r" b="b"/>
+              <a:pathLst>
+                <a:path w="450" h="878">
+                  <a:moveTo>
+                    <a:pt x="7" y="854"/>
+                  </a:moveTo>
+                  <a:cubicBezTo>
+                    <a:pt x="10" y="772"/>
+                    <a:pt x="26" y="691"/>
+                    <a:pt x="50" y="613"/>
+                  </a:cubicBezTo>
+                  <a:cubicBezTo>
+                    <a:pt x="75" y="535"/>
+                    <a:pt x="109" y="460"/>
+                    <a:pt x="149" y="388"/>
+                  </a:cubicBezTo>
+                  <a:cubicBezTo>
+                    <a:pt x="189" y="316"/>
+                    <a:pt x="235" y="248"/>
+                    <a:pt x="285" y="183"/>
+                  </a:cubicBezTo>
+                  <a:cubicBezTo>
+                    <a:pt x="310" y="151"/>
+                    <a:pt x="337" y="119"/>
+                    <a:pt x="364" y="89"/>
+                  </a:cubicBezTo>
+                  <a:cubicBezTo>
+                    <a:pt x="378" y="74"/>
+                    <a:pt x="392" y="58"/>
+                    <a:pt x="406" y="44"/>
+                  </a:cubicBezTo>
+                  <a:cubicBezTo>
+                    <a:pt x="421" y="29"/>
+                    <a:pt x="435" y="15"/>
+                    <a:pt x="450" y="1"/>
+                  </a:cubicBezTo>
+                  <a:cubicBezTo>
+                    <a:pt x="450" y="0"/>
+                    <a:pt x="450" y="0"/>
+                    <a:pt x="450" y="0"/>
+                  </a:cubicBezTo>
+                  <a:cubicBezTo>
+                    <a:pt x="434" y="14"/>
+                    <a:pt x="420" y="28"/>
+                    <a:pt x="405" y="43"/>
+                  </a:cubicBezTo>
+                  <a:cubicBezTo>
+                    <a:pt x="391" y="57"/>
+                    <a:pt x="377" y="72"/>
+                    <a:pt x="363" y="88"/>
+                  </a:cubicBezTo>
+                  <a:cubicBezTo>
+                    <a:pt x="335" y="118"/>
+                    <a:pt x="308" y="149"/>
+                    <a:pt x="283" y="181"/>
+                  </a:cubicBezTo>
+                  <a:cubicBezTo>
+                    <a:pt x="232" y="246"/>
+                    <a:pt x="185" y="314"/>
+                    <a:pt x="145" y="386"/>
+                  </a:cubicBezTo>
+                  <a:cubicBezTo>
+                    <a:pt x="104" y="457"/>
+                    <a:pt x="70" y="533"/>
+                    <a:pt x="45" y="611"/>
+                  </a:cubicBezTo>
+                  <a:cubicBezTo>
+                    <a:pt x="19" y="690"/>
+                    <a:pt x="3" y="771"/>
+                    <a:pt x="0" y="854"/>
+                  </a:cubicBezTo>
+                  <a:cubicBezTo>
+                    <a:pt x="0" y="856"/>
+                    <a:pt x="0" y="857"/>
+                    <a:pt x="0" y="859"/>
+                  </a:cubicBezTo>
+                  <a:cubicBezTo>
+                    <a:pt x="2" y="865"/>
+                    <a:pt x="4" y="872"/>
+                    <a:pt x="7" y="878"/>
+                  </a:cubicBezTo>
+                  <a:cubicBezTo>
+                    <a:pt x="7" y="870"/>
+                    <a:pt x="7" y="862"/>
+                    <a:pt x="7" y="854"/>
+                  </a:cubicBezTo>
+                  <a:close/>
+                </a:path>
+              </a:pathLst>
+            </a:custGeom>
+            <a:solidFill>
+              <a:schemeClr val="tx2">
+                <a:alpha val="20000"/>
+              </a:schemeClr>
+            </a:solidFill>
+            <a:ln>
+              <a:noFill/>
+            </a:ln>
+          </p:spPr>
+        </p:sp>
+        <p:sp>
+          <p:nvSpPr>
+            <p:cNvPr id="33" name="Freeform 20"/>
+            <p:cNvSpPr/>
+            <p:nvPr/>
+          </p:nvSpPr>
+          <p:spPr bwMode="auto">
+            <a:xfrm>
+              <a:off x="3273426" y="5653088"/>
+              <a:ext cx="138113" cy="287338"/>
+            </a:xfrm>
+            <a:custGeom>
+              <a:avLst/>
+              <a:gdLst/>
+              <a:ahLst/>
+              <a:cxnLst/>
+              <a:rect l="0" t="0" r="r" b="b"/>
+              <a:pathLst>
+                <a:path w="35" h="73">
+                  <a:moveTo>
+                    <a:pt x="0" y="0"/>
+                  </a:moveTo>
+                  <a:cubicBezTo>
+                    <a:pt x="7" y="24"/>
+                    <a:pt x="16" y="49"/>
+                    <a:pt x="26" y="73"/>
+                  </a:cubicBezTo>
+                  <a:cubicBezTo>
+                    <a:pt x="35" y="73"/>
+                    <a:pt x="35" y="73"/>
+                    <a:pt x="35" y="73"/>
+                  </a:cubicBezTo>
+                  <a:cubicBezTo>
+                    <a:pt x="23" y="49"/>
+                    <a:pt x="11" y="24"/>
+                    <a:pt x="0" y="0"/>
+                  </a:cubicBezTo>
+                  <a:close/>
+                </a:path>
+              </a:pathLst>
+            </a:custGeom>
+            <a:solidFill>
+              <a:schemeClr val="tx2">
+                <a:alpha val="20000"/>
+              </a:schemeClr>
+            </a:solidFill>
+            <a:ln>
+              <a:noFill/>
+            </a:ln>
+          </p:spPr>
+        </p:sp>
+        <p:sp>
+          <p:nvSpPr>
+            <p:cNvPr id="34" name="Freeform 21"/>
+            <p:cNvSpPr/>
+            <p:nvPr/>
+          </p:nvSpPr>
+          <p:spPr bwMode="auto">
+            <a:xfrm>
+              <a:off x="3143251" y="4656138"/>
+              <a:ext cx="31750" cy="188913"/>
+            </a:xfrm>
+            <a:custGeom>
+              <a:avLst/>
+              <a:gdLst/>
+              <a:ahLst/>
+              <a:cxnLst/>
+              <a:rect l="0" t="0" r="r" b="b"/>
+              <a:pathLst>
+                <a:path w="8" h="48">
+                  <a:moveTo>
+                    <a:pt x="7" y="44"/>
+                  </a:moveTo>
+                  <a:cubicBezTo>
+                    <a:pt x="7" y="46"/>
+                    <a:pt x="8" y="47"/>
+                    <a:pt x="8" y="48"/>
+                  </a:cubicBezTo>
+                  <a:cubicBezTo>
+                    <a:pt x="8" y="38"/>
+                    <a:pt x="8" y="29"/>
+                    <a:pt x="8" y="19"/>
+                  </a:cubicBezTo>
+                  <a:cubicBezTo>
+                    <a:pt x="5" y="13"/>
+                    <a:pt x="3" y="6"/>
+                    <a:pt x="1" y="0"/>
+                  </a:cubicBezTo>
+                  <a:cubicBezTo>
+                    <a:pt x="0" y="9"/>
+                    <a:pt x="0" y="17"/>
+                    <a:pt x="0" y="26"/>
+                  </a:cubicBezTo>
+                  <a:cubicBezTo>
+                    <a:pt x="2" y="32"/>
+                    <a:pt x="5" y="38"/>
+                    <a:pt x="7" y="44"/>
+                  </a:cubicBezTo>
+                  <a:close/>
+                </a:path>
+              </a:pathLst>
+            </a:custGeom>
+            <a:solidFill>
+              <a:schemeClr val="tx2">
+                <a:alpha val="20000"/>
+              </a:schemeClr>
+            </a:solidFill>
+            <a:ln>
+              <a:noFill/>
+            </a:ln>
+          </p:spPr>
+        </p:sp>
+        <p:sp>
+          <p:nvSpPr>
+            <p:cNvPr id="35" name="Freeform 22"/>
+            <p:cNvSpPr/>
+            <p:nvPr/>
+          </p:nvSpPr>
+          <p:spPr bwMode="auto">
+            <a:xfrm>
+              <a:off x="3211513" y="5410200"/>
+              <a:ext cx="203200" cy="530225"/>
+            </a:xfrm>
+            <a:custGeom>
+              <a:avLst/>
+              <a:gdLst/>
+              <a:ahLst/>
+              <a:cxnLst/>
+              <a:rect l="0" t="0" r="r" b="b"/>
+              <a:pathLst>
+                <a:path w="52" h="135">
+                  <a:moveTo>
+                    <a:pt x="7" y="18"/>
+                  </a:moveTo>
+                  <a:cubicBezTo>
+                    <a:pt x="5" y="12"/>
+                    <a:pt x="2" y="6"/>
+                    <a:pt x="0" y="0"/>
+                  </a:cubicBezTo>
+                  <a:cubicBezTo>
+                    <a:pt x="3" y="16"/>
+                    <a:pt x="7" y="32"/>
+                    <a:pt x="12" y="48"/>
+                  </a:cubicBezTo>
+                  <a:cubicBezTo>
+                    <a:pt x="13" y="53"/>
+                    <a:pt x="14" y="57"/>
+                    <a:pt x="16" y="62"/>
+                  </a:cubicBezTo>
+                  <a:cubicBezTo>
+                    <a:pt x="27" y="86"/>
+                    <a:pt x="39" y="111"/>
+                    <a:pt x="51" y="135"/>
+                  </a:cubicBezTo>
+                  <a:cubicBezTo>
+                    <a:pt x="52" y="135"/>
+                    <a:pt x="52" y="135"/>
+                    <a:pt x="52" y="135"/>
+                  </a:cubicBezTo>
+                  <a:cubicBezTo>
+                    <a:pt x="41" y="109"/>
+                    <a:pt x="32" y="83"/>
+                    <a:pt x="24" y="56"/>
+                  </a:cubicBezTo>
+                  <a:cubicBezTo>
+                    <a:pt x="18" y="43"/>
+                    <a:pt x="13" y="31"/>
+                    <a:pt x="7" y="18"/>
+                  </a:cubicBezTo>
+                  <a:close/>
+                </a:path>
+              </a:pathLst>
+            </a:custGeom>
+            <a:solidFill>
+              <a:schemeClr val="tx2">
+                <a:alpha val="20000"/>
+              </a:schemeClr>
+            </a:solidFill>
+            <a:ln>
+              <a:noFill/>
+            </a:ln>
+          </p:spPr>
+        </p:sp>
+      </p:grpSp>
+      <p:grpSp>
+        <p:nvGrpSpPr>
+          <p:cNvPr id="10" name="Group 9"/>
+          <p:cNvGrpSpPr/>
+          <p:nvPr/>
+        </p:nvGrpSpPr>
+        <p:grpSpPr>
+          <a:xfrm>
+            <a:off x="27221" y="-786"/>
+            <a:ext cx="2356674" cy="6854039"/>
+            <a:chOff x="6627813" y="194833"/>
+            <a:chExt cx="1952625" cy="5678918"/>
+          </a:xfrm>
+        </p:grpSpPr>
+        <p:sp>
+          <p:nvSpPr>
+            <p:cNvPr id="11" name="Freeform 27"/>
+            <p:cNvSpPr/>
+            <p:nvPr/>
+          </p:nvSpPr>
+          <p:spPr bwMode="auto">
+            <a:xfrm>
+              <a:off x="6627813" y="194833"/>
+              <a:ext cx="409575" cy="3646488"/>
+            </a:xfrm>
+            <a:custGeom>
+              <a:avLst/>
+              <a:gdLst/>
+              <a:ahLst/>
+              <a:cxnLst/>
+              <a:rect l="0" t="0" r="r" b="b"/>
+              <a:pathLst>
+                <a:path w="103" h="920">
+                  <a:moveTo>
+                    <a:pt x="7" y="210"/>
+                  </a:moveTo>
+                  <a:cubicBezTo>
+                    <a:pt x="11" y="288"/>
+                    <a:pt x="17" y="367"/>
+                    <a:pt x="26" y="445"/>
+                  </a:cubicBezTo>
+                  <a:cubicBezTo>
+                    <a:pt x="34" y="523"/>
+                    <a:pt x="44" y="601"/>
+                    <a:pt x="57" y="679"/>
+                  </a:cubicBezTo>
+                  <a:cubicBezTo>
+                    <a:pt x="69" y="757"/>
+                    <a:pt x="84" y="834"/>
+                    <a:pt x="101" y="911"/>
+                  </a:cubicBezTo>
+                  <a:cubicBezTo>
+                    <a:pt x="102" y="914"/>
+                    <a:pt x="103" y="917"/>
+                    <a:pt x="103" y="920"/>
+                  </a:cubicBezTo>
+                  <a:cubicBezTo>
+                    <a:pt x="102" y="905"/>
+                    <a:pt x="100" y="889"/>
+                    <a:pt x="99" y="874"/>
+                  </a:cubicBezTo>
+                  <a:cubicBezTo>
+                    <a:pt x="99" y="871"/>
+                    <a:pt x="99" y="868"/>
+                    <a:pt x="99" y="866"/>
+                  </a:cubicBezTo>
+                  <a:cubicBezTo>
+                    <a:pt x="85" y="803"/>
+                    <a:pt x="73" y="741"/>
+                    <a:pt x="63" y="678"/>
+                  </a:cubicBezTo>
+                  <a:cubicBezTo>
+                    <a:pt x="50" y="600"/>
+                    <a:pt x="39" y="523"/>
+                    <a:pt x="30" y="444"/>
+                  </a:cubicBezTo>
+                  <a:cubicBezTo>
+                    <a:pt x="21" y="366"/>
+                    <a:pt x="14" y="288"/>
+                    <a:pt x="9" y="209"/>
+                  </a:cubicBezTo>
+                  <a:cubicBezTo>
+                    <a:pt x="7" y="170"/>
+                    <a:pt x="5" y="131"/>
+                    <a:pt x="3" y="92"/>
+                  </a:cubicBezTo>
+                  <a:cubicBezTo>
+                    <a:pt x="2" y="61"/>
+                    <a:pt x="1" y="31"/>
+                    <a:pt x="1" y="0"/>
+                  </a:cubicBezTo>
+                  <a:cubicBezTo>
+                    <a:pt x="0" y="0"/>
+                    <a:pt x="0" y="0"/>
+                    <a:pt x="0" y="0"/>
+                  </a:cubicBezTo>
+                  <a:cubicBezTo>
+                    <a:pt x="0" y="31"/>
+                    <a:pt x="1" y="61"/>
+                    <a:pt x="1" y="92"/>
+                  </a:cubicBezTo>
+                  <a:cubicBezTo>
+                    <a:pt x="3" y="131"/>
+                    <a:pt x="4" y="170"/>
+                    <a:pt x="7" y="210"/>
+                  </a:cubicBezTo>
+                  <a:close/>
+                </a:path>
+              </a:pathLst>
+            </a:custGeom>
+            <a:solidFill>
+              <a:schemeClr val="tx2"/>
+            </a:solidFill>
+            <a:ln>
+              <a:noFill/>
+            </a:ln>
+          </p:spPr>
+        </p:sp>
+        <p:sp>
+          <p:nvSpPr>
+            <p:cNvPr id="12" name="Freeform 28"/>
+            <p:cNvSpPr/>
+            <p:nvPr/>
+          </p:nvSpPr>
+          <p:spPr bwMode="auto">
+            <a:xfrm>
+              <a:off x="7061201" y="3771900"/>
+              <a:ext cx="350838" cy="1309688"/>
+            </a:xfrm>
+            <a:custGeom>
+              <a:avLst/>
+              <a:gdLst/>
+              <a:ahLst/>
+              <a:cxnLst/>
+              <a:rect l="0" t="0" r="r" b="b"/>
+              <a:pathLst>
+                <a:path w="88" h="330">
+                  <a:moveTo>
+                    <a:pt x="53" y="229"/>
+                  </a:moveTo>
+                  <a:cubicBezTo>
+                    <a:pt x="64" y="263"/>
+                    <a:pt x="75" y="297"/>
+                    <a:pt x="88" y="330"/>
+                  </a:cubicBezTo>
+                  <a:cubicBezTo>
+                    <a:pt x="88" y="323"/>
+                    <a:pt x="88" y="315"/>
+                    <a:pt x="88" y="308"/>
+                  </a:cubicBezTo>
+                  <a:cubicBezTo>
+                    <a:pt x="88" y="307"/>
+                    <a:pt x="88" y="305"/>
+                    <a:pt x="88" y="304"/>
+                  </a:cubicBezTo>
+                  <a:cubicBezTo>
+                    <a:pt x="79" y="278"/>
+                    <a:pt x="70" y="252"/>
+                    <a:pt x="62" y="226"/>
+                  </a:cubicBezTo>
+                  <a:cubicBezTo>
+                    <a:pt x="38" y="152"/>
+                    <a:pt x="17" y="76"/>
+                    <a:pt x="0" y="0"/>
+                  </a:cubicBezTo>
+                  <a:cubicBezTo>
+                    <a:pt x="2" y="21"/>
+                    <a:pt x="4" y="42"/>
+                    <a:pt x="7" y="63"/>
+                  </a:cubicBezTo>
+                  <a:cubicBezTo>
+                    <a:pt x="21" y="119"/>
+                    <a:pt x="36" y="174"/>
+                    <a:pt x="53" y="229"/>
+                  </a:cubicBezTo>
+                  <a:close/>
+                </a:path>
+              </a:pathLst>
+            </a:custGeom>
+            <a:solidFill>
+              <a:schemeClr val="tx2"/>
+            </a:solidFill>
+            <a:ln>
+              <a:noFill/>
+            </a:ln>
+          </p:spPr>
+        </p:sp>
+        <p:sp>
+          <p:nvSpPr>
+            <p:cNvPr id="13" name="Freeform 29"/>
+            <p:cNvSpPr/>
+            <p:nvPr/>
+          </p:nvSpPr>
+          <p:spPr bwMode="auto">
+            <a:xfrm>
+              <a:off x="7439026" y="5053013"/>
+              <a:ext cx="357188" cy="820738"/>
+            </a:xfrm>
+            <a:custGeom>
+              <a:avLst/>
+              <a:gdLst/>
+              <a:ahLst/>
+              <a:cxnLst/>
+              <a:rect l="0" t="0" r="r" b="b"/>
+              <a:pathLst>
+                <a:path w="90" h="207">
+                  <a:moveTo>
+                    <a:pt x="6" y="15"/>
+                  </a:moveTo>
+                  <a:cubicBezTo>
+                    <a:pt x="4" y="10"/>
+                    <a:pt x="2" y="5"/>
+                    <a:pt x="0" y="0"/>
+                  </a:cubicBezTo>
+                  <a:cubicBezTo>
+                    <a:pt x="0" y="9"/>
+                    <a:pt x="0" y="19"/>
+                    <a:pt x="1" y="29"/>
+                  </a:cubicBezTo>
+                  <a:cubicBezTo>
+                    <a:pt x="14" y="62"/>
+                    <a:pt x="27" y="95"/>
+                    <a:pt x="42" y="127"/>
+                  </a:cubicBezTo>
+                  <a:cubicBezTo>
+                    <a:pt x="54" y="154"/>
+                    <a:pt x="67" y="181"/>
+                    <a:pt x="80" y="207"/>
+                  </a:cubicBezTo>
+                  <a:cubicBezTo>
+                    <a:pt x="90" y="207"/>
+                    <a:pt x="90" y="207"/>
+                    <a:pt x="90" y="207"/>
+                  </a:cubicBezTo>
+                  <a:cubicBezTo>
+                    <a:pt x="76" y="180"/>
+                    <a:pt x="63" y="152"/>
+                    <a:pt x="50" y="123"/>
+                  </a:cubicBezTo>
+                  <a:cubicBezTo>
+                    <a:pt x="34" y="88"/>
+                    <a:pt x="20" y="51"/>
+                    <a:pt x="6" y="15"/>
+                  </a:cubicBezTo>
+                  <a:close/>
+                </a:path>
+              </a:pathLst>
+            </a:custGeom>
+            <a:solidFill>
+              <a:schemeClr val="tx2"/>
+            </a:solidFill>
+            <a:ln>
+              <a:noFill/>
+            </a:ln>
+          </p:spPr>
+        </p:sp>
+        <p:sp>
+          <p:nvSpPr>
+            <p:cNvPr id="14" name="Freeform 30"/>
+            <p:cNvSpPr/>
+            <p:nvPr/>
+          </p:nvSpPr>
+          <p:spPr bwMode="auto">
+            <a:xfrm>
+              <a:off x="7037388" y="3811588"/>
+              <a:ext cx="457200" cy="1852613"/>
+            </a:xfrm>
+            <a:custGeom>
+              <a:avLst/>
+              <a:gdLst/>
+              <a:ahLst/>
+              <a:cxnLst/>
+              <a:rect l="0" t="0" r="r" b="b"/>
+              <a:pathLst>
+                <a:path w="115" h="467">
+                  <a:moveTo>
+                    <a:pt x="101" y="409"/>
+                  </a:moveTo>
+                  <a:cubicBezTo>
+                    <a:pt x="93" y="388"/>
+                    <a:pt x="85" y="366"/>
+                    <a:pt x="78" y="344"/>
+                  </a:cubicBezTo>
+                  <a:cubicBezTo>
+                    <a:pt x="57" y="281"/>
+                    <a:pt x="41" y="216"/>
+                    <a:pt x="29" y="151"/>
+                  </a:cubicBezTo>
+                  <a:cubicBezTo>
+                    <a:pt x="22" y="119"/>
+                    <a:pt x="17" y="86"/>
+                    <a:pt x="13" y="53"/>
+                  </a:cubicBezTo>
+                  <a:cubicBezTo>
+                    <a:pt x="9" y="35"/>
+                    <a:pt x="4" y="18"/>
+                    <a:pt x="0" y="0"/>
+                  </a:cubicBezTo>
+                  <a:cubicBezTo>
+                    <a:pt x="5" y="51"/>
+                    <a:pt x="12" y="102"/>
+                    <a:pt x="21" y="152"/>
+                  </a:cubicBezTo>
+                  <a:cubicBezTo>
+                    <a:pt x="33" y="218"/>
+                    <a:pt x="49" y="283"/>
+                    <a:pt x="69" y="347"/>
+                  </a:cubicBezTo>
+                  <a:cubicBezTo>
+                    <a:pt x="79" y="378"/>
+                    <a:pt x="90" y="410"/>
+                    <a:pt x="103" y="441"/>
+                  </a:cubicBezTo>
+                  <a:cubicBezTo>
+                    <a:pt x="107" y="449"/>
+                    <a:pt x="111" y="458"/>
+                    <a:pt x="115" y="467"/>
+                  </a:cubicBezTo>
+                  <a:cubicBezTo>
+                    <a:pt x="114" y="464"/>
+                    <a:pt x="113" y="461"/>
+                    <a:pt x="112" y="458"/>
+                  </a:cubicBezTo>
+                  <a:cubicBezTo>
+                    <a:pt x="108" y="442"/>
+                    <a:pt x="104" y="425"/>
+                    <a:pt x="101" y="409"/>
+                  </a:cubicBezTo>
+                  <a:close/>
+                </a:path>
+              </a:pathLst>
+            </a:custGeom>
+            <a:solidFill>
+              <a:schemeClr val="tx2"/>
+            </a:solidFill>
+            <a:ln>
+              <a:noFill/>
+            </a:ln>
+          </p:spPr>
+        </p:sp>
+        <p:sp>
+          <p:nvSpPr>
+            <p:cNvPr id="15" name="Freeform 31"/>
+            <p:cNvSpPr/>
+            <p:nvPr/>
+          </p:nvSpPr>
+          <p:spPr bwMode="auto">
+            <a:xfrm>
+              <a:off x="6992938" y="1263650"/>
+              <a:ext cx="144463" cy="2508250"/>
+            </a:xfrm>
+            <a:custGeom>
+              <a:avLst/>
+              <a:gdLst/>
+              <a:ahLst/>
+              <a:cxnLst/>
+              <a:rect l="0" t="0" r="r" b="b"/>
+              <a:pathLst>
+                <a:path w="36" h="633">
+                  <a:moveTo>
+                    <a:pt x="17" y="633"/>
+                  </a:moveTo>
+                  <a:cubicBezTo>
+                    <a:pt x="15" y="621"/>
+                    <a:pt x="14" y="609"/>
+                    <a:pt x="13" y="597"/>
+                  </a:cubicBezTo>
+                  <a:cubicBezTo>
+                    <a:pt x="8" y="530"/>
+                    <a:pt x="5" y="464"/>
+                    <a:pt x="5" y="398"/>
+                  </a:cubicBezTo>
+                  <a:cubicBezTo>
+                    <a:pt x="5" y="331"/>
+                    <a:pt x="8" y="265"/>
+                    <a:pt x="13" y="198"/>
+                  </a:cubicBezTo>
+                  <a:cubicBezTo>
+                    <a:pt x="15" y="165"/>
+                    <a:pt x="18" y="132"/>
+                    <a:pt x="22" y="99"/>
+                  </a:cubicBezTo>
+                  <a:cubicBezTo>
+                    <a:pt x="26" y="66"/>
+                    <a:pt x="30" y="33"/>
+                    <a:pt x="36" y="0"/>
+                  </a:cubicBezTo>
+                  <a:cubicBezTo>
+                    <a:pt x="35" y="0"/>
+                    <a:pt x="35" y="0"/>
+                    <a:pt x="35" y="0"/>
+                  </a:cubicBezTo>
+                  <a:cubicBezTo>
+                    <a:pt x="29" y="33"/>
+                    <a:pt x="24" y="66"/>
+                    <a:pt x="20" y="99"/>
+                  </a:cubicBezTo>
+                  <a:cubicBezTo>
+                    <a:pt x="16" y="132"/>
+                    <a:pt x="13" y="165"/>
+                    <a:pt x="10" y="198"/>
+                  </a:cubicBezTo>
+                  <a:cubicBezTo>
+                    <a:pt x="4" y="264"/>
+                    <a:pt x="1" y="331"/>
+                    <a:pt x="1" y="398"/>
+                  </a:cubicBezTo>
+                  <a:cubicBezTo>
+                    <a:pt x="0" y="461"/>
+                    <a:pt x="2" y="525"/>
+                    <a:pt x="7" y="589"/>
+                  </a:cubicBezTo>
+                  <a:cubicBezTo>
+                    <a:pt x="10" y="603"/>
+                    <a:pt x="13" y="618"/>
+                    <a:pt x="16" y="632"/>
+                  </a:cubicBezTo>
+                  <a:cubicBezTo>
+                    <a:pt x="16" y="632"/>
+                    <a:pt x="17" y="633"/>
+                    <a:pt x="17" y="633"/>
+                  </a:cubicBezTo>
+                  <a:close/>
+                </a:path>
+              </a:pathLst>
+            </a:custGeom>
+            <a:solidFill>
+              <a:schemeClr val="tx2"/>
+            </a:solidFill>
+            <a:ln>
+              <a:noFill/>
+            </a:ln>
+          </p:spPr>
+        </p:sp>
+        <p:sp>
+          <p:nvSpPr>
+            <p:cNvPr id="16" name="Freeform 32"/>
+            <p:cNvSpPr/>
+            <p:nvPr/>
+          </p:nvSpPr>
+          <p:spPr bwMode="auto">
+            <a:xfrm>
+              <a:off x="7526338" y="5640388"/>
+              <a:ext cx="111125" cy="233363"/>
+            </a:xfrm>
+            <a:custGeom>
+              <a:avLst/>
+              <a:gdLst/>
+              <a:ahLst/>
+              <a:cxnLst/>
+              <a:rect l="0" t="0" r="r" b="b"/>
+              <a:pathLst>
+                <a:path w="28" h="59">
+                  <a:moveTo>
+                    <a:pt x="22" y="59"/>
+                  </a:moveTo>
+                  <a:cubicBezTo>
+                    <a:pt x="28" y="59"/>
+                    <a:pt x="28" y="59"/>
+                    <a:pt x="28" y="59"/>
+                  </a:cubicBezTo>
+                  <a:cubicBezTo>
+                    <a:pt x="18" y="40"/>
+                    <a:pt x="9" y="20"/>
+                    <a:pt x="0" y="0"/>
+                  </a:cubicBezTo>
+                  <a:cubicBezTo>
+                    <a:pt x="6" y="20"/>
+                    <a:pt x="13" y="40"/>
+                    <a:pt x="22" y="59"/>
+                  </a:cubicBezTo>
+                  <a:close/>
+                </a:path>
+              </a:pathLst>
+            </a:custGeom>
+            <a:solidFill>
+              <a:schemeClr val="tx2"/>
+            </a:solidFill>
+            <a:ln>
+              <a:noFill/>
+            </a:ln>
+          </p:spPr>
+        </p:sp>
+        <p:sp>
+          <p:nvSpPr>
+            <p:cNvPr id="17" name="Freeform 33"/>
+            <p:cNvSpPr/>
+            <p:nvPr/>
+          </p:nvSpPr>
+          <p:spPr bwMode="auto">
+            <a:xfrm>
+              <a:off x="7021513" y="3598863"/>
+              <a:ext cx="68263" cy="423863"/>
+            </a:xfrm>
+            <a:custGeom>
+              <a:avLst/>
+              <a:gdLst/>
+              <a:ahLst/>
+              <a:cxnLst/>
+              <a:rect l="0" t="0" r="r" b="b"/>
+              <a:pathLst>
+                <a:path w="17" h="107">
+                  <a:moveTo>
+                    <a:pt x="4" y="54"/>
+                  </a:moveTo>
+                  <a:cubicBezTo>
+                    <a:pt x="8" y="72"/>
+                    <a:pt x="13" y="89"/>
+                    <a:pt x="17" y="107"/>
+                  </a:cubicBezTo>
+                  <a:cubicBezTo>
+                    <a:pt x="14" y="86"/>
+                    <a:pt x="12" y="65"/>
+                    <a:pt x="10" y="44"/>
+                  </a:cubicBezTo>
+                  <a:cubicBezTo>
+                    <a:pt x="10" y="44"/>
+                    <a:pt x="9" y="43"/>
+                    <a:pt x="9" y="43"/>
+                  </a:cubicBezTo>
+                  <a:cubicBezTo>
+                    <a:pt x="6" y="29"/>
+                    <a:pt x="3" y="14"/>
+                    <a:pt x="0" y="0"/>
+                  </a:cubicBezTo>
+                  <a:cubicBezTo>
+                    <a:pt x="0" y="2"/>
+                    <a:pt x="0" y="5"/>
+                    <a:pt x="0" y="8"/>
+                  </a:cubicBezTo>
+                  <a:cubicBezTo>
+                    <a:pt x="1" y="23"/>
+                    <a:pt x="3" y="39"/>
+                    <a:pt x="4" y="54"/>
+                  </a:cubicBezTo>
+                  <a:close/>
+                </a:path>
+              </a:pathLst>
+            </a:custGeom>
+            <a:solidFill>
+              <a:schemeClr val="tx2"/>
+            </a:solidFill>
+            <a:ln>
+              <a:noFill/>
+            </a:ln>
+          </p:spPr>
+        </p:sp>
+        <p:sp>
+          <p:nvSpPr>
+            <p:cNvPr id="18" name="Freeform 34"/>
+            <p:cNvSpPr/>
+            <p:nvPr/>
+          </p:nvSpPr>
+          <p:spPr bwMode="auto">
+            <a:xfrm>
+              <a:off x="7412038" y="2801938"/>
+              <a:ext cx="1168400" cy="2251075"/>
+            </a:xfrm>
+            <a:custGeom>
+              <a:avLst/>
+              <a:gdLst/>
+              <a:ahLst/>
+              <a:cxnLst/>
+              <a:rect l="0" t="0" r="r" b="b"/>
+              <a:pathLst>
+                <a:path w="294" h="568">
+                  <a:moveTo>
+                    <a:pt x="8" y="553"/>
+                  </a:moveTo>
+                  <a:cubicBezTo>
+                    <a:pt x="9" y="501"/>
+                    <a:pt x="19" y="448"/>
+                    <a:pt x="35" y="397"/>
+                  </a:cubicBezTo>
+                  <a:cubicBezTo>
+                    <a:pt x="51" y="347"/>
+                    <a:pt x="73" y="298"/>
+                    <a:pt x="99" y="252"/>
+                  </a:cubicBezTo>
+                  <a:cubicBezTo>
+                    <a:pt x="124" y="205"/>
+                    <a:pt x="154" y="161"/>
+                    <a:pt x="187" y="119"/>
+                  </a:cubicBezTo>
+                  <a:cubicBezTo>
+                    <a:pt x="203" y="98"/>
+                    <a:pt x="220" y="77"/>
+                    <a:pt x="238" y="58"/>
+                  </a:cubicBezTo>
+                  <a:cubicBezTo>
+                    <a:pt x="247" y="48"/>
+                    <a:pt x="256" y="38"/>
+                    <a:pt x="265" y="28"/>
+                  </a:cubicBezTo>
+                  <a:cubicBezTo>
+                    <a:pt x="274" y="19"/>
+                    <a:pt x="284" y="9"/>
+                    <a:pt x="294" y="0"/>
+                  </a:cubicBezTo>
+                  <a:cubicBezTo>
+                    <a:pt x="293" y="0"/>
+                    <a:pt x="293" y="0"/>
+                    <a:pt x="293" y="0"/>
+                  </a:cubicBezTo>
+                  <a:cubicBezTo>
+                    <a:pt x="283" y="9"/>
+                    <a:pt x="273" y="18"/>
+                    <a:pt x="264" y="27"/>
+                  </a:cubicBezTo>
+                  <a:cubicBezTo>
+                    <a:pt x="255" y="37"/>
+                    <a:pt x="246" y="47"/>
+                    <a:pt x="237" y="56"/>
+                  </a:cubicBezTo>
+                  <a:cubicBezTo>
+                    <a:pt x="218" y="76"/>
+                    <a:pt x="201" y="96"/>
+                    <a:pt x="185" y="117"/>
+                  </a:cubicBezTo>
+                  <a:cubicBezTo>
+                    <a:pt x="151" y="159"/>
+                    <a:pt x="121" y="203"/>
+                    <a:pt x="95" y="249"/>
+                  </a:cubicBezTo>
+                  <a:cubicBezTo>
+                    <a:pt x="68" y="296"/>
+                    <a:pt x="46" y="345"/>
+                    <a:pt x="30" y="396"/>
+                  </a:cubicBezTo>
+                  <a:cubicBezTo>
+                    <a:pt x="13" y="445"/>
+                    <a:pt x="3" y="497"/>
+                    <a:pt x="0" y="549"/>
+                  </a:cubicBezTo>
+                  <a:cubicBezTo>
+                    <a:pt x="3" y="555"/>
+                    <a:pt x="5" y="561"/>
+                    <a:pt x="7" y="568"/>
+                  </a:cubicBezTo>
+                  <a:cubicBezTo>
+                    <a:pt x="7" y="563"/>
+                    <a:pt x="7" y="558"/>
+                    <a:pt x="8" y="553"/>
+                  </a:cubicBezTo>
+                  <a:close/>
+                </a:path>
+              </a:pathLst>
+            </a:custGeom>
+            <a:solidFill>
+              <a:schemeClr val="tx2"/>
+            </a:solidFill>
+            <a:ln>
+              <a:noFill/>
+            </a:ln>
+          </p:spPr>
+        </p:sp>
+        <p:sp>
+          <p:nvSpPr>
+            <p:cNvPr id="19" name="Freeform 35"/>
+            <p:cNvSpPr/>
+            <p:nvPr/>
+          </p:nvSpPr>
+          <p:spPr bwMode="auto">
+            <a:xfrm>
+              <a:off x="7494588" y="5664200"/>
+              <a:ext cx="100013" cy="209550"/>
+            </a:xfrm>
+            <a:custGeom>
+              <a:avLst/>
+              <a:gdLst/>
+              <a:ahLst/>
+              <a:cxnLst/>
+              <a:rect l="0" t="0" r="r" b="b"/>
+              <a:pathLst>
+                <a:path w="25" h="53">
+                  <a:moveTo>
+                    <a:pt x="0" y="0"/>
+                  </a:moveTo>
+                  <a:cubicBezTo>
+                    <a:pt x="5" y="18"/>
+                    <a:pt x="12" y="36"/>
+                    <a:pt x="19" y="53"/>
+                  </a:cubicBezTo>
+                  <a:cubicBezTo>
+                    <a:pt x="25" y="53"/>
+                    <a:pt x="25" y="53"/>
+                    <a:pt x="25" y="53"/>
+                  </a:cubicBezTo>
+                  <a:cubicBezTo>
+                    <a:pt x="16" y="36"/>
+                    <a:pt x="8" y="18"/>
+                    <a:pt x="0" y="0"/>
+                  </a:cubicBezTo>
+                  <a:close/>
+                </a:path>
+              </a:pathLst>
+            </a:custGeom>
+            <a:solidFill>
+              <a:schemeClr val="tx2"/>
+            </a:solidFill>
+            <a:ln>
+              <a:noFill/>
+            </a:ln>
+          </p:spPr>
+        </p:sp>
+        <p:sp>
+          <p:nvSpPr>
+            <p:cNvPr id="20" name="Freeform 36"/>
+            <p:cNvSpPr/>
+            <p:nvPr/>
+          </p:nvSpPr>
+          <p:spPr bwMode="auto">
+            <a:xfrm>
+              <a:off x="7412038" y="5081588"/>
+              <a:ext cx="114300" cy="558800"/>
+            </a:xfrm>
+            <a:custGeom>
+              <a:avLst/>
+              <a:gdLst/>
+              <a:ahLst/>
+              <a:cxnLst/>
+              <a:rect l="0" t="0" r="r" b="b"/>
+              <a:pathLst>
+                <a:path w="29" h="141">
+                  <a:moveTo>
+                    <a:pt x="0" y="0"/>
+                  </a:moveTo>
+                  <a:cubicBezTo>
+                    <a:pt x="0" y="30"/>
+                    <a:pt x="2" y="60"/>
+                    <a:pt x="7" y="89"/>
+                  </a:cubicBezTo>
+                  <a:cubicBezTo>
+                    <a:pt x="11" y="98"/>
+                    <a:pt x="14" y="108"/>
+                    <a:pt x="18" y="117"/>
+                  </a:cubicBezTo>
+                  <a:cubicBezTo>
+                    <a:pt x="22" y="125"/>
+                    <a:pt x="25" y="133"/>
+                    <a:pt x="29" y="141"/>
+                  </a:cubicBezTo>
+                  <a:cubicBezTo>
+                    <a:pt x="28" y="139"/>
+                    <a:pt x="28" y="137"/>
+                    <a:pt x="27" y="135"/>
+                  </a:cubicBezTo>
+                  <a:cubicBezTo>
+                    <a:pt x="16" y="98"/>
+                    <a:pt x="10" y="60"/>
+                    <a:pt x="8" y="22"/>
+                  </a:cubicBezTo>
+                  <a:cubicBezTo>
+                    <a:pt x="7" y="18"/>
+                    <a:pt x="5" y="15"/>
+                    <a:pt x="4" y="11"/>
+                  </a:cubicBezTo>
+                  <a:cubicBezTo>
+                    <a:pt x="2" y="7"/>
+                    <a:pt x="1" y="3"/>
+                    <a:pt x="0" y="0"/>
+                  </a:cubicBezTo>
+                  <a:close/>
+                </a:path>
+              </a:pathLst>
+            </a:custGeom>
+            <a:solidFill>
+              <a:schemeClr val="tx2"/>
+            </a:solidFill>
+            <a:ln>
+              <a:noFill/>
+            </a:ln>
+          </p:spPr>
+        </p:sp>
+        <p:sp>
+          <p:nvSpPr>
+            <p:cNvPr id="21" name="Freeform 37"/>
+            <p:cNvSpPr/>
+            <p:nvPr/>
+          </p:nvSpPr>
+          <p:spPr bwMode="auto">
+            <a:xfrm>
+              <a:off x="7412038" y="4978400"/>
+              <a:ext cx="31750" cy="188913"/>
+            </a:xfrm>
+            <a:custGeom>
+              <a:avLst/>
+              <a:gdLst/>
+              <a:ahLst/>
+              <a:cxnLst/>
+              <a:rect l="0" t="0" r="r" b="b"/>
+              <a:pathLst>
+                <a:path w="8" h="48">
+                  <a:moveTo>
+                    <a:pt x="0" y="26"/>
+                  </a:moveTo>
+                  <a:cubicBezTo>
+                    <a:pt x="1" y="29"/>
+                    <a:pt x="2" y="33"/>
+                    <a:pt x="4" y="37"/>
+                  </a:cubicBezTo>
+                  <a:cubicBezTo>
+                    <a:pt x="5" y="41"/>
+                    <a:pt x="7" y="44"/>
+                    <a:pt x="8" y="48"/>
+                  </a:cubicBezTo>
+                  <a:cubicBezTo>
+                    <a:pt x="7" y="38"/>
+                    <a:pt x="7" y="28"/>
+                    <a:pt x="7" y="19"/>
+                  </a:cubicBezTo>
+                  <a:cubicBezTo>
+                    <a:pt x="5" y="12"/>
+                    <a:pt x="3" y="6"/>
+                    <a:pt x="0" y="0"/>
+                  </a:cubicBezTo>
+                  <a:cubicBezTo>
+                    <a:pt x="0" y="1"/>
+                    <a:pt x="0" y="3"/>
+                    <a:pt x="0" y="4"/>
+                  </a:cubicBezTo>
+                  <a:cubicBezTo>
+                    <a:pt x="0" y="11"/>
+                    <a:pt x="0" y="19"/>
+                    <a:pt x="0" y="26"/>
+                  </a:cubicBezTo>
+                  <a:close/>
+                </a:path>
+              </a:pathLst>
+            </a:custGeom>
+            <a:solidFill>
+              <a:schemeClr val="tx2"/>
+            </a:solidFill>
+            <a:ln>
+              <a:noFill/>
+            </a:ln>
+          </p:spPr>
+        </p:sp>
+        <p:sp>
+          <p:nvSpPr>
+            <p:cNvPr id="22" name="Freeform 38"/>
+            <p:cNvSpPr/>
+            <p:nvPr/>
+          </p:nvSpPr>
+          <p:spPr bwMode="auto">
+            <a:xfrm>
+              <a:off x="7439026" y="5434013"/>
+              <a:ext cx="174625" cy="439738"/>
+            </a:xfrm>
+            <a:custGeom>
+              <a:avLst/>
+              <a:gdLst/>
+              <a:ahLst/>
+              <a:cxnLst/>
+              <a:rect l="0" t="0" r="r" b="b"/>
+              <a:pathLst>
+                <a:path w="44" h="111">
+                  <a:moveTo>
+                    <a:pt x="11" y="28"/>
+                  </a:moveTo>
+                  <a:cubicBezTo>
+                    <a:pt x="7" y="19"/>
+                    <a:pt x="4" y="9"/>
+                    <a:pt x="0" y="0"/>
+                  </a:cubicBezTo>
+                  <a:cubicBezTo>
+                    <a:pt x="3" y="16"/>
+                    <a:pt x="7" y="33"/>
+                    <a:pt x="11" y="49"/>
+                  </a:cubicBezTo>
+                  <a:cubicBezTo>
+                    <a:pt x="12" y="52"/>
+                    <a:pt x="13" y="55"/>
+                    <a:pt x="14" y="58"/>
+                  </a:cubicBezTo>
+                  <a:cubicBezTo>
+                    <a:pt x="22" y="76"/>
+                    <a:pt x="30" y="94"/>
+                    <a:pt x="39" y="111"/>
+                  </a:cubicBezTo>
+                  <a:cubicBezTo>
+                    <a:pt x="44" y="111"/>
+                    <a:pt x="44" y="111"/>
+                    <a:pt x="44" y="111"/>
+                  </a:cubicBezTo>
+                  <a:cubicBezTo>
+                    <a:pt x="35" y="92"/>
+                    <a:pt x="28" y="72"/>
+                    <a:pt x="22" y="52"/>
+                  </a:cubicBezTo>
+                  <a:cubicBezTo>
+                    <a:pt x="18" y="44"/>
+                    <a:pt x="15" y="36"/>
+                    <a:pt x="11" y="28"/>
+                  </a:cubicBezTo>
+                  <a:close/>
+                </a:path>
+              </a:pathLst>
+            </a:custGeom>
+            <a:solidFill>
+              <a:schemeClr val="tx2"/>
+            </a:solidFill>
+            <a:ln>
+              <a:noFill/>
+            </a:ln>
+          </p:spPr>
+        </p:sp>
+      </p:grpSp>
+      <p:sp>
+        <p:nvSpPr>
+          <p:cNvPr id="7" name="Rectangle 6"/>
+          <p:cNvSpPr/>
+          <p:nvPr/>
         </p:nvSpPr>
         <p:spPr>
           <a:xfrm>
-            <a:off x="838200" y="365125"/>
-            <a:ext cx="10515600" cy="1325563"/>
+            <a:off x="0" y="0"/>
+            <a:ext cx="182880" cy="6858000"/>
+          </a:xfrm>
+          <a:prstGeom prst="rect">
+            <a:avLst/>
+          </a:prstGeom>
+          <a:solidFill>
+            <a:schemeClr val="tx2"/>
+          </a:solidFill>
+          <a:ln>
+            <a:noFill/>
+          </a:ln>
+          <a:effectLst/>
+        </p:spPr>
+        <p:style>
+          <a:lnRef idx="1">
+            <a:schemeClr val="accent1"/>
+          </a:lnRef>
+          <a:fillRef idx="3">
+            <a:schemeClr val="accent1"/>
+          </a:fillRef>
+          <a:effectRef idx="2">
+            <a:schemeClr val="accent1"/>
+          </a:effectRef>
+          <a:fontRef idx="minor">
+            <a:schemeClr val="lt1"/>
+          </a:fontRef>
+        </p:style>
+      </p:sp>
+      <p:sp>
+        <p:nvSpPr>
+          <p:cNvPr id="2" name="Title Placeholder 1"/>
+          <p:cNvSpPr>
+            <a:spLocks noGrp="1"/>
+          </p:cNvSpPr>
+          <p:nvPr>
+            <p:ph type="title"/>
+          </p:nvPr>
+        </p:nvSpPr>
+        <p:spPr>
+          <a:xfrm>
+            <a:off x="2592924" y="624110"/>
+            <a:ext cx="8911687" cy="1280890"/>
           </a:xfrm>
           <a:prstGeom prst="rect">
             <a:avLst/>
           </a:prstGeom>
         </p:spPr>
         <p:txBody>
-          <a:bodyPr vert="horz" lIns="91440" tIns="45720" rIns="91440" bIns="45720" rtlCol="0" anchor="ctr">
+          <a:bodyPr vert="horz" lIns="91440" tIns="45720" rIns="91440" bIns="45720" rtlCol="0" anchor="t">
             <a:normAutofit/>
           </a:bodyPr>
           <a:lstStyle/>
@@ -2514,7 +7020,7 @@
               <a:rPr lang="en-US" smtClean="0"/>
               <a:t>Click to edit Master title style</a:t>
             </a:r>
-            <a:endParaRPr lang="en-US"/>
+            <a:endParaRPr lang="en-US" dirty="0"/>
           </a:p>
         </p:txBody>
       </p:sp>
@@ -2530,8 +7036,8 @@
         </p:nvSpPr>
         <p:spPr>
           <a:xfrm>
-            <a:off x="838200" y="1825625"/>
-            <a:ext cx="10515600" cy="4351338"/>
+            <a:off x="2589212" y="2133600"/>
+            <a:ext cx="8915400" cy="3886200"/>
           </a:xfrm>
           <a:prstGeom prst="rect">
             <a:avLst/>
@@ -2576,7 +7082,7 @@
               <a:rPr lang="en-US" smtClean="0"/>
               <a:t>Fifth level</a:t>
             </a:r>
-            <a:endParaRPr lang="en-US"/>
+            <a:endParaRPr lang="en-US" dirty="0"/>
           </a:p>
         </p:txBody>
       </p:sp>
@@ -2592,8 +7098,8 @@
         </p:nvSpPr>
         <p:spPr>
           <a:xfrm>
-            <a:off x="838200" y="6356350"/>
-            <a:ext cx="2743200" cy="365125"/>
+            <a:off x="10361612" y="6130437"/>
+            <a:ext cx="1146283" cy="370396"/>
           </a:xfrm>
           <a:prstGeom prst="rect">
             <a:avLst/>
@@ -2602,8 +7108,8 @@
         <p:txBody>
           <a:bodyPr vert="horz" lIns="91440" tIns="45720" rIns="91440" bIns="45720" rtlCol="0" anchor="ctr"/>
           <a:lstStyle>
-            <a:lvl1pPr algn="l">
-              <a:defRPr sz="1200">
+            <a:lvl1pPr algn="r">
+              <a:defRPr sz="900">
                 <a:solidFill>
                   <a:schemeClr val="tx1">
                     <a:tint val="75000"/>
@@ -2614,9 +7120,9 @@
           </a:lstStyle>
           <a:p>
             <a:fld id="{B61BEF0D-F0BB-DE4B-95CE-6DB70DBA9567}" type="datetimeFigureOut">
-              <a:rPr lang="en-US" smtClean="0"/>
+              <a:rPr lang="en-US" dirty="0"/>
               <a:pPr/>
-              <a:t>12/29/2017</a:t>
+              <a:t>8/17/2017</a:t>
             </a:fld>
             <a:endParaRPr lang="en-US" dirty="0"/>
           </a:p>
@@ -2634,8 +7140,8 @@
         </p:nvSpPr>
         <p:spPr>
           <a:xfrm>
-            <a:off x="4038600" y="6356350"/>
-            <a:ext cx="4114800" cy="365125"/>
+            <a:off x="2589212" y="6135808"/>
+            <a:ext cx="7619999" cy="365125"/>
           </a:xfrm>
           <a:prstGeom prst="rect">
             <a:avLst/>
@@ -2644,8 +7150,8 @@
         <p:txBody>
           <a:bodyPr vert="horz" lIns="91440" tIns="45720" rIns="91440" bIns="45720" rtlCol="0" anchor="ctr"/>
           <a:lstStyle>
-            <a:lvl1pPr algn="ctr">
-              <a:defRPr sz="1200">
+            <a:lvl1pPr algn="l">
+              <a:defRPr sz="900">
                 <a:solidFill>
                   <a:schemeClr val="tx1">
                     <a:tint val="75000"/>
@@ -2669,10 +7175,10 @@
             <p:ph type="sldNum" sz="quarter" idx="4"/>
           </p:nvPr>
         </p:nvSpPr>
-        <p:spPr>
+        <p:spPr bwMode="gray">
           <a:xfrm>
-            <a:off x="8610600" y="6356350"/>
-            <a:ext cx="2743200" cy="365125"/>
+            <a:off x="531812" y="787782"/>
+            <a:ext cx="779767" cy="365125"/>
           </a:xfrm>
           <a:prstGeom prst="rect">
             <a:avLst/>
@@ -2682,18 +7188,16 @@
           <a:bodyPr vert="horz" lIns="91440" tIns="45720" rIns="91440" bIns="45720" rtlCol="0" anchor="ctr"/>
           <a:lstStyle>
             <a:lvl1pPr algn="r">
-              <a:defRPr sz="1200">
+              <a:defRPr sz="2000">
                 <a:solidFill>
-                  <a:schemeClr val="tx1">
-                    <a:tint val="75000"/>
-                  </a:schemeClr>
+                  <a:srgbClr val="FEFFFF"/>
                 </a:solidFill>
               </a:defRPr>
             </a:lvl1pPr>
           </a:lstStyle>
           <a:p>
             <a:fld id="{D57F1E4F-1CFF-5643-939E-217C01CDF565}" type="slidenum">
-              <a:rPr lang="en-US" smtClean="0"/>
+              <a:rPr lang="en-US" dirty="0"/>
               <a:pPr/>
               <a:t>‹#›</a:t>
             </a:fld>
@@ -2702,203 +7206,313 @@
         </p:txBody>
       </p:sp>
     </p:spTree>
-    <p:extLst>
-      <p:ext uri="{BB962C8B-B14F-4D97-AF65-F5344CB8AC3E}">
-        <p14:creationId xmlns:p14="http://schemas.microsoft.com/office/powerpoint/2010/main" val="3728981704"/>
-      </p:ext>
-    </p:extLst>
   </p:cSld>
   <p:clrMap bg1="lt1" tx1="dk1" bg2="lt2" tx2="dk2" accent1="accent1" accent2="accent2" accent3="accent3" accent4="accent4" accent5="accent5" accent6="accent6" hlink="hlink" folHlink="folHlink"/>
   <p:sldLayoutIdLst>
-    <p:sldLayoutId id="2147483666" r:id="rId1"/>
-    <p:sldLayoutId id="2147483667" r:id="rId2"/>
-    <p:sldLayoutId id="2147483668" r:id="rId3"/>
-    <p:sldLayoutId id="2147483669" r:id="rId4"/>
-    <p:sldLayoutId id="2147483670" r:id="rId5"/>
-    <p:sldLayoutId id="2147483671" r:id="rId6"/>
-    <p:sldLayoutId id="2147483672" r:id="rId7"/>
-    <p:sldLayoutId id="2147483673" r:id="rId8"/>
-    <p:sldLayoutId id="2147483674" r:id="rId9"/>
-    <p:sldLayoutId id="2147483675" r:id="rId10"/>
-    <p:sldLayoutId id="2147483676" r:id="rId11"/>
+    <p:sldLayoutId id="2147483649" r:id="rId1"/>
+    <p:sldLayoutId id="2147483650" r:id="rId2"/>
+    <p:sldLayoutId id="2147483651" r:id="rId3"/>
+    <p:sldLayoutId id="2147483652" r:id="rId4"/>
+    <p:sldLayoutId id="2147483653" r:id="rId5"/>
+    <p:sldLayoutId id="2147483654" r:id="rId6"/>
+    <p:sldLayoutId id="2147483655" r:id="rId7"/>
+    <p:sldLayoutId id="2147483656" r:id="rId8"/>
+    <p:sldLayoutId id="2147483657" r:id="rId9"/>
+    <p:sldLayoutId id="2147483660" r:id="rId10"/>
+    <p:sldLayoutId id="2147483661" r:id="rId11"/>
+    <p:sldLayoutId id="2147483662" r:id="rId12"/>
+    <p:sldLayoutId id="2147483663" r:id="rId13"/>
+    <p:sldLayoutId id="2147483664" r:id="rId14"/>
+    <p:sldLayoutId id="2147483658" r:id="rId15"/>
+    <p:sldLayoutId id="2147483659" r:id="rId16"/>
   </p:sldLayoutIdLst>
   <p:txStyles>
     <p:titleStyle>
-      <a:lvl1pPr algn="l" defTabSz="914400" rtl="0" eaLnBrk="1" latinLnBrk="0" hangingPunct="1">
-        <a:lnSpc>
-          <a:spcPct val="90000"/>
-        </a:lnSpc>
+      <a:lvl1pPr algn="l" defTabSz="457200" rtl="0" eaLnBrk="1" latinLnBrk="0" hangingPunct="1">
         <a:spcBef>
           <a:spcPct val="0"/>
         </a:spcBef>
         <a:buNone/>
-        <a:defRPr sz="4400" kern="1200">
+        <a:defRPr sz="3600" kern="1200">
           <a:solidFill>
-            <a:schemeClr val="tx1"/>
+            <a:schemeClr val="tx1">
+              <a:lumMod val="85000"/>
+              <a:lumOff val="15000"/>
+            </a:schemeClr>
           </a:solidFill>
           <a:latin typeface="+mj-lt"/>
           <a:ea typeface="+mj-ea"/>
           <a:cs typeface="+mj-cs"/>
         </a:defRPr>
       </a:lvl1pPr>
+      <a:lvl2pPr eaLnBrk="1" hangingPunct="1">
+        <a:defRPr>
+          <a:solidFill>
+            <a:schemeClr val="tx2"/>
+          </a:solidFill>
+        </a:defRPr>
+      </a:lvl2pPr>
+      <a:lvl3pPr eaLnBrk="1" hangingPunct="1">
+        <a:defRPr>
+          <a:solidFill>
+            <a:schemeClr val="tx2"/>
+          </a:solidFill>
+        </a:defRPr>
+      </a:lvl3pPr>
+      <a:lvl4pPr eaLnBrk="1" hangingPunct="1">
+        <a:defRPr>
+          <a:solidFill>
+            <a:schemeClr val="tx2"/>
+          </a:solidFill>
+        </a:defRPr>
+      </a:lvl4pPr>
+      <a:lvl5pPr eaLnBrk="1" hangingPunct="1">
+        <a:defRPr>
+          <a:solidFill>
+            <a:schemeClr val="tx2"/>
+          </a:solidFill>
+        </a:defRPr>
+      </a:lvl5pPr>
+      <a:lvl6pPr eaLnBrk="1" hangingPunct="1">
+        <a:defRPr>
+          <a:solidFill>
+            <a:schemeClr val="tx2"/>
+          </a:solidFill>
+        </a:defRPr>
+      </a:lvl6pPr>
+      <a:lvl7pPr eaLnBrk="1" hangingPunct="1">
+        <a:defRPr>
+          <a:solidFill>
+            <a:schemeClr val="tx2"/>
+          </a:solidFill>
+        </a:defRPr>
+      </a:lvl7pPr>
+      <a:lvl8pPr eaLnBrk="1" hangingPunct="1">
+        <a:defRPr>
+          <a:solidFill>
+            <a:schemeClr val="tx2"/>
+          </a:solidFill>
+        </a:defRPr>
+      </a:lvl8pPr>
+      <a:lvl9pPr eaLnBrk="1" hangingPunct="1">
+        <a:defRPr>
+          <a:solidFill>
+            <a:schemeClr val="tx2"/>
+          </a:solidFill>
+        </a:defRPr>
+      </a:lvl9pPr>
     </p:titleStyle>
     <p:bodyStyle>
-      <a:lvl1pPr marL="228600" indent="-228600" algn="l" defTabSz="914400" rtl="0" eaLnBrk="1" latinLnBrk="0" hangingPunct="1">
-        <a:lnSpc>
-          <a:spcPct val="90000"/>
-        </a:lnSpc>
+      <a:lvl1pPr marL="342900" indent="-342900" algn="l" defTabSz="457200" rtl="0" eaLnBrk="1" latinLnBrk="0" hangingPunct="1">
         <a:spcBef>
           <a:spcPts val="1000"/>
         </a:spcBef>
-        <a:buFont typeface="Arial" panose="020B0604020202020204" pitchFamily="34" charset="0"/>
-        <a:buChar char="•"/>
-        <a:defRPr sz="2800" kern="1200">
+        <a:spcAft>
+          <a:spcPts val="0"/>
+        </a:spcAft>
+        <a:buClr>
+          <a:schemeClr val="accent1"/>
+        </a:buClr>
+        <a:buFont typeface="Wingdings 3" charset="2"/>
+        <a:buChar char=""/>
+        <a:defRPr sz="1800" kern="1200">
           <a:solidFill>
-            <a:schemeClr val="tx1"/>
+            <a:schemeClr val="tx1">
+              <a:lumMod val="75000"/>
+              <a:lumOff val="25000"/>
+            </a:schemeClr>
           </a:solidFill>
           <a:latin typeface="+mn-lt"/>
           <a:ea typeface="+mn-ea"/>
           <a:cs typeface="+mn-cs"/>
         </a:defRPr>
       </a:lvl1pPr>
-      <a:lvl2pPr marL="685800" indent="-228600" algn="l" defTabSz="914400" rtl="0" eaLnBrk="1" latinLnBrk="0" hangingPunct="1">
-        <a:lnSpc>
-          <a:spcPct val="90000"/>
-        </a:lnSpc>
+      <a:lvl2pPr marL="742950" indent="-285750" algn="l" defTabSz="457200" rtl="0" eaLnBrk="1" latinLnBrk="0" hangingPunct="1">
         <a:spcBef>
-          <a:spcPts val="500"/>
+          <a:spcPts val="1000"/>
         </a:spcBef>
-        <a:buFont typeface="Arial" panose="020B0604020202020204" pitchFamily="34" charset="0"/>
-        <a:buChar char="•"/>
-        <a:defRPr sz="2400" kern="1200">
+        <a:spcAft>
+          <a:spcPts val="0"/>
+        </a:spcAft>
+        <a:buClr>
+          <a:schemeClr val="accent1"/>
+        </a:buClr>
+        <a:buFont typeface="Wingdings 3" charset="2"/>
+        <a:buChar char=""/>
+        <a:defRPr sz="1600" kern="1200">
           <a:solidFill>
-            <a:schemeClr val="tx1"/>
+            <a:schemeClr val="tx1">
+              <a:lumMod val="75000"/>
+              <a:lumOff val="25000"/>
+            </a:schemeClr>
           </a:solidFill>
           <a:latin typeface="+mn-lt"/>
           <a:ea typeface="+mn-ea"/>
           <a:cs typeface="+mn-cs"/>
         </a:defRPr>
       </a:lvl2pPr>
-      <a:lvl3pPr marL="1143000" indent="-228600" algn="l" defTabSz="914400" rtl="0" eaLnBrk="1" latinLnBrk="0" hangingPunct="1">
-        <a:lnSpc>
-          <a:spcPct val="90000"/>
-        </a:lnSpc>
+      <a:lvl3pPr marL="1143000" indent="-228600" algn="l" defTabSz="457200" rtl="0" eaLnBrk="1" latinLnBrk="0" hangingPunct="1">
         <a:spcBef>
-          <a:spcPts val="500"/>
+          <a:spcPts val="1000"/>
         </a:spcBef>
-        <a:buFont typeface="Arial" panose="020B0604020202020204" pitchFamily="34" charset="0"/>
-        <a:buChar char="•"/>
-        <a:defRPr sz="2000" kern="1200">
+        <a:spcAft>
+          <a:spcPts val="0"/>
+        </a:spcAft>
+        <a:buClr>
+          <a:schemeClr val="accent1"/>
+        </a:buClr>
+        <a:buFont typeface="Wingdings 3" charset="2"/>
+        <a:buChar char=""/>
+        <a:defRPr sz="1400" kern="1200">
           <a:solidFill>
-            <a:schemeClr val="tx1"/>
+            <a:schemeClr val="tx1">
+              <a:lumMod val="75000"/>
+              <a:lumOff val="25000"/>
+            </a:schemeClr>
           </a:solidFill>
           <a:latin typeface="+mn-lt"/>
           <a:ea typeface="+mn-ea"/>
           <a:cs typeface="+mn-cs"/>
         </a:defRPr>
       </a:lvl3pPr>
-      <a:lvl4pPr marL="1600200" indent="-228600" algn="l" defTabSz="914400" rtl="0" eaLnBrk="1" latinLnBrk="0" hangingPunct="1">
-        <a:lnSpc>
-          <a:spcPct val="90000"/>
-        </a:lnSpc>
+      <a:lvl4pPr marL="1600200" indent="-228600" algn="l" defTabSz="457200" rtl="0" eaLnBrk="1" latinLnBrk="0" hangingPunct="1">
         <a:spcBef>
-          <a:spcPts val="500"/>
+          <a:spcPts val="1000"/>
         </a:spcBef>
-        <a:buFont typeface="Arial" panose="020B0604020202020204" pitchFamily="34" charset="0"/>
-        <a:buChar char="•"/>
-        <a:defRPr sz="1800" kern="1200">
+        <a:spcAft>
+          <a:spcPts val="0"/>
+        </a:spcAft>
+        <a:buClr>
+          <a:schemeClr val="accent1"/>
+        </a:buClr>
+        <a:buFont typeface="Wingdings 3" charset="2"/>
+        <a:buChar char=""/>
+        <a:defRPr sz="1200" kern="1200">
           <a:solidFill>
-            <a:schemeClr val="tx1"/>
+            <a:schemeClr val="tx1">
+              <a:lumMod val="75000"/>
+              <a:lumOff val="25000"/>
+            </a:schemeClr>
           </a:solidFill>
           <a:latin typeface="+mn-lt"/>
           <a:ea typeface="+mn-ea"/>
           <a:cs typeface="+mn-cs"/>
         </a:defRPr>
       </a:lvl4pPr>
-      <a:lvl5pPr marL="2057400" indent="-228600" algn="l" defTabSz="914400" rtl="0" eaLnBrk="1" latinLnBrk="0" hangingPunct="1">
-        <a:lnSpc>
-          <a:spcPct val="90000"/>
-        </a:lnSpc>
+      <a:lvl5pPr marL="2057400" indent="-228600" algn="l" defTabSz="457200" rtl="0" eaLnBrk="1" latinLnBrk="0" hangingPunct="1">
         <a:spcBef>
-          <a:spcPts val="500"/>
+          <a:spcPts val="1000"/>
         </a:spcBef>
-        <a:buFont typeface="Arial" panose="020B0604020202020204" pitchFamily="34" charset="0"/>
-        <a:buChar char="•"/>
-        <a:defRPr sz="1800" kern="1200">
+        <a:spcAft>
+          <a:spcPts val="0"/>
+        </a:spcAft>
+        <a:buClr>
+          <a:schemeClr val="accent1"/>
+        </a:buClr>
+        <a:buFont typeface="Wingdings 3" charset="2"/>
+        <a:buChar char=""/>
+        <a:defRPr sz="1200" kern="1200">
           <a:solidFill>
-            <a:schemeClr val="tx1"/>
+            <a:schemeClr val="tx1">
+              <a:lumMod val="75000"/>
+              <a:lumOff val="25000"/>
+            </a:schemeClr>
           </a:solidFill>
           <a:latin typeface="+mn-lt"/>
           <a:ea typeface="+mn-ea"/>
           <a:cs typeface="+mn-cs"/>
         </a:defRPr>
       </a:lvl5pPr>
-      <a:lvl6pPr marL="2514600" indent="-228600" algn="l" defTabSz="914400" rtl="0" eaLnBrk="1" latinLnBrk="0" hangingPunct="1">
-        <a:lnSpc>
-          <a:spcPct val="90000"/>
-        </a:lnSpc>
+      <a:lvl6pPr marL="2514600" indent="-228600" algn="l" defTabSz="457200" rtl="0" eaLnBrk="1" latinLnBrk="0" hangingPunct="1">
         <a:spcBef>
-          <a:spcPts val="500"/>
+          <a:spcPts val="1000"/>
         </a:spcBef>
-        <a:buFont typeface="Arial" panose="020B0604020202020204" pitchFamily="34" charset="0"/>
-        <a:buChar char="•"/>
-        <a:defRPr sz="1800" kern="1200">
+        <a:spcAft>
+          <a:spcPts val="0"/>
+        </a:spcAft>
+        <a:buClr>
+          <a:schemeClr val="accent1"/>
+        </a:buClr>
+        <a:buFont typeface="Wingdings 3" charset="2"/>
+        <a:buChar char=""/>
+        <a:defRPr sz="1200" kern="1200">
           <a:solidFill>
-            <a:schemeClr val="tx1"/>
+            <a:schemeClr val="tx1">
+              <a:lumMod val="75000"/>
+              <a:lumOff val="25000"/>
+            </a:schemeClr>
           </a:solidFill>
           <a:latin typeface="+mn-lt"/>
           <a:ea typeface="+mn-ea"/>
           <a:cs typeface="+mn-cs"/>
         </a:defRPr>
       </a:lvl6pPr>
-      <a:lvl7pPr marL="2971800" indent="-228600" algn="l" defTabSz="914400" rtl="0" eaLnBrk="1" latinLnBrk="0" hangingPunct="1">
-        <a:lnSpc>
-          <a:spcPct val="90000"/>
-        </a:lnSpc>
+      <a:lvl7pPr marL="2971800" indent="-228600" algn="l" defTabSz="457200" rtl="0" eaLnBrk="1" latinLnBrk="0" hangingPunct="1">
         <a:spcBef>
-          <a:spcPts val="500"/>
+          <a:spcPts val="1000"/>
         </a:spcBef>
-        <a:buFont typeface="Arial" panose="020B0604020202020204" pitchFamily="34" charset="0"/>
-        <a:buChar char="•"/>
-        <a:defRPr sz="1800" kern="1200">
+        <a:spcAft>
+          <a:spcPts val="0"/>
+        </a:spcAft>
+        <a:buClr>
+          <a:schemeClr val="accent1"/>
+        </a:buClr>
+        <a:buFont typeface="Wingdings 3" charset="2"/>
+        <a:buChar char=""/>
+        <a:defRPr sz="1200" kern="1200">
           <a:solidFill>
-            <a:schemeClr val="tx1"/>
+            <a:schemeClr val="tx1">
+              <a:lumMod val="75000"/>
+              <a:lumOff val="25000"/>
+            </a:schemeClr>
           </a:solidFill>
           <a:latin typeface="+mn-lt"/>
           <a:ea typeface="+mn-ea"/>
           <a:cs typeface="+mn-cs"/>
         </a:defRPr>
       </a:lvl7pPr>
-      <a:lvl8pPr marL="3429000" indent="-228600" algn="l" defTabSz="914400" rtl="0" eaLnBrk="1" latinLnBrk="0" hangingPunct="1">
-        <a:lnSpc>
-          <a:spcPct val="90000"/>
-        </a:lnSpc>
+      <a:lvl8pPr marL="3429000" indent="-228600" algn="l" defTabSz="457200" rtl="0" eaLnBrk="1" latinLnBrk="0" hangingPunct="1">
         <a:spcBef>
-          <a:spcPts val="500"/>
+          <a:spcPts val="1000"/>
         </a:spcBef>
-        <a:buFont typeface="Arial" panose="020B0604020202020204" pitchFamily="34" charset="0"/>
-        <a:buChar char="•"/>
-        <a:defRPr sz="1800" kern="1200">
+        <a:spcAft>
+          <a:spcPts val="0"/>
+        </a:spcAft>
+        <a:buClr>
+          <a:schemeClr val="accent1"/>
+        </a:buClr>
+        <a:buFont typeface="Wingdings 3" charset="2"/>
+        <a:buChar char=""/>
+        <a:defRPr sz="1200" kern="1200">
           <a:solidFill>
-            <a:schemeClr val="tx1"/>
+            <a:schemeClr val="tx1">
+              <a:lumMod val="75000"/>
+              <a:lumOff val="25000"/>
+            </a:schemeClr>
           </a:solidFill>
           <a:latin typeface="+mn-lt"/>
           <a:ea typeface="+mn-ea"/>
           <a:cs typeface="+mn-cs"/>
         </a:defRPr>
       </a:lvl8pPr>
-      <a:lvl9pPr marL="3886200" indent="-228600" algn="l" defTabSz="914400" rtl="0" eaLnBrk="1" latinLnBrk="0" hangingPunct="1">
-        <a:lnSpc>
-          <a:spcPct val="90000"/>
-        </a:lnSpc>
+      <a:lvl9pPr marL="3886200" indent="-228600" algn="l" defTabSz="457200" rtl="0" eaLnBrk="1" latinLnBrk="0" hangingPunct="1">
         <a:spcBef>
-          <a:spcPts val="500"/>
+          <a:spcPts val="1000"/>
         </a:spcBef>
-        <a:buFont typeface="Arial" panose="020B0604020202020204" pitchFamily="34" charset="0"/>
-        <a:buChar char="•"/>
-        <a:defRPr sz="1800" kern="1200">
+        <a:spcAft>
+          <a:spcPts val="0"/>
+        </a:spcAft>
+        <a:buClr>
+          <a:schemeClr val="accent1"/>
+        </a:buClr>
+        <a:buFont typeface="Wingdings 3" charset="2"/>
+        <a:buChar char=""/>
+        <a:defRPr sz="1200" kern="1200">
           <a:solidFill>
-            <a:schemeClr val="tx1"/>
+            <a:schemeClr val="tx1">
+              <a:lumMod val="75000"/>
+              <a:lumOff val="25000"/>
+            </a:schemeClr>
           </a:solidFill>
           <a:latin typeface="+mn-lt"/>
           <a:ea typeface="+mn-ea"/>
@@ -2910,7 +7524,7 @@
       <a:defPPr>
         <a:defRPr lang="en-US"/>
       </a:defPPr>
-      <a:lvl1pPr marL="0" algn="l" defTabSz="914400" rtl="0" eaLnBrk="1" latinLnBrk="0" hangingPunct="1">
+      <a:lvl1pPr marL="0" algn="l" defTabSz="457200" rtl="0" eaLnBrk="1" latinLnBrk="0" hangingPunct="1">
         <a:defRPr sz="1800" kern="1200">
           <a:solidFill>
             <a:schemeClr val="tx1"/>
@@ -2920,7 +7534,7 @@
           <a:cs typeface="+mn-cs"/>
         </a:defRPr>
       </a:lvl1pPr>
-      <a:lvl2pPr marL="457200" algn="l" defTabSz="914400" rtl="0" eaLnBrk="1" latinLnBrk="0" hangingPunct="1">
+      <a:lvl2pPr marL="457200" algn="l" defTabSz="457200" rtl="0" eaLnBrk="1" latinLnBrk="0" hangingPunct="1">
         <a:defRPr sz="1800" kern="1200">
           <a:solidFill>
             <a:schemeClr val="tx1"/>
@@ -2930,7 +7544,7 @@
           <a:cs typeface="+mn-cs"/>
         </a:defRPr>
       </a:lvl2pPr>
-      <a:lvl3pPr marL="914400" algn="l" defTabSz="914400" rtl="0" eaLnBrk="1" latinLnBrk="0" hangingPunct="1">
+      <a:lvl3pPr marL="914400" algn="l" defTabSz="457200" rtl="0" eaLnBrk="1" latinLnBrk="0" hangingPunct="1">
         <a:defRPr sz="1800" kern="1200">
           <a:solidFill>
             <a:schemeClr val="tx1"/>
@@ -2940,7 +7554,7 @@
           <a:cs typeface="+mn-cs"/>
         </a:defRPr>
       </a:lvl3pPr>
-      <a:lvl4pPr marL="1371600" algn="l" defTabSz="914400" rtl="0" eaLnBrk="1" latinLnBrk="0" hangingPunct="1">
+      <a:lvl4pPr marL="1371600" algn="l" defTabSz="457200" rtl="0" eaLnBrk="1" latinLnBrk="0" hangingPunct="1">
         <a:defRPr sz="1800" kern="1200">
           <a:solidFill>
             <a:schemeClr val="tx1"/>
@@ -2950,7 +7564,7 @@
           <a:cs typeface="+mn-cs"/>
         </a:defRPr>
       </a:lvl4pPr>
-      <a:lvl5pPr marL="1828800" algn="l" defTabSz="914400" rtl="0" eaLnBrk="1" latinLnBrk="0" hangingPunct="1">
+      <a:lvl5pPr marL="1828800" algn="l" defTabSz="457200" rtl="0" eaLnBrk="1" latinLnBrk="0" hangingPunct="1">
         <a:defRPr sz="1800" kern="1200">
           <a:solidFill>
             <a:schemeClr val="tx1"/>
@@ -2960,7 +7574,7 @@
           <a:cs typeface="+mn-cs"/>
         </a:defRPr>
       </a:lvl5pPr>
-      <a:lvl6pPr marL="2286000" algn="l" defTabSz="914400" rtl="0" eaLnBrk="1" latinLnBrk="0" hangingPunct="1">
+      <a:lvl6pPr marL="2286000" algn="l" defTabSz="457200" rtl="0" eaLnBrk="1" latinLnBrk="0" hangingPunct="1">
         <a:defRPr sz="1800" kern="1200">
           <a:solidFill>
             <a:schemeClr val="tx1"/>
@@ -2970,7 +7584,7 @@
           <a:cs typeface="+mn-cs"/>
         </a:defRPr>
       </a:lvl6pPr>
-      <a:lvl7pPr marL="2743200" algn="l" defTabSz="914400" rtl="0" eaLnBrk="1" latinLnBrk="0" hangingPunct="1">
+      <a:lvl7pPr marL="2743200" algn="l" defTabSz="457200" rtl="0" eaLnBrk="1" latinLnBrk="0" hangingPunct="1">
         <a:defRPr sz="1800" kern="1200">
           <a:solidFill>
             <a:schemeClr val="tx1"/>
@@ -2980,7 +7594,7 @@
           <a:cs typeface="+mn-cs"/>
         </a:defRPr>
       </a:lvl7pPr>
-      <a:lvl8pPr marL="3200400" algn="l" defTabSz="914400" rtl="0" eaLnBrk="1" latinLnBrk="0" hangingPunct="1">
+      <a:lvl8pPr marL="3200400" algn="l" defTabSz="457200" rtl="0" eaLnBrk="1" latinLnBrk="0" hangingPunct="1">
         <a:defRPr sz="1800" kern="1200">
           <a:solidFill>
             <a:schemeClr val="tx1"/>
@@ -2990,7 +7604,7 @@
           <a:cs typeface="+mn-cs"/>
         </a:defRPr>
       </a:lvl8pPr>
-      <a:lvl9pPr marL="3657600" algn="l" defTabSz="914400" rtl="0" eaLnBrk="1" latinLnBrk="0" hangingPunct="1">
+      <a:lvl9pPr marL="3657600" algn="l" defTabSz="457200" rtl="0" eaLnBrk="1" latinLnBrk="0" hangingPunct="1">
         <a:defRPr sz="1800" kern="1200">
           <a:solidFill>
             <a:schemeClr val="tx1"/>
@@ -3104,6 +7718,325 @@
     <p:extLst>
       <p:ext uri="{BB962C8B-B14F-4D97-AF65-F5344CB8AC3E}">
         <p14:creationId xmlns:p14="http://schemas.microsoft.com/office/powerpoint/2010/main" val="2406611590"/>
+      </p:ext>
+    </p:extLst>
+  </p:cSld>
+  <p:clrMapOvr>
+    <a:masterClrMapping/>
+  </p:clrMapOvr>
+  <p:timing>
+    <p:tnLst>
+      <p:par>
+        <p:cTn id="1" dur="indefinite" restart="never" nodeType="tmRoot"/>
+      </p:par>
+    </p:tnLst>
+  </p:timing>
+</p:sld>
+</file>
+
+<file path=ppt/slides/slide10.xml><?xml version="1.0" encoding="utf-8"?>
+<p:sld xmlns:a="http://schemas.openxmlformats.org/drawingml/2006/main" xmlns:r="http://schemas.openxmlformats.org/officeDocument/2006/relationships" xmlns:p="http://schemas.openxmlformats.org/presentationml/2006/main">
+  <p:cSld>
+    <p:spTree>
+      <p:nvGrpSpPr>
+        <p:cNvPr id="1" name=""/>
+        <p:cNvGrpSpPr/>
+        <p:nvPr/>
+      </p:nvGrpSpPr>
+      <p:grpSpPr>
+        <a:xfrm>
+          <a:off x="0" y="0"/>
+          <a:ext cx="0" cy="0"/>
+          <a:chOff x="0" y="0"/>
+          <a:chExt cx="0" cy="0"/>
+        </a:xfrm>
+      </p:grpSpPr>
+      <p:sp>
+        <p:nvSpPr>
+          <p:cNvPr id="2" name="Title 1"/>
+          <p:cNvSpPr>
+            <a:spLocks noGrp="1"/>
+          </p:cNvSpPr>
+          <p:nvPr>
+            <p:ph type="title"/>
+          </p:nvPr>
+        </p:nvSpPr>
+        <p:spPr>
+          <a:xfrm>
+            <a:off x="2679700" y="624110"/>
+            <a:ext cx="8824912" cy="861790"/>
+          </a:xfrm>
+        </p:spPr>
+        <p:txBody>
+          <a:bodyPr/>
+          <a:lstStyle/>
+          <a:p>
+            <a:r>
+              <a:rPr lang="en-IN" dirty="0" smtClean="0"/>
+              <a:t>Solution</a:t>
+            </a:r>
+            <a:endParaRPr lang="en-IN" dirty="0"/>
+          </a:p>
+        </p:txBody>
+      </p:sp>
+      <p:sp>
+        <p:nvSpPr>
+          <p:cNvPr id="3" name="Content Placeholder 2"/>
+          <p:cNvSpPr>
+            <a:spLocks noGrp="1"/>
+          </p:cNvSpPr>
+          <p:nvPr>
+            <p:ph idx="1"/>
+          </p:nvPr>
+        </p:nvSpPr>
+        <p:spPr>
+          <a:xfrm>
+            <a:off x="2679700" y="1676400"/>
+            <a:ext cx="8824912" cy="4234822"/>
+          </a:xfrm>
+        </p:spPr>
+        <p:txBody>
+          <a:bodyPr/>
+          <a:lstStyle/>
+          <a:p>
+            <a:r>
+              <a:rPr lang="en-IN" dirty="0" smtClean="0"/>
+              <a:t>Our proposed PUF maps a  set of challenges to a set of responses based on intractably complex physical system.  </a:t>
+            </a:r>
+          </a:p>
+          <a:p>
+            <a:pPr marL="0" indent="0">
+              <a:buNone/>
+            </a:pPr>
+            <a:r>
+              <a:rPr lang="en-IN" dirty="0"/>
+              <a:t> </a:t>
+            </a:r>
+            <a:r>
+              <a:rPr lang="en-IN" dirty="0" smtClean="0"/>
+              <a:t>                                         R= P(C)</a:t>
+            </a:r>
+          </a:p>
+          <a:p>
+            <a:pPr marL="0" indent="0">
+              <a:buNone/>
+            </a:pPr>
+            <a:r>
+              <a:rPr lang="en-IN" dirty="0"/>
+              <a:t> </a:t>
+            </a:r>
+            <a:r>
+              <a:rPr lang="en-IN" dirty="0" smtClean="0"/>
+              <a:t>          R is the response of a PUF</a:t>
+            </a:r>
+          </a:p>
+          <a:p>
+            <a:pPr marL="0" indent="0">
+              <a:buNone/>
+            </a:pPr>
+            <a:r>
+              <a:rPr lang="en-IN" dirty="0"/>
+              <a:t> </a:t>
+            </a:r>
+            <a:r>
+              <a:rPr lang="en-IN" dirty="0" smtClean="0"/>
+              <a:t>          C is the challenge given to the PUF</a:t>
+            </a:r>
+          </a:p>
+          <a:p>
+            <a:r>
+              <a:rPr lang="en-IN" dirty="0" smtClean="0"/>
+              <a:t>Challenge C and its response R from a PUF is called a challenge response pair.</a:t>
+            </a:r>
+          </a:p>
+          <a:p>
+            <a:r>
+              <a:rPr lang="en-IN" dirty="0" smtClean="0"/>
+              <a:t>Our proposed PUF can be used to perform authentication between a user and a server as well as used to perform authentication between two IoT devices.                                                                                                   </a:t>
+            </a:r>
+            <a:endParaRPr lang="en-IN" dirty="0"/>
+          </a:p>
+        </p:txBody>
+      </p:sp>
+    </p:spTree>
+    <p:extLst>
+      <p:ext uri="{BB962C8B-B14F-4D97-AF65-F5344CB8AC3E}">
+        <p14:creationId xmlns:p14="http://schemas.microsoft.com/office/powerpoint/2010/main" val="2901054533"/>
+      </p:ext>
+    </p:extLst>
+  </p:cSld>
+  <p:clrMapOvr>
+    <a:masterClrMapping/>
+  </p:clrMapOvr>
+</p:sld>
+</file>
+
+<file path=ppt/slides/slide11.xml><?xml version="1.0" encoding="utf-8"?>
+<p:sld xmlns:a="http://schemas.openxmlformats.org/drawingml/2006/main" xmlns:r="http://schemas.openxmlformats.org/officeDocument/2006/relationships" xmlns:p="http://schemas.openxmlformats.org/presentationml/2006/main">
+  <p:cSld>
+    <p:spTree>
+      <p:nvGrpSpPr>
+        <p:cNvPr id="1" name=""/>
+        <p:cNvGrpSpPr/>
+        <p:nvPr/>
+      </p:nvGrpSpPr>
+      <p:grpSpPr>
+        <a:xfrm>
+          <a:off x="0" y="0"/>
+          <a:ext cx="0" cy="0"/>
+          <a:chOff x="0" y="0"/>
+          <a:chExt cx="0" cy="0"/>
+        </a:xfrm>
+      </p:grpSpPr>
+      <p:sp>
+        <p:nvSpPr>
+          <p:cNvPr id="2" name="Title 1"/>
+          <p:cNvSpPr>
+            <a:spLocks noGrp="1"/>
+          </p:cNvSpPr>
+          <p:nvPr>
+            <p:ph type="title"/>
+          </p:nvPr>
+        </p:nvSpPr>
+        <p:spPr/>
+        <p:txBody>
+          <a:bodyPr/>
+          <a:lstStyle/>
+          <a:p>
+            <a:r>
+              <a:rPr lang="en-IN" dirty="0" smtClean="0"/>
+              <a:t> </a:t>
+            </a:r>
+            <a:endParaRPr lang="en-IN" dirty="0"/>
+          </a:p>
+        </p:txBody>
+      </p:sp>
+      <p:sp>
+        <p:nvSpPr>
+          <p:cNvPr id="3" name="Content Placeholder 2"/>
+          <p:cNvSpPr>
+            <a:spLocks noGrp="1"/>
+          </p:cNvSpPr>
+          <p:nvPr>
+            <p:ph idx="1"/>
+          </p:nvPr>
+        </p:nvSpPr>
+        <p:spPr>
+          <a:xfrm>
+            <a:off x="2489200" y="1447800"/>
+            <a:ext cx="9015412" cy="3073400"/>
+          </a:xfrm>
+        </p:spPr>
+        <p:txBody>
+          <a:bodyPr/>
+          <a:lstStyle/>
+          <a:p>
+            <a:r>
+              <a:rPr lang="en-IN" dirty="0" smtClean="0"/>
+              <a:t>When an IOT device is deployed in the field for the first time, an operator inputs a password into the device to exchange the initial CRP with the server using the TOTP approach.</a:t>
+            </a:r>
+          </a:p>
+          <a:p>
+            <a:r>
+              <a:rPr lang="en-IN" dirty="0" smtClean="0"/>
+              <a:t>Once the initial CRP is exchanged with the server, the IOT device can function independently without the need for any operator.</a:t>
+            </a:r>
+          </a:p>
+          <a:p>
+            <a:r>
+              <a:rPr lang="en-IN" dirty="0" smtClean="0"/>
+              <a:t>Thus, the server stores the  identity IDA, and the CRP(</a:t>
+            </a:r>
+            <a:r>
+              <a:rPr lang="en-IN" dirty="0" err="1" smtClean="0"/>
+              <a:t>Ci,Ri</a:t>
+            </a:r>
+            <a:r>
+              <a:rPr lang="en-IN" dirty="0" smtClean="0"/>
+              <a:t>) for each IOT device, while the IOT device does not store anything.</a:t>
+            </a:r>
+            <a:endParaRPr lang="en-IN" dirty="0"/>
+          </a:p>
+        </p:txBody>
+      </p:sp>
+    </p:spTree>
+    <p:extLst>
+      <p:ext uri="{BB962C8B-B14F-4D97-AF65-F5344CB8AC3E}">
+        <p14:creationId xmlns:p14="http://schemas.microsoft.com/office/powerpoint/2010/main" val="3209687437"/>
+      </p:ext>
+    </p:extLst>
+  </p:cSld>
+  <p:clrMapOvr>
+    <a:masterClrMapping/>
+  </p:clrMapOvr>
+  <p:timing>
+    <p:tnLst>
+      <p:par>
+        <p:cTn id="1" dur="indefinite" restart="never" nodeType="tmRoot"/>
+      </p:par>
+    </p:tnLst>
+  </p:timing>
+</p:sld>
+</file>
+
+<file path=ppt/slides/slide12.xml><?xml version="1.0" encoding="utf-8"?>
+<p:sld xmlns:a="http://schemas.openxmlformats.org/drawingml/2006/main" xmlns:r="http://schemas.openxmlformats.org/officeDocument/2006/relationships" xmlns:p="http://schemas.openxmlformats.org/presentationml/2006/main">
+  <p:cSld>
+    <p:spTree>
+      <p:nvGrpSpPr>
+        <p:cNvPr id="1" name=""/>
+        <p:cNvGrpSpPr/>
+        <p:nvPr/>
+      </p:nvGrpSpPr>
+      <p:grpSpPr>
+        <a:xfrm>
+          <a:off x="0" y="0"/>
+          <a:ext cx="0" cy="0"/>
+          <a:chOff x="0" y="0"/>
+          <a:chExt cx="0" cy="0"/>
+        </a:xfrm>
+      </p:grpSpPr>
+      <p:sp>
+        <p:nvSpPr>
+          <p:cNvPr id="2" name="Title 1"/>
+          <p:cNvSpPr>
+            <a:spLocks noGrp="1"/>
+          </p:cNvSpPr>
+          <p:nvPr>
+            <p:ph type="title"/>
+          </p:nvPr>
+        </p:nvSpPr>
+        <p:spPr>
+          <a:xfrm>
+            <a:off x="4229100" y="1841500"/>
+            <a:ext cx="7275511" cy="3492500"/>
+          </a:xfrm>
+        </p:spPr>
+        <p:txBody>
+          <a:bodyPr>
+            <a:normAutofit/>
+          </a:bodyPr>
+          <a:lstStyle/>
+          <a:p>
+            <a:r>
+              <a:rPr lang="en-IN" sz="6000" dirty="0" smtClean="0"/>
+              <a:t/>
+            </a:r>
+            <a:br>
+              <a:rPr lang="en-IN" sz="6000" dirty="0" smtClean="0"/>
+            </a:br>
+            <a:r>
+              <a:rPr lang="en-IN" sz="6000" dirty="0" smtClean="0"/>
+              <a:t>Thank you</a:t>
+            </a:r>
+            <a:endParaRPr lang="en-IN" sz="6000" dirty="0"/>
+          </a:p>
+        </p:txBody>
+      </p:sp>
+    </p:spTree>
+    <p:extLst>
+      <p:ext uri="{BB962C8B-B14F-4D97-AF65-F5344CB8AC3E}">
+        <p14:creationId xmlns:p14="http://schemas.microsoft.com/office/powerpoint/2010/main" val="3500666002"/>
       </p:ext>
     </p:extLst>
   </p:cSld>
@@ -3147,90 +8080,32 @@
             <p:ph type="title"/>
           </p:nvPr>
         </p:nvSpPr>
-        <p:spPr/>
+        <p:spPr>
+          <a:xfrm>
+            <a:off x="2592924" y="3010486"/>
+            <a:ext cx="8911687" cy="1983544"/>
+          </a:xfrm>
+        </p:spPr>
         <p:txBody>
           <a:bodyPr/>
           <a:lstStyle/>
           <a:p>
             <a:r>
-              <a:rPr lang="en-US" dirty="0" smtClean="0"/>
-              <a:t>PROBLEM IDENTIFICATION</a:t>
-            </a:r>
-            <a:endParaRPr lang="en-US" dirty="0"/>
-          </a:p>
-        </p:txBody>
-      </p:sp>
-      <p:sp>
-        <p:nvSpPr>
-          <p:cNvPr id="3" name="Content Placeholder 2"/>
-          <p:cNvSpPr>
-            <a:spLocks noGrp="1"/>
-          </p:cNvSpPr>
-          <p:nvPr>
-            <p:ph idx="1"/>
-          </p:nvPr>
-        </p:nvSpPr>
-        <p:spPr/>
-        <p:txBody>
-          <a:bodyPr/>
-          <a:lstStyle/>
-          <a:p>
-            <a:r>
-              <a:rPr lang="en-US" dirty="0" smtClean="0"/>
-              <a:t>OTP</a:t>
-            </a:r>
-          </a:p>
-          <a:p>
-            <a:r>
-              <a:rPr lang="en-US" dirty="0" smtClean="0"/>
-              <a:t>Group authentication protocol</a:t>
-            </a:r>
-          </a:p>
-          <a:p>
-            <a:r>
-              <a:rPr lang="en-US" dirty="0" smtClean="0"/>
-              <a:t>Certificate based authentication protocol</a:t>
-            </a:r>
-          </a:p>
-          <a:p>
-            <a:r>
-              <a:rPr lang="en-US" dirty="0" smtClean="0"/>
-              <a:t>Physical </a:t>
-            </a:r>
-            <a:r>
-              <a:rPr lang="en-US" dirty="0" err="1"/>
-              <a:t>u</a:t>
-            </a:r>
-            <a:r>
-              <a:rPr lang="en-US" dirty="0" err="1" smtClean="0"/>
-              <a:t>nclonable</a:t>
-            </a:r>
-            <a:r>
-              <a:rPr lang="en-US" dirty="0" smtClean="0"/>
-              <a:t> functions</a:t>
-            </a:r>
-          </a:p>
-          <a:p>
-            <a:r>
-              <a:rPr lang="en-US" dirty="0" smtClean="0"/>
-              <a:t>Trusted third party and ZKPK</a:t>
-            </a:r>
-          </a:p>
-          <a:p>
-            <a:pPr marL="0" indent="0">
-              <a:buNone/>
-            </a:pPr>
-            <a:endParaRPr lang="en-US" dirty="0" smtClean="0"/>
-          </a:p>
-          <a:p>
-            <a:endParaRPr lang="en-US" dirty="0"/>
+              <a:rPr lang="en-IN" dirty="0" smtClean="0"/>
+              <a:t>      </a:t>
+            </a:r>
+            <a:r>
+              <a:rPr lang="en-IN" sz="6000" dirty="0" smtClean="0"/>
+              <a:t>LITERATURE REVIEW</a:t>
+            </a:r>
+            <a:endParaRPr lang="en-IN" sz="6000" dirty="0"/>
           </a:p>
         </p:txBody>
       </p:sp>
     </p:spTree>
     <p:extLst>
       <p:ext uri="{BB962C8B-B14F-4D97-AF65-F5344CB8AC3E}">
-        <p14:creationId xmlns:p14="http://schemas.microsoft.com/office/powerpoint/2010/main" val="371564641"/>
+        <p14:creationId xmlns:p14="http://schemas.microsoft.com/office/powerpoint/2010/main" val="2365509244"/>
       </p:ext>
     </p:extLst>
   </p:cSld>
@@ -3276,8 +8151,8 @@
         </p:nvSpPr>
         <p:spPr>
           <a:xfrm>
-            <a:off x="2679700" y="624110"/>
-            <a:ext cx="8824912" cy="861790"/>
+            <a:off x="2592925" y="624110"/>
+            <a:ext cx="8911687" cy="810795"/>
           </a:xfrm>
         </p:spPr>
         <p:txBody>
@@ -3286,7 +8161,7 @@
           <a:p>
             <a:r>
               <a:rPr lang="en-IN" dirty="0" smtClean="0"/>
-              <a:t>Solution</a:t>
+              <a:t>SECURITY CHALLENGES</a:t>
             </a:r>
             <a:endParaRPr lang="en-IN" dirty="0"/>
           </a:p>
@@ -3304,79 +8179,54 @@
         </p:nvSpPr>
         <p:spPr>
           <a:xfrm>
-            <a:off x="2679700" y="1676400"/>
-            <a:ext cx="8824912" cy="4234822"/>
+            <a:off x="2592924" y="1434905"/>
+            <a:ext cx="8911687" cy="4476317"/>
           </a:xfrm>
         </p:spPr>
         <p:txBody>
           <a:bodyPr>
-            <a:normAutofit lnSpcReduction="10000"/>
+            <a:normAutofit/>
           </a:bodyPr>
           <a:lstStyle/>
           <a:p>
-            <a:r>
-              <a:rPr lang="en-IN" dirty="0" smtClean="0"/>
-              <a:t>Our proposed PUF maps a  set of challenges to a set of responses based on intractably complex physical system.  </a:t>
-            </a:r>
-          </a:p>
-          <a:p>
             <a:pPr marL="0" indent="0">
               <a:buNone/>
             </a:pPr>
             <a:r>
-              <a:rPr lang="en-IN" dirty="0"/>
-              <a:t> </a:t>
-            </a:r>
-            <a:r>
-              <a:rPr lang="en-IN" dirty="0" smtClean="0"/>
-              <a:t>                                         R= P(C)</a:t>
-            </a:r>
-          </a:p>
-          <a:p>
-            <a:pPr marL="0" indent="0">
-              <a:buNone/>
-            </a:pPr>
-            <a:r>
-              <a:rPr lang="en-IN" dirty="0"/>
-              <a:t> </a:t>
-            </a:r>
-            <a:r>
-              <a:rPr lang="en-IN" dirty="0" smtClean="0"/>
-              <a:t>          R is the response of a PUF</a:t>
-            </a:r>
-          </a:p>
-          <a:p>
-            <a:pPr marL="0" indent="0">
-              <a:buNone/>
-            </a:pPr>
-            <a:r>
-              <a:rPr lang="en-IN" dirty="0"/>
-              <a:t> </a:t>
-            </a:r>
-            <a:r>
-              <a:rPr lang="en-IN" dirty="0" smtClean="0"/>
-              <a:t>          C is the challenge given to the PUF</a:t>
-            </a:r>
-          </a:p>
-          <a:p>
-            <a:r>
-              <a:rPr lang="en-IN" dirty="0" smtClean="0"/>
-              <a:t>Challenge C and its response R from a PUF is called a challenge response pair.</a:t>
-            </a:r>
-          </a:p>
-          <a:p>
-            <a:r>
-              <a:rPr lang="en-IN" dirty="0" smtClean="0"/>
-              <a:t>Our proposed PUF can be used to perform authentication between a user and a server as well as used to perform authentication between two IoT devices.                                                                                                   </a:t>
-            </a:r>
-            <a:endParaRPr lang="en-IN" dirty="0"/>
+              <a:rPr lang="en-IN" sz="2800" dirty="0" smtClean="0"/>
+              <a:t>Establishing end-to-end authentication between devices and applications in IoT is a challenging task. IoT ha wide scope in at least four dimensions </a:t>
+            </a:r>
+          </a:p>
+          <a:p>
+            <a:r>
+              <a:rPr lang="en-IN" sz="2800" dirty="0" smtClean="0"/>
+              <a:t>Trusted sensing</a:t>
+            </a:r>
+          </a:p>
+          <a:p>
+            <a:r>
+              <a:rPr lang="en-IN" sz="2800" dirty="0" smtClean="0"/>
+              <a:t>Computation</a:t>
+            </a:r>
+          </a:p>
+          <a:p>
+            <a:r>
+              <a:rPr lang="en-IN" sz="2800" dirty="0" smtClean="0"/>
+              <a:t>Communication</a:t>
+            </a:r>
+          </a:p>
+          <a:p>
+            <a:r>
+              <a:rPr lang="en-IN" sz="2800" dirty="0" smtClean="0"/>
+              <a:t>Privacy</a:t>
+            </a:r>
           </a:p>
         </p:txBody>
       </p:sp>
     </p:spTree>
     <p:extLst>
       <p:ext uri="{BB962C8B-B14F-4D97-AF65-F5344CB8AC3E}">
-        <p14:creationId xmlns:p14="http://schemas.microsoft.com/office/powerpoint/2010/main" val="2901054533"/>
+        <p14:creationId xmlns:p14="http://schemas.microsoft.com/office/powerpoint/2010/main" val="3685611119"/>
       </p:ext>
     </p:extLst>
   </p:cSld>
@@ -3420,14 +8270,19 @@
             <p:ph type="title"/>
           </p:nvPr>
         </p:nvSpPr>
-        <p:spPr/>
+        <p:spPr>
+          <a:xfrm>
+            <a:off x="2715065" y="258350"/>
+            <a:ext cx="8789547" cy="867065"/>
+          </a:xfrm>
+        </p:spPr>
         <p:txBody>
           <a:bodyPr/>
           <a:lstStyle/>
           <a:p>
             <a:r>
               <a:rPr lang="en-IN" dirty="0" smtClean="0"/>
-              <a:t> </a:t>
+              <a:t>OTP</a:t>
             </a:r>
             <a:endParaRPr lang="en-IN" dirty="0"/>
           </a:p>
@@ -3445,48 +8300,125 @@
         </p:nvSpPr>
         <p:spPr>
           <a:xfrm>
-            <a:off x="2489200" y="1447800"/>
-            <a:ext cx="9015412" cy="3073400"/>
+            <a:off x="2377441" y="970671"/>
+            <a:ext cx="9127172" cy="5627077"/>
           </a:xfrm>
         </p:spPr>
         <p:txBody>
-          <a:bodyPr>
-            <a:normAutofit fontScale="92500"/>
-          </a:bodyPr>
+          <a:bodyPr/>
           <a:lstStyle/>
           <a:p>
+            <a:pPr marL="0" indent="0">
+              <a:buNone/>
+            </a:pPr>
             <a:r>
               <a:rPr lang="en-IN" dirty="0" smtClean="0"/>
-              <a:t>When an IOT device is deployed in the field for the first time, an operator inputs a password into the device to exchange the initial CRP with the server using the TOTP approach.</a:t>
-            </a:r>
-          </a:p>
-          <a:p>
+              <a:t>Due to heterogeneity in terms of devices, topology, communication and different security protocols used in IoT, existing SFA schemes are vulnerable to security threats and can disrupt the progress of IoT.</a:t>
+            </a:r>
+          </a:p>
+          <a:p>
+            <a:pPr marL="0" indent="0">
+              <a:buNone/>
+            </a:pPr>
+            <a:endParaRPr lang="en-IN" dirty="0"/>
+          </a:p>
+          <a:p>
+            <a:pPr marL="0" indent="0">
+              <a:buNone/>
+            </a:pPr>
+            <a:endParaRPr lang="en-IN" dirty="0" smtClean="0"/>
+          </a:p>
+          <a:p>
+            <a:pPr marL="0" indent="0">
+              <a:buNone/>
+            </a:pPr>
+            <a:endParaRPr lang="en-IN" dirty="0"/>
+          </a:p>
+          <a:p>
+            <a:pPr marL="0" indent="0">
+              <a:buNone/>
+            </a:pPr>
+            <a:endParaRPr lang="en-IN" dirty="0" smtClean="0"/>
+          </a:p>
+          <a:p>
+            <a:pPr marL="0" indent="0">
+              <a:buNone/>
+            </a:pPr>
+            <a:endParaRPr lang="en-IN" dirty="0"/>
+          </a:p>
+          <a:p>
+            <a:pPr marL="0" indent="0">
+              <a:buNone/>
+            </a:pPr>
+            <a:endParaRPr lang="en-IN" dirty="0" smtClean="0"/>
+          </a:p>
+          <a:p>
+            <a:pPr marL="0" indent="0">
+              <a:buNone/>
+            </a:pPr>
+            <a:endParaRPr lang="en-IN" dirty="0"/>
+          </a:p>
+          <a:p>
+            <a:pPr marL="0" indent="0">
+              <a:buNone/>
+            </a:pPr>
             <a:r>
               <a:rPr lang="en-IN" dirty="0" smtClean="0"/>
-              <a:t>Once the initial CRP is exchanged with the server, the IOT device can function independently without the need for any operator.</a:t>
-            </a:r>
-          </a:p>
-          <a:p>
+              <a:t> </a:t>
+            </a:r>
+          </a:p>
+          <a:p>
+            <a:pPr marL="0" indent="0">
+              <a:buNone/>
+            </a:pPr>
+            <a:endParaRPr lang="en-IN" dirty="0"/>
+          </a:p>
+          <a:p>
+            <a:pPr marL="0" indent="0">
+              <a:buNone/>
+            </a:pPr>
             <a:r>
               <a:rPr lang="en-IN" dirty="0" smtClean="0"/>
-              <a:t>Thus, the server stores the  identity IDA, and the CRP(</a:t>
-            </a:r>
-            <a:r>
-              <a:rPr lang="en-IN" dirty="0" err="1" smtClean="0"/>
-              <a:t>Ci,Ri</a:t>
-            </a:r>
-            <a:r>
-              <a:rPr lang="en-IN" dirty="0" smtClean="0"/>
-              <a:t>) for each IOT device, while the IOT device does not store anything.</a:t>
+              <a:t>To achieve end-to-end authentication between IoT devices or application the existing authentication schemes and security protocols require a two factor authentication mechanisms.</a:t>
             </a:r>
             <a:endParaRPr lang="en-IN" dirty="0"/>
           </a:p>
         </p:txBody>
       </p:sp>
+      <p:pic>
+        <p:nvPicPr>
+          <p:cNvPr id="4" name="Picture 3"/>
+          <p:cNvPicPr>
+            <a:picLocks noChangeAspect="1"/>
+          </p:cNvPicPr>
+          <p:nvPr/>
+        </p:nvPicPr>
+        <p:blipFill>
+          <a:blip r:embed="rId2">
+            <a:extLst>
+              <a:ext uri="{28A0092B-C50C-407E-A947-70E740481C1C}">
+                <a14:useLocalDpi xmlns:a14="http://schemas.microsoft.com/office/drawing/2010/main" val="0"/>
+              </a:ext>
+            </a:extLst>
+          </a:blip>
+          <a:stretch>
+            <a:fillRect/>
+          </a:stretch>
+        </p:blipFill>
+        <p:spPr>
+          <a:xfrm>
+            <a:off x="4114800" y="2321145"/>
+            <a:ext cx="4902199" cy="3001069"/>
+          </a:xfrm>
+          <a:prstGeom prst="rect">
+            <a:avLst/>
+          </a:prstGeom>
+        </p:spPr>
+      </p:pic>
     </p:spTree>
     <p:extLst>
       <p:ext uri="{BB962C8B-B14F-4D97-AF65-F5344CB8AC3E}">
-        <p14:creationId xmlns:p14="http://schemas.microsoft.com/office/powerpoint/2010/main" val="3209687437"/>
+        <p14:creationId xmlns:p14="http://schemas.microsoft.com/office/powerpoint/2010/main" val="2222474145"/>
       </p:ext>
     </p:extLst>
   </p:cSld>
@@ -3530,24 +8462,21 @@
             <p:ph type="title"/>
           </p:nvPr>
         </p:nvSpPr>
-        <p:spPr/>
+        <p:spPr>
+          <a:xfrm>
+            <a:off x="2589213" y="478302"/>
+            <a:ext cx="8986496" cy="984738"/>
+          </a:xfrm>
+        </p:spPr>
         <p:txBody>
           <a:bodyPr/>
           <a:lstStyle/>
           <a:p>
             <a:r>
-              <a:rPr lang="en-US" dirty="0" smtClean="0"/>
-              <a:t>Mutual authentication of </a:t>
-            </a:r>
-            <a:r>
-              <a:rPr lang="en-US" dirty="0" err="1" smtClean="0"/>
-              <a:t>IoT</a:t>
-            </a:r>
-            <a:r>
-              <a:rPr lang="en-US" dirty="0" smtClean="0"/>
-              <a:t> device and server</a:t>
-            </a:r>
-            <a:endParaRPr lang="en-US" dirty="0"/>
+              <a:rPr lang="en-IN" dirty="0" smtClean="0"/>
+              <a:t>Group authentication protocol</a:t>
+            </a:r>
+            <a:endParaRPr lang="en-IN" dirty="0"/>
           </a:p>
         </p:txBody>
       </p:sp>
@@ -3561,157 +8490,66 @@
             <p:ph idx="1"/>
           </p:nvPr>
         </p:nvSpPr>
-        <p:spPr/>
-        <p:txBody>
-          <a:bodyPr/>
+        <p:spPr>
+          <a:xfrm>
+            <a:off x="2589213" y="1814731"/>
+            <a:ext cx="8915400" cy="4054287"/>
+          </a:xfrm>
+        </p:spPr>
+        <p:txBody>
+          <a:bodyPr>
+            <a:normAutofit/>
+          </a:bodyPr>
           <a:lstStyle/>
           <a:p>
             <a:r>
-              <a:rPr lang="en-US" dirty="0" smtClean="0"/>
-              <a:t>MODULE 1</a:t>
-            </a:r>
-          </a:p>
-          <a:p>
-            <a:pPr marL="0" indent="0">
-              <a:buNone/>
-            </a:pPr>
-            <a:r>
-              <a:rPr lang="en-US" dirty="0"/>
-              <a:t> </a:t>
-            </a:r>
-            <a:r>
-              <a:rPr lang="en-US" dirty="0" smtClean="0"/>
-              <a:t>   Input: ID</a:t>
-            </a:r>
-            <a:r>
-              <a:rPr lang="en-US" baseline="-25000" dirty="0" smtClean="0"/>
-              <a:t>A</a:t>
-            </a:r>
-            <a:r>
-              <a:rPr lang="en-US" dirty="0" smtClean="0"/>
-              <a:t>,N1</a:t>
-            </a:r>
-            <a:endParaRPr lang="en-US" baseline="-25000" dirty="0" smtClean="0"/>
-          </a:p>
-          <a:p>
-            <a:pPr marL="0" indent="0">
-              <a:buNone/>
-            </a:pPr>
-            <a:r>
-              <a:rPr lang="en-US" dirty="0"/>
-              <a:t> </a:t>
-            </a:r>
-            <a:r>
-              <a:rPr lang="en-US" dirty="0" smtClean="0"/>
-              <a:t>   Process:</a:t>
-            </a:r>
-          </a:p>
-          <a:p>
-            <a:pPr marL="0" indent="0">
-              <a:buNone/>
-            </a:pPr>
-            <a:r>
-              <a:rPr lang="en-US" dirty="0"/>
-              <a:t> </a:t>
-            </a:r>
-            <a:r>
-              <a:rPr lang="en-US" dirty="0" smtClean="0"/>
-              <a:t>            Find Ida in Memory</a:t>
-            </a:r>
-          </a:p>
-          <a:p>
-            <a:pPr marL="0" indent="0">
-              <a:buNone/>
-            </a:pPr>
-            <a:r>
-              <a:rPr lang="en-US" dirty="0"/>
-              <a:t> </a:t>
-            </a:r>
-            <a:r>
-              <a:rPr lang="en-US" dirty="0" smtClean="0"/>
-              <a:t>            Read CRP(</a:t>
-            </a:r>
-            <a:r>
-              <a:rPr lang="en-US" dirty="0" err="1" smtClean="0"/>
-              <a:t>Ci,Ri</a:t>
-            </a:r>
-            <a:r>
-              <a:rPr lang="en-US" dirty="0" smtClean="0"/>
-              <a:t>)</a:t>
-            </a:r>
-          </a:p>
-          <a:p>
-            <a:pPr marL="0" indent="0">
-              <a:buNone/>
-            </a:pPr>
-            <a:r>
-              <a:rPr lang="en-US" dirty="0"/>
-              <a:t> </a:t>
-            </a:r>
-            <a:r>
-              <a:rPr lang="en-US" dirty="0" smtClean="0"/>
-              <a:t>            Generate RS1</a:t>
-            </a:r>
-          </a:p>
-          <a:p>
-            <a:pPr marL="0" indent="0">
-              <a:buNone/>
-            </a:pPr>
-            <a:r>
-              <a:rPr lang="en-US" dirty="0"/>
-              <a:t> </a:t>
-            </a:r>
-            <a:r>
-              <a:rPr lang="en-US" dirty="0" smtClean="0"/>
-              <a:t>            Ma={Ida,N1,Rs1}</a:t>
-            </a:r>
-            <a:r>
-              <a:rPr lang="en-US" dirty="0" err="1" smtClean="0"/>
-              <a:t>Ri</a:t>
-            </a:r>
-            <a:endParaRPr lang="en-US" dirty="0" smtClean="0"/>
-          </a:p>
-          <a:p>
-            <a:pPr marL="0" indent="0">
-              <a:buNone/>
-            </a:pPr>
-            <a:r>
-              <a:rPr lang="en-US" dirty="0"/>
-              <a:t> </a:t>
-            </a:r>
-            <a:r>
-              <a:rPr lang="en-US" dirty="0" smtClean="0"/>
-              <a:t>   Output: </a:t>
-            </a:r>
-            <a:r>
-              <a:rPr lang="en-US" dirty="0" err="1" smtClean="0"/>
-              <a:t>Ci,Ma,MAC</a:t>
-            </a:r>
-            <a:r>
-              <a:rPr lang="en-US" dirty="0" smtClean="0"/>
-              <a:t>(Ma||</a:t>
-            </a:r>
-            <a:r>
-              <a:rPr lang="en-US" dirty="0" err="1" smtClean="0"/>
-              <a:t>Ri</a:t>
-            </a:r>
-            <a:r>
-              <a:rPr lang="en-US" dirty="0" smtClean="0"/>
-              <a:t>||Rs1)</a:t>
-            </a:r>
-          </a:p>
-          <a:p>
-            <a:pPr marL="0" indent="0">
-              <a:buNone/>
-            </a:pPr>
-            <a:endParaRPr lang="en-US" baseline="-25000" dirty="0"/>
+              <a:rPr lang="en-IN" sz="2000" dirty="0" smtClean="0"/>
+              <a:t>Multiple iterations and requirement of computing OTP using public/private keys increases the complexity and computational burden. </a:t>
+            </a:r>
+          </a:p>
+          <a:p>
+            <a:r>
+              <a:rPr lang="en-IN" sz="2000" dirty="0" smtClean="0"/>
+              <a:t>Due to the scale of  economics, more than hundreds of devices may request authentication approval at the same </a:t>
+            </a:r>
+            <a:r>
+              <a:rPr lang="en-IN" sz="2000" dirty="0" smtClean="0"/>
+              <a:t>time. </a:t>
+            </a:r>
+            <a:r>
+              <a:rPr lang="en-IN" sz="2000" dirty="0"/>
+              <a:t>E</a:t>
+            </a:r>
+            <a:r>
+              <a:rPr lang="en-IN" sz="2000" dirty="0" smtClean="0"/>
+              <a:t>ach device should not be able to authenticate during the short time. </a:t>
+            </a:r>
+            <a:r>
+              <a:rPr lang="en-IN" sz="2000" dirty="0" smtClean="0"/>
+              <a:t>To this purpose TCGA scheme is required.</a:t>
+            </a:r>
+          </a:p>
+          <a:p>
+            <a:r>
+              <a:rPr lang="en-IN" sz="2000" dirty="0" smtClean="0"/>
+              <a:t>Threshold Cryptography-based Authentication Scheme for IoT which  verifies authenticity of all the devices taking part in the group </a:t>
+            </a:r>
+            <a:r>
+              <a:rPr lang="en-IN" sz="2000" dirty="0" smtClean="0"/>
+              <a:t>communication within a short time </a:t>
+            </a:r>
+            <a:r>
+              <a:rPr lang="en-IN" sz="2000" dirty="0" smtClean="0"/>
+              <a:t>.</a:t>
+            </a:r>
+            <a:endParaRPr lang="en-IN" sz="2000" dirty="0"/>
           </a:p>
         </p:txBody>
       </p:sp>
     </p:spTree>
     <p:extLst>
       <p:ext uri="{BB962C8B-B14F-4D97-AF65-F5344CB8AC3E}">
-        <p14:creationId xmlns:p14="http://schemas.microsoft.com/office/powerpoint/2010/main" val="1287662551"/>
+        <p14:creationId xmlns:p14="http://schemas.microsoft.com/office/powerpoint/2010/main" val="3799789480"/>
       </p:ext>
     </p:extLst>
   </p:cSld>
@@ -3755,224 +8593,79 @@
             <p:ph type="title"/>
           </p:nvPr>
         </p:nvSpPr>
-        <p:spPr/>
+        <p:spPr>
+          <a:xfrm>
+            <a:off x="2589212" y="953037"/>
+            <a:ext cx="8692681" cy="824248"/>
+          </a:xfrm>
+        </p:spPr>
+        <p:txBody>
+          <a:bodyPr>
+            <a:normAutofit fontScale="90000"/>
+          </a:bodyPr>
+          <a:lstStyle/>
+          <a:p>
+            <a:r>
+              <a:rPr lang="en-IN" dirty="0" smtClean="0"/>
+              <a:t>Certificate-based authentication protocol</a:t>
+            </a:r>
+            <a:endParaRPr lang="en-IN" dirty="0"/>
+          </a:p>
+        </p:txBody>
+      </p:sp>
+      <p:sp>
+        <p:nvSpPr>
+          <p:cNvPr id="3" name="Content Placeholder 2"/>
+          <p:cNvSpPr>
+            <a:spLocks noGrp="1"/>
+          </p:cNvSpPr>
+          <p:nvPr>
+            <p:ph idx="1"/>
+          </p:nvPr>
+        </p:nvSpPr>
+        <p:spPr>
+          <a:xfrm>
+            <a:off x="2589212" y="2034862"/>
+            <a:ext cx="8915400" cy="3876360"/>
+          </a:xfrm>
+        </p:spPr>
         <p:txBody>
           <a:bodyPr/>
           <a:lstStyle/>
           <a:p>
             <a:r>
-              <a:rPr lang="en-US" dirty="0" smtClean="0"/>
-              <a:t>Module 2</a:t>
-            </a:r>
-            <a:endParaRPr lang="en-US" dirty="0"/>
-          </a:p>
-        </p:txBody>
-      </p:sp>
-      <p:sp>
-        <p:nvSpPr>
-          <p:cNvPr id="3" name="Content Placeholder 2"/>
-          <p:cNvSpPr>
-            <a:spLocks noGrp="1"/>
-          </p:cNvSpPr>
-          <p:nvPr>
-            <p:ph idx="1"/>
-          </p:nvPr>
-        </p:nvSpPr>
-        <p:spPr/>
-        <p:txBody>
-          <a:bodyPr>
-            <a:normAutofit lnSpcReduction="10000"/>
-          </a:bodyPr>
-          <a:lstStyle/>
-          <a:p>
-            <a:pPr marL="0" indent="0">
-              <a:buNone/>
-            </a:pPr>
-            <a:r>
-              <a:rPr lang="en-US" dirty="0" smtClean="0"/>
-              <a:t>    Input: </a:t>
-            </a:r>
-            <a:r>
-              <a:rPr lang="en-US" dirty="0" err="1" smtClean="0"/>
-              <a:t>Ci,Ma,MAC</a:t>
-            </a:r>
-            <a:r>
-              <a:rPr lang="en-US" dirty="0" smtClean="0"/>
-              <a:t>(Ma||</a:t>
-            </a:r>
-            <a:r>
-              <a:rPr lang="en-US" dirty="0" err="1" smtClean="0"/>
-              <a:t>Ri</a:t>
-            </a:r>
-            <a:r>
-              <a:rPr lang="en-US" dirty="0" smtClean="0"/>
-              <a:t>||Rs1)</a:t>
-            </a:r>
-            <a:endParaRPr lang="en-US" baseline="-25000" dirty="0" smtClean="0"/>
-          </a:p>
-          <a:p>
-            <a:pPr marL="0" indent="0">
-              <a:buNone/>
-            </a:pPr>
-            <a:r>
-              <a:rPr lang="en-US" dirty="0" smtClean="0"/>
-              <a:t>    Process:</a:t>
-            </a:r>
-          </a:p>
-          <a:p>
-            <a:pPr marL="0" indent="0">
-              <a:buNone/>
-            </a:pPr>
-            <a:r>
-              <a:rPr lang="en-US" dirty="0" smtClean="0"/>
-              <a:t>             </a:t>
-            </a:r>
-            <a:r>
-              <a:rPr lang="en-US" dirty="0" err="1" smtClean="0"/>
-              <a:t>Ri</a:t>
-            </a:r>
-            <a:r>
-              <a:rPr lang="en-US" dirty="0" smtClean="0"/>
-              <a:t>=PA(</a:t>
-            </a:r>
-            <a:r>
-              <a:rPr lang="en-US" dirty="0" err="1" smtClean="0"/>
-              <a:t>Ci</a:t>
-            </a:r>
-            <a:r>
-              <a:rPr lang="en-US" dirty="0" smtClean="0"/>
-              <a:t>)</a:t>
-            </a:r>
-          </a:p>
-          <a:p>
-            <a:pPr marL="0" indent="0">
-              <a:buNone/>
-            </a:pPr>
-            <a:r>
-              <a:rPr lang="en-US" dirty="0" smtClean="0"/>
-              <a:t>            Obtain </a:t>
-            </a:r>
-            <a:r>
-              <a:rPr lang="en-US" dirty="0" err="1" smtClean="0"/>
-              <a:t>Rsi</a:t>
-            </a:r>
-            <a:r>
-              <a:rPr lang="en-US" dirty="0" smtClean="0"/>
-              <a:t> using </a:t>
-            </a:r>
-            <a:r>
-              <a:rPr lang="en-US" dirty="0" err="1" smtClean="0"/>
-              <a:t>Ri</a:t>
-            </a:r>
-            <a:r>
-              <a:rPr lang="en-US" dirty="0" smtClean="0"/>
-              <a:t> and verify MAC</a:t>
-            </a:r>
-          </a:p>
-          <a:p>
-            <a:pPr marL="0" indent="0">
-              <a:buNone/>
-            </a:pPr>
-            <a:r>
-              <a:rPr lang="en-US" dirty="0" smtClean="0"/>
-              <a:t>             Generate NA</a:t>
-            </a:r>
-          </a:p>
-          <a:p>
-            <a:pPr marL="0" indent="0">
-              <a:buNone/>
-            </a:pPr>
-            <a:r>
-              <a:rPr lang="en-US" dirty="0" smtClean="0"/>
-              <a:t>             Ci+1=H(Na||Rs1)</a:t>
-            </a:r>
-          </a:p>
-          <a:p>
-            <a:pPr marL="0" indent="0">
-              <a:buNone/>
-            </a:pPr>
-            <a:r>
-              <a:rPr lang="en-US" dirty="0" smtClean="0"/>
-              <a:t>             Ri+1=PA(Ci+1)</a:t>
-            </a:r>
-          </a:p>
-          <a:p>
-            <a:pPr marL="0" indent="0">
-              <a:buNone/>
-            </a:pPr>
-            <a:r>
-              <a:rPr lang="en-US" dirty="0" smtClean="0"/>
-              <a:t>             </a:t>
-            </a:r>
-            <a:r>
-              <a:rPr lang="en-US" dirty="0" err="1" smtClean="0"/>
-              <a:t>Ms</a:t>
-            </a:r>
-            <a:r>
-              <a:rPr lang="en-US" dirty="0" smtClean="0"/>
-              <a:t>={Ida,NA,Rs1,Ri+1}</a:t>
-            </a:r>
-            <a:r>
-              <a:rPr lang="en-US" dirty="0" err="1" smtClean="0"/>
-              <a:t>Ri</a:t>
-            </a:r>
-            <a:endParaRPr lang="en-US" dirty="0" smtClean="0"/>
-          </a:p>
-          <a:p>
-            <a:pPr marL="0" indent="0">
-              <a:buNone/>
-            </a:pPr>
-            <a:r>
-              <a:rPr lang="en-US" dirty="0" smtClean="0"/>
-              <a:t>    Output: </a:t>
-            </a:r>
-            <a:r>
-              <a:rPr lang="en-US" dirty="0" err="1" smtClean="0"/>
-              <a:t>Ms,MAC</a:t>
-            </a:r>
-            <a:r>
-              <a:rPr lang="en-US" dirty="0" smtClean="0"/>
-              <a:t>(</a:t>
-            </a:r>
-            <a:r>
-              <a:rPr lang="en-US" dirty="0" err="1" smtClean="0"/>
-              <a:t>Ms</a:t>
-            </a:r>
-            <a:r>
-              <a:rPr lang="en-US" dirty="0" smtClean="0"/>
-              <a:t>||</a:t>
-            </a:r>
-            <a:r>
-              <a:rPr lang="en-US" dirty="0" err="1" smtClean="0"/>
-              <a:t>Ri</a:t>
-            </a:r>
-            <a:r>
-              <a:rPr lang="en-US" dirty="0" smtClean="0"/>
-              <a:t>||Na)</a:t>
-            </a:r>
-          </a:p>
-          <a:p>
-            <a:endParaRPr lang="en-US" dirty="0"/>
+              <a:rPr lang="en-IN" dirty="0" smtClean="0"/>
+              <a:t>Group authentication and key sharing among multiple nodes puts multiple nodes at risk even if one of the nodes is compromised. To rectify it certificate based authentication protocol has been introduced.</a:t>
+            </a:r>
+            <a:endParaRPr lang="en-IN" dirty="0"/>
+          </a:p>
+          <a:p>
+            <a:r>
+              <a:rPr lang="en-IN" dirty="0" smtClean="0"/>
+              <a:t>In certificate based authentication protocol ,the end-users and the sensor nodes have to authenticate each other before transferring raw data.</a:t>
+            </a:r>
+          </a:p>
+          <a:p>
+            <a:r>
+              <a:rPr lang="en-IN" dirty="0" smtClean="0"/>
+              <a:t>In IoT multiple entities have to authenticate each other to establish a trusted network. Since the edge nodes and end-users exploit implicit certificates for mutual authentication, it supports heterogeneity of the entities.</a:t>
+            </a:r>
+          </a:p>
+          <a:p>
+            <a:endParaRPr lang="en-IN" dirty="0"/>
           </a:p>
         </p:txBody>
       </p:sp>
     </p:spTree>
     <p:extLst>
       <p:ext uri="{BB962C8B-B14F-4D97-AF65-F5344CB8AC3E}">
-        <p14:creationId xmlns:p14="http://schemas.microsoft.com/office/powerpoint/2010/main" val="2987600917"/>
+        <p14:creationId xmlns:p14="http://schemas.microsoft.com/office/powerpoint/2010/main" val="523374694"/>
       </p:ext>
     </p:extLst>
   </p:cSld>
   <p:clrMapOvr>
     <a:masterClrMapping/>
   </p:clrMapOvr>
-  <p:timing>
-    <p:tnLst>
-      <p:par>
-        <p:cTn id="1" dur="indefinite" restart="never" nodeType="tmRoot"/>
-      </p:par>
-    </p:tnLst>
-  </p:timing>
 </p:sld>
 </file>
 
@@ -4003,16 +8696,23 @@
             <p:ph type="title"/>
           </p:nvPr>
         </p:nvSpPr>
-        <p:spPr/>
-        <p:txBody>
-          <a:bodyPr/>
+        <p:spPr>
+          <a:xfrm>
+            <a:off x="3009900" y="1320800"/>
+            <a:ext cx="8494711" cy="829972"/>
+          </a:xfrm>
+        </p:spPr>
+        <p:txBody>
+          <a:bodyPr>
+            <a:normAutofit/>
+          </a:bodyPr>
           <a:lstStyle/>
           <a:p>
             <a:r>
-              <a:rPr lang="en-US" dirty="0" smtClean="0"/>
-              <a:t>Module 3:</a:t>
-            </a:r>
-            <a:endParaRPr lang="en-US" dirty="0"/>
+              <a:rPr lang="en-IN" dirty="0" smtClean="0"/>
+              <a:t>Physical unclonable functions </a:t>
+            </a:r>
+            <a:endParaRPr lang="en-IN" dirty="0"/>
           </a:p>
         </p:txBody>
       </p:sp>
@@ -4026,125 +8726,53 @@
             <p:ph idx="1"/>
           </p:nvPr>
         </p:nvSpPr>
-        <p:spPr/>
-        <p:txBody>
-          <a:bodyPr/>
+        <p:spPr>
+          <a:xfrm>
+            <a:off x="2859110" y="2260600"/>
+            <a:ext cx="8645501" cy="3856864"/>
+          </a:xfrm>
+        </p:spPr>
+        <p:txBody>
+          <a:bodyPr>
+            <a:normAutofit/>
+          </a:bodyPr>
           <a:lstStyle/>
           <a:p>
-            <a:pPr marL="0" indent="0">
-              <a:buNone/>
-            </a:pPr>
-            <a:r>
-              <a:rPr lang="en-US" dirty="0" smtClean="0"/>
-              <a:t> Input: </a:t>
-            </a:r>
-            <a:r>
-              <a:rPr lang="en-US" dirty="0" err="1" smtClean="0"/>
-              <a:t>Ms,MAC</a:t>
-            </a:r>
-            <a:r>
-              <a:rPr lang="en-US" dirty="0" smtClean="0"/>
-              <a:t>(</a:t>
-            </a:r>
-            <a:r>
-              <a:rPr lang="en-US" dirty="0" err="1" smtClean="0"/>
-              <a:t>Ms</a:t>
-            </a:r>
-            <a:r>
-              <a:rPr lang="en-US" dirty="0" smtClean="0"/>
-              <a:t>||</a:t>
-            </a:r>
-            <a:r>
-              <a:rPr lang="en-US" dirty="0" err="1" smtClean="0"/>
-              <a:t>Ri</a:t>
-            </a:r>
-            <a:r>
-              <a:rPr lang="en-US" dirty="0" smtClean="0"/>
-              <a:t>||Na)</a:t>
-            </a:r>
-            <a:endParaRPr lang="en-US" baseline="-25000" dirty="0" smtClean="0"/>
-          </a:p>
-          <a:p>
-            <a:pPr marL="0" indent="0">
-              <a:buNone/>
-            </a:pPr>
-            <a:r>
-              <a:rPr lang="en-US" dirty="0" smtClean="0"/>
-              <a:t>    Process:</a:t>
-            </a:r>
-          </a:p>
-          <a:p>
-            <a:pPr marL="0" indent="0">
-              <a:buNone/>
-            </a:pPr>
-            <a:r>
-              <a:rPr lang="en-US" dirty="0" smtClean="0"/>
-              <a:t>             Obtain NA and Ri+1 using </a:t>
-            </a:r>
-            <a:r>
-              <a:rPr lang="en-US" dirty="0" err="1" smtClean="0"/>
-              <a:t>Ri</a:t>
-            </a:r>
-            <a:endParaRPr lang="en-US" dirty="0" smtClean="0"/>
-          </a:p>
-          <a:p>
-            <a:pPr marL="0" indent="0">
-              <a:buNone/>
-            </a:pPr>
-            <a:r>
-              <a:rPr lang="en-US" dirty="0" smtClean="0"/>
-              <a:t>             verify MAC</a:t>
-            </a:r>
-          </a:p>
-          <a:p>
-            <a:pPr marL="0" indent="0">
-              <a:buNone/>
-            </a:pPr>
-            <a:r>
-              <a:rPr lang="en-US" dirty="0" smtClean="0"/>
-              <a:t>             Ci+1=H(NA||Rs1)</a:t>
-            </a:r>
-          </a:p>
-          <a:p>
-            <a:pPr marL="0" indent="0">
-              <a:buNone/>
-            </a:pPr>
-            <a:r>
-              <a:rPr lang="en-US" dirty="0" smtClean="0"/>
-              <a:t>    Output:</a:t>
-            </a:r>
-          </a:p>
-          <a:p>
-            <a:pPr marL="0" indent="0">
-              <a:buNone/>
-            </a:pPr>
-            <a:r>
-              <a:rPr lang="en-US" dirty="0" smtClean="0"/>
-              <a:t>             Server rejects the authentication or two entities can now form a session</a:t>
-            </a:r>
-          </a:p>
-          <a:p>
-            <a:endParaRPr lang="en-US" dirty="0"/>
+            <a:r>
+              <a:rPr lang="en-IN" dirty="0" smtClean="0"/>
+              <a:t>In certificate-based authentication protocol, the cryptographic credentials are stored in the edge node, exposing the protocol to cloning attacks.</a:t>
+            </a:r>
+          </a:p>
+          <a:p>
+            <a:r>
+              <a:rPr lang="en-IN" dirty="0" smtClean="0"/>
+              <a:t>PUF is “an expression of an inherent and unclonable instance-specific feature of a physical object”.</a:t>
+            </a:r>
+          </a:p>
+          <a:p>
+            <a:r>
+              <a:rPr lang="en-IN" dirty="0" smtClean="0"/>
+              <a:t>PUF will be easy to make but impossible to duplicate, even given the exact manufacturing process that produced it. </a:t>
+            </a:r>
+          </a:p>
+          <a:p>
+            <a:r>
+              <a:rPr lang="en-IN" dirty="0" smtClean="0"/>
+              <a:t>PUF is the hardware analogy of a one-way function. </a:t>
+            </a:r>
           </a:p>
         </p:txBody>
       </p:sp>
     </p:spTree>
     <p:extLst>
       <p:ext uri="{BB962C8B-B14F-4D97-AF65-F5344CB8AC3E}">
-        <p14:creationId xmlns:p14="http://schemas.microsoft.com/office/powerpoint/2010/main" val="1892437815"/>
+        <p14:creationId xmlns:p14="http://schemas.microsoft.com/office/powerpoint/2010/main" val="2984984865"/>
       </p:ext>
     </p:extLst>
   </p:cSld>
   <p:clrMapOvr>
     <a:masterClrMapping/>
   </p:clrMapOvr>
-  <p:timing>
-    <p:tnLst>
-      <p:par>
-        <p:cTn id="1" dur="indefinite" restart="never" nodeType="tmRoot"/>
-      </p:par>
-    </p:tnLst>
-  </p:timing>
 </p:sld>
 </file>
 
@@ -4175,16 +8803,21 @@
             <p:ph type="title"/>
           </p:nvPr>
         </p:nvSpPr>
-        <p:spPr/>
+        <p:spPr>
+          <a:xfrm>
+            <a:off x="2589213" y="901700"/>
+            <a:ext cx="8915400" cy="914400"/>
+          </a:xfrm>
+        </p:spPr>
         <p:txBody>
           <a:bodyPr/>
           <a:lstStyle/>
           <a:p>
             <a:r>
-              <a:rPr lang="en-US" dirty="0" smtClean="0"/>
-              <a:t>Flow Diagram</a:t>
-            </a:r>
-            <a:endParaRPr lang="en-US" dirty="0"/>
+              <a:rPr lang="en-IN" dirty="0" smtClean="0"/>
+              <a:t>Trusted third party &amp; ZKPK</a:t>
+            </a:r>
+            <a:endParaRPr lang="en-IN" dirty="0"/>
           </a:p>
         </p:txBody>
       </p:sp>
@@ -4200,530 +8833,78 @@
         </p:nvSpPr>
         <p:spPr>
           <a:xfrm>
-            <a:off x="669701" y="1387742"/>
-            <a:ext cx="10684099" cy="4948663"/>
+            <a:off x="2589213" y="2057400"/>
+            <a:ext cx="8915398" cy="3853822"/>
           </a:xfrm>
         </p:spPr>
         <p:txBody>
           <a:bodyPr/>
           <a:lstStyle/>
           <a:p>
+            <a:r>
+              <a:rPr lang="en-IN" dirty="0" smtClean="0"/>
+              <a:t>PUF </a:t>
+            </a:r>
+            <a:r>
+              <a:rPr lang="en-IN" dirty="0"/>
+              <a:t>and previously mentioned authentication protocols rely on some secrets being stored in the memory of an IoT device.</a:t>
+            </a:r>
+          </a:p>
+          <a:p>
+            <a:r>
+              <a:rPr lang="en-IN" dirty="0"/>
+              <a:t>However even if the memory is highly secure the bits still need to be stored in a non-volatile digital memory</a:t>
+            </a:r>
+          </a:p>
+          <a:p>
+            <a:r>
+              <a:rPr lang="en-IN" dirty="0"/>
+              <a:t>The non-volatile digital memory used in PUF opens doors for attackers.</a:t>
+            </a:r>
+          </a:p>
+          <a:p>
+            <a:r>
+              <a:rPr lang="en-IN" dirty="0"/>
+              <a:t>So, some of the PUF based authentication protocols require a trusted party to store a large number of challenge response pairs for each IoT </a:t>
+            </a:r>
+            <a:r>
+              <a:rPr lang="en-IN" dirty="0" smtClean="0"/>
+              <a:t>device.</a:t>
+            </a:r>
+          </a:p>
+          <a:p>
+            <a:r>
+              <a:rPr lang="en-IN" dirty="0" smtClean="0"/>
+              <a:t>Most of the PUF based authentication protocol uses zero-knowledge roof of knowledge(</a:t>
+            </a:r>
+            <a:r>
+              <a:rPr lang="en-IN" dirty="0" err="1" smtClean="0"/>
+              <a:t>zkpk</a:t>
+            </a:r>
+            <a:r>
+              <a:rPr lang="en-IN" dirty="0" smtClean="0"/>
+              <a:t>) of discrete logarithm.</a:t>
+            </a:r>
+            <a:endParaRPr lang="en-IN" dirty="0"/>
+          </a:p>
+          <a:p>
             <a:pPr marL="0" indent="0">
               <a:buNone/>
             </a:pPr>
-            <a:endParaRPr lang="en-US" b="1" dirty="0"/>
-          </a:p>
-        </p:txBody>
-      </p:sp>
-      <p:sp>
-        <p:nvSpPr>
-          <p:cNvPr id="4" name="Oval 3"/>
-          <p:cNvSpPr/>
-          <p:nvPr/>
-        </p:nvSpPr>
-        <p:spPr>
-          <a:xfrm>
-            <a:off x="1764406" y="1690688"/>
-            <a:ext cx="1532586" cy="1300768"/>
-          </a:xfrm>
-          <a:prstGeom prst="ellipse">
-            <a:avLst/>
-          </a:prstGeom>
-        </p:spPr>
-        <p:style>
-          <a:lnRef idx="2">
-            <a:schemeClr val="accent6"/>
-          </a:lnRef>
-          <a:fillRef idx="1">
-            <a:schemeClr val="lt1"/>
-          </a:fillRef>
-          <a:effectRef idx="0">
-            <a:schemeClr val="accent6"/>
-          </a:effectRef>
-          <a:fontRef idx="minor">
-            <a:schemeClr val="dk1"/>
-          </a:fontRef>
-        </p:style>
-        <p:txBody>
-          <a:bodyPr rtlCol="0" anchor="ctr"/>
-          <a:lstStyle/>
-          <a:p>
-            <a:pPr algn="ctr"/>
-            <a:r>
-              <a:rPr lang="en-US" b="1" dirty="0" err="1" smtClean="0"/>
-              <a:t>IoT</a:t>
-            </a:r>
-            <a:r>
-              <a:rPr lang="en-US" b="1" dirty="0" smtClean="0"/>
-              <a:t> device IDA</a:t>
-            </a:r>
-            <a:endParaRPr lang="en-US" b="1" dirty="0"/>
-          </a:p>
-        </p:txBody>
-      </p:sp>
-      <p:sp>
-        <p:nvSpPr>
-          <p:cNvPr id="5" name="Oval 4"/>
-          <p:cNvSpPr/>
-          <p:nvPr/>
-        </p:nvSpPr>
-        <p:spPr>
-          <a:xfrm>
-            <a:off x="7057622" y="1748643"/>
-            <a:ext cx="1442434" cy="1242813"/>
-          </a:xfrm>
-          <a:prstGeom prst="ellipse">
-            <a:avLst/>
-          </a:prstGeom>
-        </p:spPr>
-        <p:style>
-          <a:lnRef idx="2">
-            <a:schemeClr val="accent6"/>
-          </a:lnRef>
-          <a:fillRef idx="1">
-            <a:schemeClr val="lt1"/>
-          </a:fillRef>
-          <a:effectRef idx="0">
-            <a:schemeClr val="accent6"/>
-          </a:effectRef>
-          <a:fontRef idx="minor">
-            <a:schemeClr val="dk1"/>
-          </a:fontRef>
-        </p:style>
-        <p:txBody>
-          <a:bodyPr rtlCol="0" anchor="ctr"/>
-          <a:lstStyle/>
-          <a:p>
-            <a:pPr algn="ctr"/>
-            <a:r>
-              <a:rPr lang="en-US" b="1" dirty="0" smtClean="0"/>
-              <a:t>Server IDs</a:t>
-            </a:r>
-            <a:endParaRPr lang="en-US" b="1" dirty="0"/>
-          </a:p>
-        </p:txBody>
-      </p:sp>
-      <p:cxnSp>
-        <p:nvCxnSpPr>
-          <p:cNvPr id="11" name="Straight Connector 10"/>
-          <p:cNvCxnSpPr>
-            <a:stCxn id="4" idx="4"/>
-          </p:cNvCxnSpPr>
-          <p:nvPr/>
-        </p:nvCxnSpPr>
-        <p:spPr>
-          <a:xfrm>
-            <a:off x="2530699" y="2991456"/>
-            <a:ext cx="0" cy="2546459"/>
-          </a:xfrm>
-          <a:prstGeom prst="line">
-            <a:avLst/>
-          </a:prstGeom>
-        </p:spPr>
-        <p:style>
-          <a:lnRef idx="1">
-            <a:schemeClr val="dk1"/>
-          </a:lnRef>
-          <a:fillRef idx="0">
-            <a:schemeClr val="dk1"/>
-          </a:fillRef>
-          <a:effectRef idx="0">
-            <a:schemeClr val="dk1"/>
-          </a:effectRef>
-          <a:fontRef idx="minor">
-            <a:schemeClr val="tx1"/>
-          </a:fontRef>
-        </p:style>
-      </p:cxnSp>
-      <p:cxnSp>
-        <p:nvCxnSpPr>
-          <p:cNvPr id="18" name="Straight Connector 17"/>
-          <p:cNvCxnSpPr/>
-          <p:nvPr/>
-        </p:nvCxnSpPr>
-        <p:spPr>
-          <a:xfrm>
-            <a:off x="7778839" y="2991456"/>
-            <a:ext cx="0" cy="2546459"/>
-          </a:xfrm>
-          <a:prstGeom prst="line">
-            <a:avLst/>
-          </a:prstGeom>
-        </p:spPr>
-        <p:style>
-          <a:lnRef idx="3">
-            <a:schemeClr val="dk1"/>
-          </a:lnRef>
-          <a:fillRef idx="0">
-            <a:schemeClr val="dk1"/>
-          </a:fillRef>
-          <a:effectRef idx="2">
-            <a:schemeClr val="dk1"/>
-          </a:effectRef>
-          <a:fontRef idx="minor">
-            <a:schemeClr val="tx1"/>
-          </a:fontRef>
-        </p:style>
-      </p:cxnSp>
-      <p:cxnSp>
-        <p:nvCxnSpPr>
-          <p:cNvPr id="22" name="Straight Arrow Connector 21"/>
-          <p:cNvCxnSpPr/>
-          <p:nvPr/>
-        </p:nvCxnSpPr>
-        <p:spPr>
-          <a:xfrm>
-            <a:off x="2530699" y="3400024"/>
-            <a:ext cx="5248140" cy="38637"/>
-          </a:xfrm>
-          <a:prstGeom prst="straightConnector1">
-            <a:avLst/>
-          </a:prstGeom>
-          <a:ln>
-            <a:tailEnd type="triangle"/>
-          </a:ln>
-        </p:spPr>
-        <p:style>
-          <a:lnRef idx="3">
-            <a:schemeClr val="dk1"/>
-          </a:lnRef>
-          <a:fillRef idx="0">
-            <a:schemeClr val="dk1"/>
-          </a:fillRef>
-          <a:effectRef idx="2">
-            <a:schemeClr val="dk1"/>
-          </a:effectRef>
-          <a:fontRef idx="minor">
-            <a:schemeClr val="tx1"/>
-          </a:fontRef>
-        </p:style>
-      </p:cxnSp>
-      <p:cxnSp>
-        <p:nvCxnSpPr>
-          <p:cNvPr id="24" name="Straight Arrow Connector 23"/>
-          <p:cNvCxnSpPr/>
-          <p:nvPr/>
-        </p:nvCxnSpPr>
-        <p:spPr>
-          <a:xfrm flipH="1" flipV="1">
-            <a:off x="2530699" y="4172755"/>
-            <a:ext cx="5248140" cy="51515"/>
-          </a:xfrm>
-          <a:prstGeom prst="straightConnector1">
-            <a:avLst/>
-          </a:prstGeom>
-          <a:ln>
-            <a:tailEnd type="triangle"/>
-          </a:ln>
-        </p:spPr>
-        <p:style>
-          <a:lnRef idx="3">
-            <a:schemeClr val="dk1"/>
-          </a:lnRef>
-          <a:fillRef idx="0">
-            <a:schemeClr val="dk1"/>
-          </a:fillRef>
-          <a:effectRef idx="2">
-            <a:schemeClr val="dk1"/>
-          </a:effectRef>
-          <a:fontRef idx="minor">
-            <a:schemeClr val="tx1"/>
-          </a:fontRef>
-        </p:style>
-      </p:cxnSp>
-      <p:cxnSp>
-        <p:nvCxnSpPr>
-          <p:cNvPr id="26" name="Straight Arrow Connector 25"/>
-          <p:cNvCxnSpPr/>
-          <p:nvPr/>
-        </p:nvCxnSpPr>
-        <p:spPr>
-          <a:xfrm>
-            <a:off x="2530699" y="5048518"/>
-            <a:ext cx="5248140" cy="64395"/>
-          </a:xfrm>
-          <a:prstGeom prst="straightConnector1">
-            <a:avLst/>
-          </a:prstGeom>
-          <a:ln>
-            <a:tailEnd type="triangle"/>
-          </a:ln>
-        </p:spPr>
-        <p:style>
-          <a:lnRef idx="3">
-            <a:schemeClr val="dk1"/>
-          </a:lnRef>
-          <a:fillRef idx="0">
-            <a:schemeClr val="dk1"/>
-          </a:fillRef>
-          <a:effectRef idx="2">
-            <a:schemeClr val="dk1"/>
-          </a:effectRef>
-          <a:fontRef idx="minor">
-            <a:schemeClr val="tx1"/>
-          </a:fontRef>
-        </p:style>
-      </p:cxnSp>
-      <p:sp>
-        <p:nvSpPr>
-          <p:cNvPr id="27" name="Flowchart: Connector 26"/>
-          <p:cNvSpPr/>
-          <p:nvPr/>
-        </p:nvSpPr>
-        <p:spPr>
-          <a:xfrm>
-            <a:off x="4223198" y="2949263"/>
-            <a:ext cx="280115" cy="357051"/>
-          </a:xfrm>
-          <a:prstGeom prst="flowChartConnector">
-            <a:avLst/>
-          </a:prstGeom>
-        </p:spPr>
-        <p:style>
-          <a:lnRef idx="2">
-            <a:schemeClr val="accent6"/>
-          </a:lnRef>
-          <a:fillRef idx="1">
-            <a:schemeClr val="lt1"/>
-          </a:fillRef>
-          <a:effectRef idx="0">
-            <a:schemeClr val="accent6"/>
-          </a:effectRef>
-          <a:fontRef idx="minor">
-            <a:schemeClr val="dk1"/>
-          </a:fontRef>
-        </p:style>
-        <p:txBody>
-          <a:bodyPr rtlCol="0" anchor="ctr"/>
-          <a:lstStyle/>
-          <a:p>
-            <a:pPr algn="ctr"/>
-            <a:r>
-              <a:rPr lang="en-US" b="1" dirty="0" smtClean="0"/>
-              <a:t>1</a:t>
-            </a:r>
-            <a:endParaRPr lang="en-US" b="1" dirty="0"/>
-          </a:p>
-        </p:txBody>
-      </p:sp>
-      <p:sp>
-        <p:nvSpPr>
-          <p:cNvPr id="29" name="Flowchart: Connector 28"/>
-          <p:cNvSpPr/>
-          <p:nvPr/>
-        </p:nvSpPr>
-        <p:spPr>
-          <a:xfrm>
-            <a:off x="4223198" y="3773510"/>
-            <a:ext cx="280114" cy="357052"/>
-          </a:xfrm>
-          <a:prstGeom prst="flowChartConnector">
-            <a:avLst/>
-          </a:prstGeom>
-        </p:spPr>
-        <p:style>
-          <a:lnRef idx="2">
-            <a:schemeClr val="accent6"/>
-          </a:lnRef>
-          <a:fillRef idx="1">
-            <a:schemeClr val="lt1"/>
-          </a:fillRef>
-          <a:effectRef idx="0">
-            <a:schemeClr val="accent6"/>
-          </a:effectRef>
-          <a:fontRef idx="minor">
-            <a:schemeClr val="dk1"/>
-          </a:fontRef>
-        </p:style>
-        <p:txBody>
-          <a:bodyPr rtlCol="0" anchor="ctr"/>
-          <a:lstStyle/>
-          <a:p>
-            <a:pPr algn="ctr"/>
-            <a:r>
-              <a:rPr lang="en-US" b="1" dirty="0" smtClean="0"/>
-              <a:t>2</a:t>
-            </a:r>
-            <a:endParaRPr lang="en-US" b="1" dirty="0"/>
-          </a:p>
-        </p:txBody>
-      </p:sp>
-      <p:sp>
-        <p:nvSpPr>
-          <p:cNvPr id="30" name="Flowchart: Connector 29"/>
-          <p:cNvSpPr/>
-          <p:nvPr/>
-        </p:nvSpPr>
-        <p:spPr>
-          <a:xfrm>
-            <a:off x="4248954" y="4623516"/>
-            <a:ext cx="254357" cy="376371"/>
-          </a:xfrm>
-          <a:prstGeom prst="flowChartConnector">
-            <a:avLst/>
-          </a:prstGeom>
-        </p:spPr>
-        <p:style>
-          <a:lnRef idx="2">
-            <a:schemeClr val="accent6"/>
-          </a:lnRef>
-          <a:fillRef idx="1">
-            <a:schemeClr val="lt1"/>
-          </a:fillRef>
-          <a:effectRef idx="0">
-            <a:schemeClr val="accent6"/>
-          </a:effectRef>
-          <a:fontRef idx="minor">
-            <a:schemeClr val="dk1"/>
-          </a:fontRef>
-        </p:style>
-        <p:txBody>
-          <a:bodyPr rtlCol="0" anchor="ctr"/>
-          <a:lstStyle/>
-          <a:p>
-            <a:pPr algn="ctr"/>
-            <a:r>
-              <a:rPr lang="en-US" b="1" dirty="0" smtClean="0"/>
-              <a:t>3</a:t>
-            </a:r>
-            <a:endParaRPr lang="en-US" b="1" dirty="0"/>
-          </a:p>
-        </p:txBody>
-      </p:sp>
-      <p:sp>
-        <p:nvSpPr>
-          <p:cNvPr id="31" name="Rectangle 30"/>
-          <p:cNvSpPr/>
-          <p:nvPr/>
-        </p:nvSpPr>
-        <p:spPr>
-          <a:xfrm>
-            <a:off x="4626662" y="2949263"/>
-            <a:ext cx="811441" cy="369332"/>
-          </a:xfrm>
-          <a:prstGeom prst="rect">
-            <a:avLst/>
-          </a:prstGeom>
-        </p:spPr>
-        <p:txBody>
-          <a:bodyPr wrap="square">
-            <a:spAutoFit/>
-          </a:bodyPr>
-          <a:lstStyle/>
-          <a:p>
-            <a:r>
-              <a:rPr lang="en-US" b="1" dirty="0"/>
-              <a:t>Ida,N1</a:t>
-            </a:r>
-            <a:endParaRPr lang="en-US" dirty="0"/>
-          </a:p>
-        </p:txBody>
-      </p:sp>
-      <p:sp>
-        <p:nvSpPr>
-          <p:cNvPr id="32" name="Rectangle 31"/>
-          <p:cNvSpPr/>
-          <p:nvPr/>
-        </p:nvSpPr>
-        <p:spPr>
-          <a:xfrm>
-            <a:off x="4503311" y="3785546"/>
-            <a:ext cx="2677849" cy="369332"/>
-          </a:xfrm>
-          <a:prstGeom prst="rect">
-            <a:avLst/>
-          </a:prstGeom>
-        </p:spPr>
-        <p:txBody>
-          <a:bodyPr wrap="none">
-            <a:spAutoFit/>
-          </a:bodyPr>
-          <a:lstStyle/>
-          <a:p>
-            <a:r>
-              <a:rPr lang="en-US" b="1" dirty="0" err="1"/>
-              <a:t>Ci,Ma,MAC</a:t>
-            </a:r>
-            <a:r>
-              <a:rPr lang="en-US" b="1" dirty="0"/>
-              <a:t>(Ma||</a:t>
-            </a:r>
-            <a:r>
-              <a:rPr lang="en-US" b="1" dirty="0" err="1"/>
-              <a:t>Ri</a:t>
-            </a:r>
-            <a:r>
-              <a:rPr lang="en-US" b="1" dirty="0"/>
-              <a:t>||Rs1)</a:t>
-            </a:r>
-          </a:p>
-        </p:txBody>
-      </p:sp>
-      <p:sp>
-        <p:nvSpPr>
-          <p:cNvPr id="33" name="Rectangle 32"/>
-          <p:cNvSpPr/>
-          <p:nvPr/>
-        </p:nvSpPr>
-        <p:spPr>
-          <a:xfrm>
-            <a:off x="4564278" y="4593357"/>
-            <a:ext cx="2323585" cy="369332"/>
-          </a:xfrm>
-          <a:prstGeom prst="rect">
-            <a:avLst/>
-          </a:prstGeom>
-        </p:spPr>
-        <p:txBody>
-          <a:bodyPr wrap="none">
-            <a:spAutoFit/>
-          </a:bodyPr>
-          <a:lstStyle/>
-          <a:p>
-            <a:r>
-              <a:rPr lang="en-US" b="1" dirty="0" err="1"/>
-              <a:t>Ms,MAC</a:t>
-            </a:r>
-            <a:r>
-              <a:rPr lang="en-US" b="1" dirty="0"/>
-              <a:t>(</a:t>
-            </a:r>
-            <a:r>
-              <a:rPr lang="en-US" b="1" dirty="0" err="1"/>
-              <a:t>Ms</a:t>
-            </a:r>
-            <a:r>
-              <a:rPr lang="en-US" b="1" dirty="0"/>
-              <a:t>||</a:t>
-            </a:r>
-            <a:r>
-              <a:rPr lang="en-US" b="1" dirty="0" err="1"/>
-              <a:t>Ri</a:t>
-            </a:r>
-            <a:r>
-              <a:rPr lang="en-US" b="1" dirty="0"/>
-              <a:t>||Na)</a:t>
-            </a:r>
+            <a:endParaRPr lang="en-IN" dirty="0"/>
           </a:p>
         </p:txBody>
       </p:sp>
     </p:spTree>
     <p:extLst>
       <p:ext uri="{BB962C8B-B14F-4D97-AF65-F5344CB8AC3E}">
-        <p14:creationId xmlns:p14="http://schemas.microsoft.com/office/powerpoint/2010/main" val="2652306992"/>
+        <p14:creationId xmlns:p14="http://schemas.microsoft.com/office/powerpoint/2010/main" val="3904760734"/>
       </p:ext>
     </p:extLst>
   </p:cSld>
   <p:clrMapOvr>
     <a:masterClrMapping/>
   </p:clrMapOvr>
-  <p:timing>
-    <p:tnLst>
-      <p:par>
-        <p:cTn id="1" dur="indefinite" restart="never" nodeType="tmRoot"/>
-      </p:par>
-    </p:tnLst>
-  </p:timing>
 </p:sld>
 </file>
 
@@ -4756,55 +8937,85 @@
         </p:nvSpPr>
         <p:spPr>
           <a:xfrm>
-            <a:off x="4229100" y="1841500"/>
-            <a:ext cx="7275511" cy="3492500"/>
+            <a:off x="2717800" y="977900"/>
+            <a:ext cx="8786812" cy="927100"/>
           </a:xfrm>
         </p:spPr>
         <p:txBody>
-          <a:bodyPr>
-            <a:normAutofit/>
-          </a:bodyPr>
+          <a:bodyPr/>
           <a:lstStyle/>
           <a:p>
             <a:r>
-              <a:rPr lang="en-IN" sz="6000" dirty="0" smtClean="0"/>
-              <a:t/>
-            </a:r>
-            <a:br>
-              <a:rPr lang="en-IN" sz="6000" dirty="0" smtClean="0"/>
-            </a:br>
-            <a:r>
-              <a:rPr lang="en-IN" sz="6000" dirty="0" smtClean="0"/>
-              <a:t>Thank you</a:t>
-            </a:r>
-            <a:endParaRPr lang="en-IN" sz="6000" dirty="0"/>
+              <a:rPr lang="en-IN" dirty="0" smtClean="0"/>
+              <a:t>Problem identification</a:t>
+            </a:r>
+            <a:endParaRPr lang="en-IN" dirty="0"/>
+          </a:p>
+        </p:txBody>
+      </p:sp>
+      <p:sp>
+        <p:nvSpPr>
+          <p:cNvPr id="3" name="Content Placeholder 2"/>
+          <p:cNvSpPr>
+            <a:spLocks noGrp="1"/>
+          </p:cNvSpPr>
+          <p:nvPr>
+            <p:ph idx="1"/>
+          </p:nvPr>
+        </p:nvSpPr>
+        <p:spPr>
+          <a:xfrm>
+            <a:off x="2717800" y="2222500"/>
+            <a:ext cx="8786812" cy="3688722"/>
+          </a:xfrm>
+        </p:spPr>
+        <p:txBody>
+          <a:bodyPr/>
+          <a:lstStyle/>
+          <a:p>
+            <a:r>
+              <a:rPr lang="en-IN" dirty="0" smtClean="0"/>
+              <a:t>PUF based authentication protocol does not reveal the challenge response pairs in any of its messages by using zero-knowledge proofs.</a:t>
+            </a:r>
+          </a:p>
+          <a:p>
+            <a:r>
+              <a:rPr lang="en-IN" dirty="0" smtClean="0"/>
+              <a:t>These protocols requires a user to input a password to the device each time it requires authentication, which reduces the effectiveness</a:t>
+            </a:r>
+          </a:p>
+          <a:p>
+            <a:r>
+              <a:rPr lang="en-IN" dirty="0" smtClean="0"/>
+              <a:t>The protocol can only be used to perform authentication between a user and a server and not for two devices authenticating each other.</a:t>
+            </a:r>
+          </a:p>
+          <a:p>
+            <a:r>
+              <a:rPr lang="en-IN" dirty="0" smtClean="0"/>
+              <a:t>Use of ZKPK of discrete logarithm also increases the complexity of the protocol.</a:t>
+            </a:r>
+            <a:endParaRPr lang="en-IN" dirty="0"/>
           </a:p>
         </p:txBody>
       </p:sp>
     </p:spTree>
     <p:extLst>
       <p:ext uri="{BB962C8B-B14F-4D97-AF65-F5344CB8AC3E}">
-        <p14:creationId xmlns:p14="http://schemas.microsoft.com/office/powerpoint/2010/main" val="3500666002"/>
+        <p14:creationId xmlns:p14="http://schemas.microsoft.com/office/powerpoint/2010/main" val="2585803352"/>
       </p:ext>
     </p:extLst>
   </p:cSld>
   <p:clrMapOvr>
     <a:masterClrMapping/>
   </p:clrMapOvr>
-  <p:timing>
-    <p:tnLst>
-      <p:par>
-        <p:cTn id="1" dur="indefinite" restart="never" nodeType="tmRoot"/>
-      </p:par>
-    </p:tnLst>
-  </p:timing>
 </p:sld>
 </file>
 
 <file path=ppt/theme/theme1.xml><?xml version="1.0" encoding="utf-8"?>
-<a:theme xmlns:a="http://schemas.openxmlformats.org/drawingml/2006/main" name="Office Theme">
+<a:theme xmlns:a="http://schemas.openxmlformats.org/drawingml/2006/main" name="Wisp">
   <a:themeElements>
-    <a:clrScheme name="Office">
+    <a:clrScheme name="Wisp">
       <a:dk1>
         <a:sysClr val="windowText" lastClr="000000"/>
       </a:dk1>
@@ -4812,83 +9023,48 @@
         <a:sysClr val="window" lastClr="FFFFFF"/>
       </a:lt1>
       <a:dk2>
-        <a:srgbClr val="44546A"/>
+        <a:srgbClr val="766F54"/>
       </a:dk2>
       <a:lt2>
-        <a:srgbClr val="E7E6E6"/>
+        <a:srgbClr val="E3EACF"/>
       </a:lt2>
       <a:accent1>
-        <a:srgbClr val="5B9BD5"/>
+        <a:srgbClr val="A53010"/>
       </a:accent1>
       <a:accent2>
-        <a:srgbClr val="ED7D31"/>
+        <a:srgbClr val="DE7E18"/>
       </a:accent2>
       <a:accent3>
-        <a:srgbClr val="A5A5A5"/>
+        <a:srgbClr val="9F8351"/>
       </a:accent3>
       <a:accent4>
-        <a:srgbClr val="FFC000"/>
+        <a:srgbClr val="728653"/>
       </a:accent4>
       <a:accent5>
-        <a:srgbClr val="4472C4"/>
+        <a:srgbClr val="92AA4C"/>
       </a:accent5>
       <a:accent6>
-        <a:srgbClr val="70AD47"/>
+        <a:srgbClr val="6AAC91"/>
       </a:accent6>
       <a:hlink>
-        <a:srgbClr val="0563C1"/>
+        <a:srgbClr val="FB4A18"/>
       </a:hlink>
       <a:folHlink>
-        <a:srgbClr val="954F72"/>
+        <a:srgbClr val="FB9318"/>
       </a:folHlink>
     </a:clrScheme>
-    <a:fontScheme name="Office">
+    <a:fontScheme name="Wisp">
       <a:majorFont>
-        <a:latin typeface="Calibri Light" panose="020F0302020204030204"/>
+        <a:latin typeface="Century Gothic" panose="020B0502020202020204"/>
         <a:ea typeface=""/>
         <a:cs typeface=""/>
-        <a:font script="Jpan" typeface="ＭＳ Ｐゴシック"/>
-        <a:font script="Hang" typeface="맑은 고딕"/>
-        <a:font script="Hans" typeface="宋体"/>
-        <a:font script="Hant" typeface="新細明體"/>
-        <a:font script="Arab" typeface="Times New Roman"/>
-        <a:font script="Hebr" typeface="Times New Roman"/>
-        <a:font script="Thai" typeface="Angsana New"/>
-        <a:font script="Ethi" typeface="Nyala"/>
-        <a:font script="Beng" typeface="Vrinda"/>
-        <a:font script="Gujr" typeface="Shruti"/>
-        <a:font script="Khmr" typeface="MoolBoran"/>
-        <a:font script="Knda" typeface="Tunga"/>
-        <a:font script="Guru" typeface="Raavi"/>
-        <a:font script="Cans" typeface="Euphemia"/>
-        <a:font script="Cher" typeface="Plantagenet Cherokee"/>
-        <a:font script="Yiii" typeface="Microsoft Yi Baiti"/>
-        <a:font script="Tibt" typeface="Microsoft Himalaya"/>
-        <a:font script="Thaa" typeface="MV Boli"/>
-        <a:font script="Deva" typeface="Mangal"/>
-        <a:font script="Telu" typeface="Gautami"/>
-        <a:font script="Taml" typeface="Latha"/>
-        <a:font script="Syrc" typeface="Estrangelo Edessa"/>
-        <a:font script="Orya" typeface="Kalinga"/>
-        <a:font script="Mlym" typeface="Kartika"/>
-        <a:font script="Laoo" typeface="DokChampa"/>
-        <a:font script="Sinh" typeface="Iskoola Pota"/>
-        <a:font script="Mong" typeface="Mongolian Baiti"/>
-        <a:font script="Viet" typeface="Times New Roman"/>
-        <a:font script="Uigh" typeface="Microsoft Uighur"/>
-        <a:font script="Geor" typeface="Sylfaen"/>
-      </a:majorFont>
-      <a:minorFont>
-        <a:latin typeface="Calibri" panose="020F0502020204030204"/>
-        <a:ea typeface=""/>
-        <a:cs typeface=""/>
-        <a:font script="Jpan" typeface="ＭＳ Ｐゴシック"/>
-        <a:font script="Hang" typeface="맑은 고딕"/>
-        <a:font script="Hans" typeface="宋体"/>
-        <a:font script="Hant" typeface="新細明體"/>
-        <a:font script="Arab" typeface="Arial"/>
-        <a:font script="Hebr" typeface="Arial"/>
-        <a:font script="Thai" typeface="Cordia New"/>
+        <a:font script="Jpan" typeface="メイリオ"/>
+        <a:font script="Hang" typeface="HY중고딕"/>
+        <a:font script="Hans" typeface="幼圆"/>
+        <a:font script="Hant" typeface="微軟正黑體"/>
+        <a:font script="Arab" typeface="Tahoma"/>
+        <a:font script="Hebr" typeface="Gisha"/>
+        <a:font script="Thai" typeface="DilleniaUPC"/>
         <a:font script="Ethi" typeface="Nyala"/>
         <a:font script="Beng" typeface="Vrinda"/>
         <a:font script="Gujr" typeface="Shruti"/>
@@ -4909,13 +9085,121 @@
         <a:font script="Laoo" typeface="DokChampa"/>
         <a:font script="Sinh" typeface="Iskoola Pota"/>
         <a:font script="Mong" typeface="Mongolian Baiti"/>
-        <a:font script="Viet" typeface="Arial"/>
+        <a:font script="Viet" typeface="Tahoma"/>
+        <a:font script="Uigh" typeface="Microsoft Uighur"/>
+        <a:font script="Geor" typeface="Sylfaen"/>
+      </a:majorFont>
+      <a:minorFont>
+        <a:latin typeface="Century Gothic" panose="020B0502020202020204"/>
+        <a:ea typeface=""/>
+        <a:cs typeface=""/>
+        <a:font script="Jpan" typeface="メイリオ"/>
+        <a:font script="Hang" typeface="HY중고딕"/>
+        <a:font script="Hans" typeface="幼圆"/>
+        <a:font script="Hant" typeface="微軟正黑體"/>
+        <a:font script="Arab" typeface="Tahoma"/>
+        <a:font script="Hebr" typeface="Gisha"/>
+        <a:font script="Thai" typeface="DilleniaUPC"/>
+        <a:font script="Ethi" typeface="Nyala"/>
+        <a:font script="Beng" typeface="Vrinda"/>
+        <a:font script="Gujr" typeface="Shruti"/>
+        <a:font script="Khmr" typeface="DaunPenh"/>
+        <a:font script="Knda" typeface="Tunga"/>
+        <a:font script="Guru" typeface="Raavi"/>
+        <a:font script="Cans" typeface="Euphemia"/>
+        <a:font script="Cher" typeface="Plantagenet Cherokee"/>
+        <a:font script="Yiii" typeface="Microsoft Yi Baiti"/>
+        <a:font script="Tibt" typeface="Microsoft Himalaya"/>
+        <a:font script="Thaa" typeface="MV Boli"/>
+        <a:font script="Deva" typeface="Mangal"/>
+        <a:font script="Telu" typeface="Gautami"/>
+        <a:font script="Taml" typeface="Latha"/>
+        <a:font script="Syrc" typeface="Estrangelo Edessa"/>
+        <a:font script="Orya" typeface="Kalinga"/>
+        <a:font script="Mlym" typeface="Kartika"/>
+        <a:font script="Laoo" typeface="DokChampa"/>
+        <a:font script="Sinh" typeface="Iskoola Pota"/>
+        <a:font script="Mong" typeface="Mongolian Baiti"/>
+        <a:font script="Viet" typeface="Tahoma"/>
         <a:font script="Uigh" typeface="Microsoft Uighur"/>
         <a:font script="Geor" typeface="Sylfaen"/>
       </a:minorFont>
     </a:fontScheme>
-    <a:fmtScheme name="Office">
+    <a:fmtScheme name="Wisp">
       <a:fillStyleLst>
+        <a:solidFill>
+          <a:schemeClr val="phClr"/>
+        </a:solidFill>
+        <a:solidFill>
+          <a:schemeClr val="phClr">
+            <a:tint val="70000"/>
+            <a:lumMod val="104000"/>
+          </a:schemeClr>
+        </a:solidFill>
+        <a:gradFill rotWithShape="1">
+          <a:gsLst>
+            <a:gs pos="0">
+              <a:schemeClr val="phClr">
+                <a:tint val="96000"/>
+                <a:lumMod val="104000"/>
+              </a:schemeClr>
+            </a:gs>
+            <a:gs pos="100000">
+              <a:schemeClr val="phClr">
+                <a:shade val="98000"/>
+                <a:lumMod val="94000"/>
+              </a:schemeClr>
+            </a:gs>
+          </a:gsLst>
+          <a:lin ang="5400000" scaled="0"/>
+        </a:gradFill>
+      </a:fillStyleLst>
+      <a:lnStyleLst>
+        <a:ln w="9525" cap="rnd" cmpd="sng" algn="ctr">
+          <a:solidFill>
+            <a:schemeClr val="phClr">
+              <a:shade val="90000"/>
+            </a:schemeClr>
+          </a:solidFill>
+          <a:prstDash val="solid"/>
+        </a:ln>
+        <a:ln w="15875" cap="rnd" cmpd="sng" algn="ctr">
+          <a:solidFill>
+            <a:schemeClr val="phClr"/>
+          </a:solidFill>
+          <a:prstDash val="solid"/>
+        </a:ln>
+        <a:ln w="22225" cap="rnd" cmpd="sng" algn="ctr">
+          <a:solidFill>
+            <a:schemeClr val="phClr"/>
+          </a:solidFill>
+          <a:prstDash val="solid"/>
+        </a:ln>
+      </a:lnStyleLst>
+      <a:effectStyleLst>
+        <a:effectStyle>
+          <a:effectLst/>
+        </a:effectStyle>
+        <a:effectStyle>
+          <a:effectLst>
+            <a:outerShdw blurRad="38100" dist="25400" dir="5400000" rotWithShape="0">
+              <a:srgbClr val="000000">
+                <a:alpha val="25000"/>
+              </a:srgbClr>
+            </a:outerShdw>
+          </a:effectLst>
+        </a:effectStyle>
+        <a:effectStyle>
+          <a:effectLst>
+            <a:outerShdw blurRad="50800" dist="38100" dir="5400000" rotWithShape="0">
+              <a:srgbClr val="000000">
+                <a:alpha val="60000"/>
+              </a:srgbClr>
+            </a:outerShdw>
+          </a:effectLst>
+        </a:effectStyle>
+      </a:effectStyleLst>
+      <a:bgFillStyleLst>
         <a:solidFill>
           <a:schemeClr val="phClr"/>
         </a:solidFill>
@@ -4923,23 +9207,15 @@
           <a:gsLst>
             <a:gs pos="0">
               <a:schemeClr val="phClr">
-                <a:lumMod val="110000"/>
-                <a:satMod val="105000"/>
-                <a:tint val="67000"/>
-              </a:schemeClr>
-            </a:gs>
-            <a:gs pos="50000">
-              <a:schemeClr val="phClr">
-                <a:lumMod val="105000"/>
-                <a:satMod val="103000"/>
-                <a:tint val="73000"/>
+                <a:tint val="90000"/>
+                <a:lumMod val="120000"/>
               </a:schemeClr>
             </a:gs>
             <a:gs pos="100000">
               <a:schemeClr val="phClr">
-                <a:lumMod val="105000"/>
-                <a:satMod val="109000"/>
-                <a:tint val="81000"/>
+                <a:shade val="98000"/>
+                <a:satMod val="120000"/>
+                <a:lumMod val="98000"/>
               </a:schemeClr>
             </a:gs>
           </a:gsLst>
@@ -4949,105 +9225,22 @@
           <a:gsLst>
             <a:gs pos="0">
               <a:schemeClr val="phClr">
-                <a:satMod val="103000"/>
-                <a:lumMod val="102000"/>
-                <a:tint val="94000"/>
-              </a:schemeClr>
-            </a:gs>
-            <a:gs pos="50000">
-              <a:schemeClr val="phClr">
-                <a:satMod val="110000"/>
-                <a:lumMod val="100000"/>
-                <a:shade val="100000"/>
+                <a:tint val="90000"/>
+                <a:satMod val="92000"/>
+                <a:lumMod val="120000"/>
               </a:schemeClr>
             </a:gs>
             <a:gs pos="100000">
               <a:schemeClr val="phClr">
-                <a:lumMod val="99000"/>
+                <a:shade val="98000"/>
                 <a:satMod val="120000"/>
-                <a:shade val="78000"/>
+                <a:lumMod val="98000"/>
               </a:schemeClr>
             </a:gs>
           </a:gsLst>
-          <a:lin ang="5400000" scaled="0"/>
-        </a:gradFill>
-      </a:fillStyleLst>
-      <a:lnStyleLst>
-        <a:ln w="6350" cap="flat" cmpd="sng" algn="ctr">
-          <a:solidFill>
-            <a:schemeClr val="phClr"/>
-          </a:solidFill>
-          <a:prstDash val="solid"/>
-          <a:miter lim="800000"/>
-        </a:ln>
-        <a:ln w="12700" cap="flat" cmpd="sng" algn="ctr">
-          <a:solidFill>
-            <a:schemeClr val="phClr"/>
-          </a:solidFill>
-          <a:prstDash val="solid"/>
-          <a:miter lim="800000"/>
-        </a:ln>
-        <a:ln w="19050" cap="flat" cmpd="sng" algn="ctr">
-          <a:solidFill>
-            <a:schemeClr val="phClr"/>
-          </a:solidFill>
-          <a:prstDash val="solid"/>
-          <a:miter lim="800000"/>
-        </a:ln>
-      </a:lnStyleLst>
-      <a:effectStyleLst>
-        <a:effectStyle>
-          <a:effectLst/>
-        </a:effectStyle>
-        <a:effectStyle>
-          <a:effectLst/>
-        </a:effectStyle>
-        <a:effectStyle>
-          <a:effectLst>
-            <a:outerShdw blurRad="57150" dist="19050" dir="5400000" algn="ctr" rotWithShape="0">
-              <a:srgbClr val="000000">
-                <a:alpha val="63000"/>
-              </a:srgbClr>
-            </a:outerShdw>
-          </a:effectLst>
-        </a:effectStyle>
-      </a:effectStyleLst>
-      <a:bgFillStyleLst>
-        <a:solidFill>
-          <a:schemeClr val="phClr"/>
-        </a:solidFill>
-        <a:solidFill>
-          <a:schemeClr val="phClr">
-            <a:tint val="95000"/>
-            <a:satMod val="170000"/>
-          </a:schemeClr>
-        </a:solidFill>
-        <a:gradFill rotWithShape="1">
-          <a:gsLst>
-            <a:gs pos="0">
-              <a:schemeClr val="phClr">
-                <a:tint val="93000"/>
-                <a:satMod val="150000"/>
-                <a:shade val="98000"/>
-                <a:lumMod val="102000"/>
-              </a:schemeClr>
-            </a:gs>
-            <a:gs pos="50000">
-              <a:schemeClr val="phClr">
-                <a:tint val="98000"/>
-                <a:satMod val="130000"/>
-                <a:shade val="90000"/>
-                <a:lumMod val="103000"/>
-              </a:schemeClr>
-            </a:gs>
-            <a:gs pos="100000">
-              <a:schemeClr val="phClr">
-                <a:shade val="63000"/>
-                <a:satMod val="120000"/>
-              </a:schemeClr>
-            </a:gs>
-          </a:gsLst>
-          <a:lin ang="5400000" scaled="0"/>
+          <a:path path="circle">
+            <a:fillToRect l="50000" t="50000" r="100000" b="100000"/>
+          </a:path>
         </a:gradFill>
       </a:bgFillStyleLst>
     </a:fmtScheme>
@@ -5056,7 +9249,7 @@
   <a:extraClrSchemeLst/>
   <a:extLst>
     <a:ext uri="{05A4C25C-085E-4340-85A3-A5531E510DB2}">
-      <thm15:themeFamily xmlns:thm15="http://schemas.microsoft.com/office/thememl/2012/main" name="Office Theme" id="{62F939B6-93AF-4DB8-9C6B-D6C7DFDC589F}" vid="{4A3C46E8-61CC-4603-A589-7422A47A8E4A}"/>
+      <thm15:themeFamily xmlns:thm15="http://schemas.microsoft.com/office/thememl/2012/main" name="Wisp" id="{7CB32D59-10C0-40DD-B7BD-2E94284A981C}" vid="{24B1A44C-C006-48B2-A4D7-E5549B3D8CD4}"/>
     </a:ext>
   </a:extLst>
 </a:theme>
